--- a/document/Capstone_Two-House_Prices_Alice_Wang.pptx
+++ b/document/Capstone_Two-House_Prices_Alice_Wang.pptx
@@ -4,23 +4,28 @@
   <p:sldMasterIdLst>
     <p:sldMasterId id="2147483648" r:id="rId1"/>
   </p:sldMasterIdLst>
+  <p:notesMasterIdLst>
+    <p:notesMasterId r:id="rId20"/>
+  </p:notesMasterIdLst>
   <p:sldIdLst>
     <p:sldId id="256" r:id="rId2"/>
     <p:sldId id="257" r:id="rId3"/>
     <p:sldId id="268" r:id="rId4"/>
     <p:sldId id="259" r:id="rId5"/>
-    <p:sldId id="274" r:id="rId6"/>
-    <p:sldId id="260" r:id="rId7"/>
-    <p:sldId id="270" r:id="rId8"/>
-    <p:sldId id="269" r:id="rId9"/>
-    <p:sldId id="271" r:id="rId10"/>
-    <p:sldId id="275" r:id="rId11"/>
-    <p:sldId id="276" r:id="rId12"/>
-    <p:sldId id="272" r:id="rId13"/>
-    <p:sldId id="278" r:id="rId14"/>
-    <p:sldId id="277" r:id="rId15"/>
-    <p:sldId id="273" r:id="rId16"/>
-    <p:sldId id="279" r:id="rId17"/>
+    <p:sldId id="280" r:id="rId6"/>
+    <p:sldId id="274" r:id="rId7"/>
+    <p:sldId id="260" r:id="rId8"/>
+    <p:sldId id="270" r:id="rId9"/>
+    <p:sldId id="269" r:id="rId10"/>
+    <p:sldId id="271" r:id="rId11"/>
+    <p:sldId id="275" r:id="rId12"/>
+    <p:sldId id="276" r:id="rId13"/>
+    <p:sldId id="272" r:id="rId14"/>
+    <p:sldId id="278" r:id="rId15"/>
+    <p:sldId id="277" r:id="rId16"/>
+    <p:sldId id="281" r:id="rId17"/>
+    <p:sldId id="273" r:id="rId18"/>
+    <p:sldId id="279" r:id="rId19"/>
   </p:sldIdLst>
   <p:sldSz cx="12192000" cy="6858000"/>
   <p:notesSz cx="6858000" cy="9144000"/>
@@ -127,6 +132,439 @@
 </p:presentation>
 </file>
 
+<file path=ppt/notesMasters/notesMaster1.xml><?xml version="1.0" encoding="utf-8"?>
+<p:notesMaster xmlns:a="http://schemas.openxmlformats.org/drawingml/2006/main" xmlns:r="http://schemas.openxmlformats.org/officeDocument/2006/relationships" xmlns:p="http://schemas.openxmlformats.org/presentationml/2006/main">
+  <p:cSld>
+    <p:bg>
+      <p:bgRef idx="1001">
+        <a:schemeClr val="bg1"/>
+      </p:bgRef>
+    </p:bg>
+    <p:spTree>
+      <p:nvGrpSpPr>
+        <p:cNvPr id="1" name=""/>
+        <p:cNvGrpSpPr/>
+        <p:nvPr/>
+      </p:nvGrpSpPr>
+      <p:grpSpPr>
+        <a:xfrm>
+          <a:off x="0" y="0"/>
+          <a:ext cx="0" cy="0"/>
+          <a:chOff x="0" y="0"/>
+          <a:chExt cx="0" cy="0"/>
+        </a:xfrm>
+      </p:grpSpPr>
+      <p:sp>
+        <p:nvSpPr>
+          <p:cNvPr id="2" name="Header Placeholder 1"/>
+          <p:cNvSpPr>
+            <a:spLocks noGrp="1"/>
+          </p:cNvSpPr>
+          <p:nvPr>
+            <p:ph type="hdr" sz="quarter"/>
+          </p:nvPr>
+        </p:nvSpPr>
+        <p:spPr>
+          <a:xfrm>
+            <a:off x="0" y="0"/>
+            <a:ext cx="2971800" cy="458788"/>
+          </a:xfrm>
+          <a:prstGeom prst="rect">
+            <a:avLst/>
+          </a:prstGeom>
+        </p:spPr>
+        <p:txBody>
+          <a:bodyPr vert="horz" lIns="91440" tIns="45720" rIns="91440" bIns="45720" rtlCol="0"/>
+          <a:lstStyle>
+            <a:lvl1pPr algn="l">
+              <a:defRPr sz="1200"/>
+            </a:lvl1pPr>
+          </a:lstStyle>
+          <a:p>
+            <a:endParaRPr lang="en-US"/>
+          </a:p>
+        </p:txBody>
+      </p:sp>
+      <p:sp>
+        <p:nvSpPr>
+          <p:cNvPr id="3" name="Date Placeholder 2"/>
+          <p:cNvSpPr>
+            <a:spLocks noGrp="1"/>
+          </p:cNvSpPr>
+          <p:nvPr>
+            <p:ph type="dt" idx="1"/>
+          </p:nvPr>
+        </p:nvSpPr>
+        <p:spPr>
+          <a:xfrm>
+            <a:off x="3884613" y="0"/>
+            <a:ext cx="2971800" cy="458788"/>
+          </a:xfrm>
+          <a:prstGeom prst="rect">
+            <a:avLst/>
+          </a:prstGeom>
+        </p:spPr>
+        <p:txBody>
+          <a:bodyPr vert="horz" lIns="91440" tIns="45720" rIns="91440" bIns="45720" rtlCol="0"/>
+          <a:lstStyle>
+            <a:lvl1pPr algn="r">
+              <a:defRPr sz="1200"/>
+            </a:lvl1pPr>
+          </a:lstStyle>
+          <a:p>
+            <a:fld id="{D22DEA8C-7DB5-C54A-8B57-EFED5C3B03A1}" type="datetimeFigureOut">
+              <a:rPr lang="en-US" smtClean="0"/>
+              <a:t>3/3/23</a:t>
+            </a:fld>
+            <a:endParaRPr lang="en-US"/>
+          </a:p>
+        </p:txBody>
+      </p:sp>
+      <p:sp>
+        <p:nvSpPr>
+          <p:cNvPr id="4" name="Slide Image Placeholder 3"/>
+          <p:cNvSpPr>
+            <a:spLocks noGrp="1" noRot="1" noChangeAspect="1"/>
+          </p:cNvSpPr>
+          <p:nvPr>
+            <p:ph type="sldImg" idx="2"/>
+          </p:nvPr>
+        </p:nvSpPr>
+        <p:spPr>
+          <a:xfrm>
+            <a:off x="685800" y="1143000"/>
+            <a:ext cx="5486400" cy="3086100"/>
+          </a:xfrm>
+          <a:prstGeom prst="rect">
+            <a:avLst/>
+          </a:prstGeom>
+          <a:noFill/>
+          <a:ln w="12700">
+            <a:solidFill>
+              <a:prstClr val="black"/>
+            </a:solidFill>
+          </a:ln>
+        </p:spPr>
+        <p:txBody>
+          <a:bodyPr vert="horz" lIns="91440" tIns="45720" rIns="91440" bIns="45720" rtlCol="0" anchor="ctr"/>
+          <a:lstStyle/>
+          <a:p>
+            <a:endParaRPr lang="en-US"/>
+          </a:p>
+        </p:txBody>
+      </p:sp>
+      <p:sp>
+        <p:nvSpPr>
+          <p:cNvPr id="5" name="Notes Placeholder 4"/>
+          <p:cNvSpPr>
+            <a:spLocks noGrp="1"/>
+          </p:cNvSpPr>
+          <p:nvPr>
+            <p:ph type="body" sz="quarter" idx="3"/>
+          </p:nvPr>
+        </p:nvSpPr>
+        <p:spPr>
+          <a:xfrm>
+            <a:off x="685800" y="4400550"/>
+            <a:ext cx="5486400" cy="3600450"/>
+          </a:xfrm>
+          <a:prstGeom prst="rect">
+            <a:avLst/>
+          </a:prstGeom>
+        </p:spPr>
+        <p:txBody>
+          <a:bodyPr vert="horz" lIns="91440" tIns="45720" rIns="91440" bIns="45720" rtlCol="0"/>
+          <a:lstStyle/>
+          <a:p>
+            <a:pPr lvl="0"/>
+            <a:r>
+              <a:rPr lang="en-US"/>
+              <a:t>Click to edit Master text styles</a:t>
+            </a:r>
+          </a:p>
+          <a:p>
+            <a:pPr lvl="1"/>
+            <a:r>
+              <a:rPr lang="en-US"/>
+              <a:t>Second level</a:t>
+            </a:r>
+          </a:p>
+          <a:p>
+            <a:pPr lvl="2"/>
+            <a:r>
+              <a:rPr lang="en-US"/>
+              <a:t>Third level</a:t>
+            </a:r>
+          </a:p>
+          <a:p>
+            <a:pPr lvl="3"/>
+            <a:r>
+              <a:rPr lang="en-US"/>
+              <a:t>Fourth level</a:t>
+            </a:r>
+          </a:p>
+          <a:p>
+            <a:pPr lvl="4"/>
+            <a:r>
+              <a:rPr lang="en-US"/>
+              <a:t>Fifth level</a:t>
+            </a:r>
+          </a:p>
+        </p:txBody>
+      </p:sp>
+      <p:sp>
+        <p:nvSpPr>
+          <p:cNvPr id="6" name="Footer Placeholder 5"/>
+          <p:cNvSpPr>
+            <a:spLocks noGrp="1"/>
+          </p:cNvSpPr>
+          <p:nvPr>
+            <p:ph type="ftr" sz="quarter" idx="4"/>
+          </p:nvPr>
+        </p:nvSpPr>
+        <p:spPr>
+          <a:xfrm>
+            <a:off x="0" y="8685213"/>
+            <a:ext cx="2971800" cy="458787"/>
+          </a:xfrm>
+          <a:prstGeom prst="rect">
+            <a:avLst/>
+          </a:prstGeom>
+        </p:spPr>
+        <p:txBody>
+          <a:bodyPr vert="horz" lIns="91440" tIns="45720" rIns="91440" bIns="45720" rtlCol="0" anchor="b"/>
+          <a:lstStyle>
+            <a:lvl1pPr algn="l">
+              <a:defRPr sz="1200"/>
+            </a:lvl1pPr>
+          </a:lstStyle>
+          <a:p>
+            <a:endParaRPr lang="en-US"/>
+          </a:p>
+        </p:txBody>
+      </p:sp>
+      <p:sp>
+        <p:nvSpPr>
+          <p:cNvPr id="7" name="Slide Number Placeholder 6"/>
+          <p:cNvSpPr>
+            <a:spLocks noGrp="1"/>
+          </p:cNvSpPr>
+          <p:nvPr>
+            <p:ph type="sldNum" sz="quarter" idx="5"/>
+          </p:nvPr>
+        </p:nvSpPr>
+        <p:spPr>
+          <a:xfrm>
+            <a:off x="3884613" y="8685213"/>
+            <a:ext cx="2971800" cy="458787"/>
+          </a:xfrm>
+          <a:prstGeom prst="rect">
+            <a:avLst/>
+          </a:prstGeom>
+        </p:spPr>
+        <p:txBody>
+          <a:bodyPr vert="horz" lIns="91440" tIns="45720" rIns="91440" bIns="45720" rtlCol="0" anchor="b"/>
+          <a:lstStyle>
+            <a:lvl1pPr algn="r">
+              <a:defRPr sz="1200"/>
+            </a:lvl1pPr>
+          </a:lstStyle>
+          <a:p>
+            <a:fld id="{B80036B6-2D84-4F40-801D-82CA61516BE4}" type="slidenum">
+              <a:rPr lang="en-US" smtClean="0"/>
+              <a:t>‹#›</a:t>
+            </a:fld>
+            <a:endParaRPr lang="en-US"/>
+          </a:p>
+        </p:txBody>
+      </p:sp>
+    </p:spTree>
+    <p:extLst>
+      <p:ext uri="{BB962C8B-B14F-4D97-AF65-F5344CB8AC3E}">
+        <p14:creationId xmlns:p14="http://schemas.microsoft.com/office/powerpoint/2010/main" val="1070217208"/>
+      </p:ext>
+    </p:extLst>
+  </p:cSld>
+  <p:clrMap bg1="lt1" tx1="dk1" bg2="lt2" tx2="dk2" accent1="accent1" accent2="accent2" accent3="accent3" accent4="accent4" accent5="accent5" accent6="accent6" hlink="hlink" folHlink="folHlink"/>
+  <p:notesStyle>
+    <a:lvl1pPr marL="0" algn="l" defTabSz="914400" rtl="0" eaLnBrk="1" latinLnBrk="0" hangingPunct="1">
+      <a:defRPr sz="1200" kern="1200">
+        <a:solidFill>
+          <a:schemeClr val="tx1"/>
+        </a:solidFill>
+        <a:latin typeface="+mn-lt"/>
+        <a:ea typeface="+mn-ea"/>
+        <a:cs typeface="+mn-cs"/>
+      </a:defRPr>
+    </a:lvl1pPr>
+    <a:lvl2pPr marL="457200" algn="l" defTabSz="914400" rtl="0" eaLnBrk="1" latinLnBrk="0" hangingPunct="1">
+      <a:defRPr sz="1200" kern="1200">
+        <a:solidFill>
+          <a:schemeClr val="tx1"/>
+        </a:solidFill>
+        <a:latin typeface="+mn-lt"/>
+        <a:ea typeface="+mn-ea"/>
+        <a:cs typeface="+mn-cs"/>
+      </a:defRPr>
+    </a:lvl2pPr>
+    <a:lvl3pPr marL="914400" algn="l" defTabSz="914400" rtl="0" eaLnBrk="1" latinLnBrk="0" hangingPunct="1">
+      <a:defRPr sz="1200" kern="1200">
+        <a:solidFill>
+          <a:schemeClr val="tx1"/>
+        </a:solidFill>
+        <a:latin typeface="+mn-lt"/>
+        <a:ea typeface="+mn-ea"/>
+        <a:cs typeface="+mn-cs"/>
+      </a:defRPr>
+    </a:lvl3pPr>
+    <a:lvl4pPr marL="1371600" algn="l" defTabSz="914400" rtl="0" eaLnBrk="1" latinLnBrk="0" hangingPunct="1">
+      <a:defRPr sz="1200" kern="1200">
+        <a:solidFill>
+          <a:schemeClr val="tx1"/>
+        </a:solidFill>
+        <a:latin typeface="+mn-lt"/>
+        <a:ea typeface="+mn-ea"/>
+        <a:cs typeface="+mn-cs"/>
+      </a:defRPr>
+    </a:lvl4pPr>
+    <a:lvl5pPr marL="1828800" algn="l" defTabSz="914400" rtl="0" eaLnBrk="1" latinLnBrk="0" hangingPunct="1">
+      <a:defRPr sz="1200" kern="1200">
+        <a:solidFill>
+          <a:schemeClr val="tx1"/>
+        </a:solidFill>
+        <a:latin typeface="+mn-lt"/>
+        <a:ea typeface="+mn-ea"/>
+        <a:cs typeface="+mn-cs"/>
+      </a:defRPr>
+    </a:lvl5pPr>
+    <a:lvl6pPr marL="2286000" algn="l" defTabSz="914400" rtl="0" eaLnBrk="1" latinLnBrk="0" hangingPunct="1">
+      <a:defRPr sz="1200" kern="1200">
+        <a:solidFill>
+          <a:schemeClr val="tx1"/>
+        </a:solidFill>
+        <a:latin typeface="+mn-lt"/>
+        <a:ea typeface="+mn-ea"/>
+        <a:cs typeface="+mn-cs"/>
+      </a:defRPr>
+    </a:lvl6pPr>
+    <a:lvl7pPr marL="2743200" algn="l" defTabSz="914400" rtl="0" eaLnBrk="1" latinLnBrk="0" hangingPunct="1">
+      <a:defRPr sz="1200" kern="1200">
+        <a:solidFill>
+          <a:schemeClr val="tx1"/>
+        </a:solidFill>
+        <a:latin typeface="+mn-lt"/>
+        <a:ea typeface="+mn-ea"/>
+        <a:cs typeface="+mn-cs"/>
+      </a:defRPr>
+    </a:lvl7pPr>
+    <a:lvl8pPr marL="3200400" algn="l" defTabSz="914400" rtl="0" eaLnBrk="1" latinLnBrk="0" hangingPunct="1">
+      <a:defRPr sz="1200" kern="1200">
+        <a:solidFill>
+          <a:schemeClr val="tx1"/>
+        </a:solidFill>
+        <a:latin typeface="+mn-lt"/>
+        <a:ea typeface="+mn-ea"/>
+        <a:cs typeface="+mn-cs"/>
+      </a:defRPr>
+    </a:lvl8pPr>
+    <a:lvl9pPr marL="3657600" algn="l" defTabSz="914400" rtl="0" eaLnBrk="1" latinLnBrk="0" hangingPunct="1">
+      <a:defRPr sz="1200" kern="1200">
+        <a:solidFill>
+          <a:schemeClr val="tx1"/>
+        </a:solidFill>
+        <a:latin typeface="+mn-lt"/>
+        <a:ea typeface="+mn-ea"/>
+        <a:cs typeface="+mn-cs"/>
+      </a:defRPr>
+    </a:lvl9pPr>
+  </p:notesStyle>
+</p:notesMaster>
+</file>
+
+<file path=ppt/notesSlides/notesSlide1.xml><?xml version="1.0" encoding="utf-8"?>
+<p:notes xmlns:a="http://schemas.openxmlformats.org/drawingml/2006/main" xmlns:r="http://schemas.openxmlformats.org/officeDocument/2006/relationships" xmlns:p="http://schemas.openxmlformats.org/presentationml/2006/main">
+  <p:cSld>
+    <p:spTree>
+      <p:nvGrpSpPr>
+        <p:cNvPr id="1" name=""/>
+        <p:cNvGrpSpPr/>
+        <p:nvPr/>
+      </p:nvGrpSpPr>
+      <p:grpSpPr>
+        <a:xfrm>
+          <a:off x="0" y="0"/>
+          <a:ext cx="0" cy="0"/>
+          <a:chOff x="0" y="0"/>
+          <a:chExt cx="0" cy="0"/>
+        </a:xfrm>
+      </p:grpSpPr>
+      <p:sp>
+        <p:nvSpPr>
+          <p:cNvPr id="2" name="Slide Image Placeholder 1"/>
+          <p:cNvSpPr>
+            <a:spLocks noGrp="1" noRot="1" noChangeAspect="1"/>
+          </p:cNvSpPr>
+          <p:nvPr>
+            <p:ph type="sldImg"/>
+          </p:nvPr>
+        </p:nvSpPr>
+        <p:spPr/>
+      </p:sp>
+      <p:sp>
+        <p:nvSpPr>
+          <p:cNvPr id="3" name="Notes Placeholder 2"/>
+          <p:cNvSpPr>
+            <a:spLocks noGrp="1"/>
+          </p:cNvSpPr>
+          <p:nvPr>
+            <p:ph type="body" idx="1"/>
+          </p:nvPr>
+        </p:nvSpPr>
+        <p:spPr/>
+        <p:txBody>
+          <a:bodyPr/>
+          <a:lstStyle/>
+          <a:p>
+            <a:endParaRPr lang="en-US" dirty="0"/>
+          </a:p>
+        </p:txBody>
+      </p:sp>
+      <p:sp>
+        <p:nvSpPr>
+          <p:cNvPr id="4" name="Slide Number Placeholder 3"/>
+          <p:cNvSpPr>
+            <a:spLocks noGrp="1"/>
+          </p:cNvSpPr>
+          <p:nvPr>
+            <p:ph type="sldNum" sz="quarter" idx="5"/>
+          </p:nvPr>
+        </p:nvSpPr>
+        <p:spPr/>
+        <p:txBody>
+          <a:bodyPr/>
+          <a:lstStyle/>
+          <a:p>
+            <a:fld id="{B80036B6-2D84-4F40-801D-82CA61516BE4}" type="slidenum">
+              <a:rPr lang="en-US" smtClean="0"/>
+              <a:t>16</a:t>
+            </a:fld>
+            <a:endParaRPr lang="en-US"/>
+          </a:p>
+        </p:txBody>
+      </p:sp>
+    </p:spTree>
+    <p:extLst>
+      <p:ext uri="{BB962C8B-B14F-4D97-AF65-F5344CB8AC3E}">
+        <p14:creationId xmlns:p14="http://schemas.microsoft.com/office/powerpoint/2010/main" val="1373181234"/>
+      </p:ext>
+    </p:extLst>
+  </p:cSld>
+  <p:clrMapOvr>
+    <a:masterClrMapping/>
+  </p:clrMapOvr>
+</p:notes>
+</file>
+
 <file path=ppt/slideLayouts/slideLayout1.xml><?xml version="1.0" encoding="utf-8"?>
 <p:sldLayout xmlns:a="http://schemas.openxmlformats.org/drawingml/2006/main" xmlns:r="http://schemas.openxmlformats.org/officeDocument/2006/relationships" xmlns:p="http://schemas.openxmlformats.org/presentationml/2006/main" type="title" preserve="1">
   <p:cSld name="Title Slide">
@@ -274,7 +712,7 @@
           <a:p>
             <a:fld id="{8060482E-DC6D-6644-A21A-A6C4453A3B7E}" type="datetimeFigureOut">
               <a:rPr lang="en-US" smtClean="0"/>
-              <a:t>2/26/23</a:t>
+              <a:t>3/3/23</a:t>
             </a:fld>
             <a:endParaRPr lang="en-US"/>
           </a:p>
@@ -472,7 +910,7 @@
           <a:p>
             <a:fld id="{8060482E-DC6D-6644-A21A-A6C4453A3B7E}" type="datetimeFigureOut">
               <a:rPr lang="en-US" smtClean="0"/>
-              <a:t>2/26/23</a:t>
+              <a:t>3/3/23</a:t>
             </a:fld>
             <a:endParaRPr lang="en-US"/>
           </a:p>
@@ -680,7 +1118,7 @@
           <a:p>
             <a:fld id="{8060482E-DC6D-6644-A21A-A6C4453A3B7E}" type="datetimeFigureOut">
               <a:rPr lang="en-US" smtClean="0"/>
-              <a:t>2/26/23</a:t>
+              <a:t>3/3/23</a:t>
             </a:fld>
             <a:endParaRPr lang="en-US"/>
           </a:p>
@@ -878,7 +1316,7 @@
           <a:p>
             <a:fld id="{8060482E-DC6D-6644-A21A-A6C4453A3B7E}" type="datetimeFigureOut">
               <a:rPr lang="en-US" smtClean="0"/>
-              <a:t>2/26/23</a:t>
+              <a:t>3/3/23</a:t>
             </a:fld>
             <a:endParaRPr lang="en-US"/>
           </a:p>
@@ -1153,7 +1591,7 @@
           <a:p>
             <a:fld id="{8060482E-DC6D-6644-A21A-A6C4453A3B7E}" type="datetimeFigureOut">
               <a:rPr lang="en-US" smtClean="0"/>
-              <a:t>2/26/23</a:t>
+              <a:t>3/3/23</a:t>
             </a:fld>
             <a:endParaRPr lang="en-US"/>
           </a:p>
@@ -1418,7 +1856,7 @@
           <a:p>
             <a:fld id="{8060482E-DC6D-6644-A21A-A6C4453A3B7E}" type="datetimeFigureOut">
               <a:rPr lang="en-US" smtClean="0"/>
-              <a:t>2/26/23</a:t>
+              <a:t>3/3/23</a:t>
             </a:fld>
             <a:endParaRPr lang="en-US"/>
           </a:p>
@@ -1830,7 +2268,7 @@
           <a:p>
             <a:fld id="{8060482E-DC6D-6644-A21A-A6C4453A3B7E}" type="datetimeFigureOut">
               <a:rPr lang="en-US" smtClean="0"/>
-              <a:t>2/26/23</a:t>
+              <a:t>3/3/23</a:t>
             </a:fld>
             <a:endParaRPr lang="en-US"/>
           </a:p>
@@ -1971,7 +2409,7 @@
           <a:p>
             <a:fld id="{8060482E-DC6D-6644-A21A-A6C4453A3B7E}" type="datetimeFigureOut">
               <a:rPr lang="en-US" smtClean="0"/>
-              <a:t>2/26/23</a:t>
+              <a:t>3/3/23</a:t>
             </a:fld>
             <a:endParaRPr lang="en-US"/>
           </a:p>
@@ -2084,7 +2522,7 @@
           <a:p>
             <a:fld id="{8060482E-DC6D-6644-A21A-A6C4453A3B7E}" type="datetimeFigureOut">
               <a:rPr lang="en-US" smtClean="0"/>
-              <a:t>2/26/23</a:t>
+              <a:t>3/3/23</a:t>
             </a:fld>
             <a:endParaRPr lang="en-US"/>
           </a:p>
@@ -2395,7 +2833,7 @@
           <a:p>
             <a:fld id="{8060482E-DC6D-6644-A21A-A6C4453A3B7E}" type="datetimeFigureOut">
               <a:rPr lang="en-US" smtClean="0"/>
-              <a:t>2/26/23</a:t>
+              <a:t>3/3/23</a:t>
             </a:fld>
             <a:endParaRPr lang="en-US"/>
           </a:p>
@@ -2683,7 +3121,7 @@
           <a:p>
             <a:fld id="{8060482E-DC6D-6644-A21A-A6C4453A3B7E}" type="datetimeFigureOut">
               <a:rPr lang="en-US" smtClean="0"/>
-              <a:t>2/26/23</a:t>
+              <a:t>3/3/23</a:t>
             </a:fld>
             <a:endParaRPr lang="en-US"/>
           </a:p>
@@ -2924,7 +3362,7 @@
           <a:p>
             <a:fld id="{8060482E-DC6D-6644-A21A-A6C4453A3B7E}" type="datetimeFigureOut">
               <a:rPr lang="en-US" smtClean="0"/>
-              <a:t>2/26/23</a:t>
+              <a:t>3/3/23</a:t>
             </a:fld>
             <a:endParaRPr lang="en-US"/>
           </a:p>
@@ -4006,6 +4444,553 @@
       </p:grpSpPr>
       <p:sp useBgFill="1">
         <p:nvSpPr>
+          <p:cNvPr id="37" name="Rectangle 36">
+            <a:extLst>
+              <a:ext uri="{FF2B5EF4-FFF2-40B4-BE49-F238E27FC236}">
+                <a16:creationId xmlns:a16="http://schemas.microsoft.com/office/drawing/2014/main" id="{2151139A-886F-4B97-8815-729AD3831BBD}"/>
+              </a:ext>
+              <a:ext uri="{C183D7F6-B498-43B3-948B-1728B52AA6E4}">
+                <adec:decorative xmlns:adec="http://schemas.microsoft.com/office/drawing/2017/decorative" val="1"/>
+              </a:ext>
+            </a:extLst>
+          </p:cNvPr>
+          <p:cNvSpPr>
+            <a:spLocks noGrp="1" noRot="1" noChangeAspect="1" noMove="1" noResize="1" noEditPoints="1" noAdjustHandles="1" noChangeArrowheads="1" noChangeShapeType="1" noTextEdit="1"/>
+          </p:cNvSpPr>
+          <p:nvPr>
+            <p:extLst>
+              <p:ext uri="{386F3935-93C4-4BCD-93E2-E3B085C9AB24}">
+                <p16:designElem xmlns:p16="http://schemas.microsoft.com/office/powerpoint/2015/main" val="1"/>
+              </p:ext>
+            </p:extLst>
+          </p:nvPr>
+        </p:nvSpPr>
+        <p:spPr>
+          <a:xfrm>
+            <a:off x="0" y="0"/>
+            <a:ext cx="12192000" cy="6858000"/>
+          </a:xfrm>
+          <a:prstGeom prst="rect">
+            <a:avLst/>
+          </a:prstGeom>
+          <a:ln w="12700" cap="flat" cmpd="sng" algn="ctr">
+            <a:noFill/>
+            <a:prstDash val="solid"/>
+            <a:miter lim="800000"/>
+          </a:ln>
+          <a:effectLst/>
+          <a:extLst>
+            <a:ext uri="{91240B29-F687-4F45-9708-019B960494DF}">
+              <a14:hiddenLine xmlns:a14="http://schemas.microsoft.com/office/drawing/2010/main" w="12700" cap="flat" cmpd="sng" algn="ctr">
+                <a:solidFill>
+                  <a:schemeClr val="accent1">
+                    <a:shade val="50000"/>
+                  </a:schemeClr>
+                </a:solidFill>
+                <a:prstDash val="solid"/>
+                <a:miter lim="800000"/>
+              </a14:hiddenLine>
+            </a:ext>
+          </a:extLst>
+        </p:spPr>
+        <p:style>
+          <a:lnRef idx="2">
+            <a:schemeClr val="accent1">
+              <a:shade val="50000"/>
+            </a:schemeClr>
+          </a:lnRef>
+          <a:fillRef idx="1">
+            <a:schemeClr val="accent1"/>
+          </a:fillRef>
+          <a:effectRef idx="0">
+            <a:schemeClr val="accent1"/>
+          </a:effectRef>
+          <a:fontRef idx="minor">
+            <a:schemeClr val="lt1"/>
+          </a:fontRef>
+        </p:style>
+        <p:txBody>
+          <a:bodyPr rtlCol="0" anchor="ctr"/>
+          <a:lstStyle/>
+          <a:p>
+            <a:pPr algn="ctr"/>
+            <a:endParaRPr lang="en-US" sz="2000"/>
+          </a:p>
+        </p:txBody>
+      </p:sp>
+      <p:sp>
+        <p:nvSpPr>
+          <p:cNvPr id="39" name="Rectangle 38">
+            <a:extLst>
+              <a:ext uri="{FF2B5EF4-FFF2-40B4-BE49-F238E27FC236}">
+                <a16:creationId xmlns:a16="http://schemas.microsoft.com/office/drawing/2014/main" id="{AB5E08C4-8CDD-4623-A5B8-E998C6DEE3B7}"/>
+              </a:ext>
+              <a:ext uri="{C183D7F6-B498-43B3-948B-1728B52AA6E4}">
+                <adec:decorative xmlns:adec="http://schemas.microsoft.com/office/drawing/2017/decorative" val="1"/>
+              </a:ext>
+            </a:extLst>
+          </p:cNvPr>
+          <p:cNvSpPr>
+            <a:spLocks noGrp="1" noRot="1" noChangeAspect="1" noMove="1" noResize="1" noEditPoints="1" noAdjustHandles="1" noChangeArrowheads="1" noChangeShapeType="1" noTextEdit="1"/>
+          </p:cNvSpPr>
+          <p:nvPr>
+            <p:extLst>
+              <p:ext uri="{386F3935-93C4-4BCD-93E2-E3B085C9AB24}">
+                <p16:designElem xmlns:p16="http://schemas.microsoft.com/office/powerpoint/2015/main" val="1"/>
+              </p:ext>
+            </p:extLst>
+          </p:nvPr>
+        </p:nvSpPr>
+        <p:spPr>
+          <a:xfrm flipH="1">
+            <a:off x="2" y="492"/>
+            <a:ext cx="12191998" cy="1575955"/>
+          </a:xfrm>
+          <a:prstGeom prst="rect">
+            <a:avLst/>
+          </a:prstGeom>
+          <a:gradFill>
+            <a:gsLst>
+              <a:gs pos="0">
+                <a:schemeClr val="accent1">
+                  <a:lumMod val="50000"/>
+                </a:schemeClr>
+              </a:gs>
+              <a:gs pos="100000">
+                <a:schemeClr val="accent1">
+                  <a:lumMod val="75000"/>
+                </a:schemeClr>
+              </a:gs>
+            </a:gsLst>
+            <a:lin ang="8400000" scaled="0"/>
+          </a:gradFill>
+          <a:ln>
+            <a:noFill/>
+          </a:ln>
+        </p:spPr>
+        <p:style>
+          <a:lnRef idx="2">
+            <a:schemeClr val="accent1">
+              <a:shade val="50000"/>
+            </a:schemeClr>
+          </a:lnRef>
+          <a:fillRef idx="1">
+            <a:schemeClr val="accent1"/>
+          </a:fillRef>
+          <a:effectRef idx="0">
+            <a:schemeClr val="accent1"/>
+          </a:effectRef>
+          <a:fontRef idx="minor">
+            <a:schemeClr val="lt1"/>
+          </a:fontRef>
+        </p:style>
+        <p:txBody>
+          <a:bodyPr rtlCol="0" anchor="ctr"/>
+          <a:lstStyle/>
+          <a:p>
+            <a:pPr algn="ctr"/>
+            <a:endParaRPr lang="en-US"/>
+          </a:p>
+        </p:txBody>
+      </p:sp>
+      <p:sp>
+        <p:nvSpPr>
+          <p:cNvPr id="41" name="Rectangle 40">
+            <a:extLst>
+              <a:ext uri="{FF2B5EF4-FFF2-40B4-BE49-F238E27FC236}">
+                <a16:creationId xmlns:a16="http://schemas.microsoft.com/office/drawing/2014/main" id="{15F33878-D502-4FFA-8ACE-F2AECDB2A23F}"/>
+              </a:ext>
+              <a:ext uri="{C183D7F6-B498-43B3-948B-1728B52AA6E4}">
+                <adec:decorative xmlns:adec="http://schemas.microsoft.com/office/drawing/2017/decorative" val="1"/>
+              </a:ext>
+            </a:extLst>
+          </p:cNvPr>
+          <p:cNvSpPr>
+            <a:spLocks noGrp="1" noRot="1" noChangeAspect="1" noMove="1" noResize="1" noEditPoints="1" noAdjustHandles="1" noChangeArrowheads="1" noChangeShapeType="1" noTextEdit="1"/>
+          </p:cNvSpPr>
+          <p:nvPr>
+            <p:extLst>
+              <p:ext uri="{386F3935-93C4-4BCD-93E2-E3B085C9AB24}">
+                <p16:designElem xmlns:p16="http://schemas.microsoft.com/office/powerpoint/2015/main" val="1"/>
+              </p:ext>
+            </p:extLst>
+          </p:nvPr>
+        </p:nvSpPr>
+        <p:spPr>
+          <a:xfrm rot="10800000" flipH="1">
+            <a:off x="8128857" y="35"/>
+            <a:ext cx="4063143" cy="1576412"/>
+          </a:xfrm>
+          <a:prstGeom prst="rect">
+            <a:avLst/>
+          </a:prstGeom>
+          <a:gradFill>
+            <a:gsLst>
+              <a:gs pos="19000">
+                <a:schemeClr val="accent1">
+                  <a:lumMod val="50000"/>
+                  <a:alpha val="68000"/>
+                </a:schemeClr>
+              </a:gs>
+              <a:gs pos="100000">
+                <a:schemeClr val="accent1">
+                  <a:alpha val="79000"/>
+                </a:schemeClr>
+              </a:gs>
+            </a:gsLst>
+            <a:lin ang="19200000" scaled="0"/>
+          </a:gradFill>
+          <a:ln>
+            <a:noFill/>
+          </a:ln>
+        </p:spPr>
+        <p:style>
+          <a:lnRef idx="2">
+            <a:schemeClr val="accent1">
+              <a:shade val="50000"/>
+            </a:schemeClr>
+          </a:lnRef>
+          <a:fillRef idx="1">
+            <a:schemeClr val="accent1"/>
+          </a:fillRef>
+          <a:effectRef idx="0">
+            <a:schemeClr val="accent1"/>
+          </a:effectRef>
+          <a:fontRef idx="minor">
+            <a:schemeClr val="lt1"/>
+          </a:fontRef>
+        </p:style>
+        <p:txBody>
+          <a:bodyPr rtlCol="0" anchor="ctr"/>
+          <a:lstStyle/>
+          <a:p>
+            <a:pPr algn="ctr"/>
+            <a:endParaRPr lang="en-US"/>
+          </a:p>
+        </p:txBody>
+      </p:sp>
+      <p:sp>
+        <p:nvSpPr>
+          <p:cNvPr id="43" name="Rectangle 42">
+            <a:extLst>
+              <a:ext uri="{FF2B5EF4-FFF2-40B4-BE49-F238E27FC236}">
+                <a16:creationId xmlns:a16="http://schemas.microsoft.com/office/drawing/2014/main" id="{D3539FEE-81D3-4406-802E-60B20B16F4F6}"/>
+              </a:ext>
+              <a:ext uri="{C183D7F6-B498-43B3-948B-1728B52AA6E4}">
+                <adec:decorative xmlns:adec="http://schemas.microsoft.com/office/drawing/2017/decorative" val="1"/>
+              </a:ext>
+            </a:extLst>
+          </p:cNvPr>
+          <p:cNvSpPr>
+            <a:spLocks noGrp="1" noRot="1" noChangeAspect="1" noMove="1" noResize="1" noEditPoints="1" noAdjustHandles="1" noChangeArrowheads="1" noChangeShapeType="1" noTextEdit="1"/>
+          </p:cNvSpPr>
+          <p:nvPr>
+            <p:extLst>
+              <p:ext uri="{386F3935-93C4-4BCD-93E2-E3B085C9AB24}">
+                <p16:designElem xmlns:p16="http://schemas.microsoft.com/office/powerpoint/2015/main" val="1"/>
+              </p:ext>
+            </p:extLst>
+          </p:nvPr>
+        </p:nvSpPr>
+        <p:spPr>
+          <a:xfrm rot="5400000">
+            <a:off x="5307778" y="-5307777"/>
+            <a:ext cx="1576446" cy="12192001"/>
+          </a:xfrm>
+          <a:prstGeom prst="rect">
+            <a:avLst/>
+          </a:prstGeom>
+          <a:gradFill>
+            <a:gsLst>
+              <a:gs pos="16000">
+                <a:srgbClr val="000000">
+                  <a:alpha val="0"/>
+                </a:srgbClr>
+              </a:gs>
+              <a:gs pos="99000">
+                <a:srgbClr val="000000">
+                  <a:alpha val="87000"/>
+                </a:srgbClr>
+              </a:gs>
+            </a:gsLst>
+            <a:lin ang="11400000" scaled="0"/>
+          </a:gradFill>
+          <a:ln>
+            <a:noFill/>
+          </a:ln>
+        </p:spPr>
+        <p:style>
+          <a:lnRef idx="2">
+            <a:schemeClr val="accent1">
+              <a:shade val="50000"/>
+            </a:schemeClr>
+          </a:lnRef>
+          <a:fillRef idx="1">
+            <a:schemeClr val="accent1"/>
+          </a:fillRef>
+          <a:effectRef idx="0">
+            <a:schemeClr val="accent1"/>
+          </a:effectRef>
+          <a:fontRef idx="minor">
+            <a:schemeClr val="lt1"/>
+          </a:fontRef>
+        </p:style>
+        <p:txBody>
+          <a:bodyPr rtlCol="0" anchor="ctr"/>
+          <a:lstStyle/>
+          <a:p>
+            <a:pPr algn="ctr"/>
+            <a:endParaRPr lang="en-US" dirty="0"/>
+          </a:p>
+        </p:txBody>
+      </p:sp>
+      <p:sp>
+        <p:nvSpPr>
+          <p:cNvPr id="45" name="Rectangle 44">
+            <a:extLst>
+              <a:ext uri="{FF2B5EF4-FFF2-40B4-BE49-F238E27FC236}">
+                <a16:creationId xmlns:a16="http://schemas.microsoft.com/office/drawing/2014/main" id="{DC701763-729E-462F-A5A8-E0DEFEB1E2E4}"/>
+              </a:ext>
+              <a:ext uri="{C183D7F6-B498-43B3-948B-1728B52AA6E4}">
+                <adec:decorative xmlns:adec="http://schemas.microsoft.com/office/drawing/2017/decorative" val="1"/>
+              </a:ext>
+            </a:extLst>
+          </p:cNvPr>
+          <p:cNvSpPr>
+            <a:spLocks noGrp="1" noRot="1" noChangeAspect="1" noMove="1" noResize="1" noEditPoints="1" noAdjustHandles="1" noChangeArrowheads="1" noChangeShapeType="1" noTextEdit="1"/>
+          </p:cNvSpPr>
+          <p:nvPr>
+            <p:extLst>
+              <p:ext uri="{386F3935-93C4-4BCD-93E2-E3B085C9AB24}">
+                <p16:designElem xmlns:p16="http://schemas.microsoft.com/office/powerpoint/2015/main" val="1"/>
+              </p:ext>
+            </p:extLst>
+          </p:nvPr>
+        </p:nvSpPr>
+        <p:spPr>
+          <a:xfrm>
+            <a:off x="3825434" y="986"/>
+            <a:ext cx="4303422" cy="1575461"/>
+          </a:xfrm>
+          <a:prstGeom prst="rect">
+            <a:avLst/>
+          </a:prstGeom>
+          <a:gradFill>
+            <a:gsLst>
+              <a:gs pos="0">
+                <a:schemeClr val="accent1">
+                  <a:alpha val="17000"/>
+                </a:schemeClr>
+              </a:gs>
+              <a:gs pos="74000">
+                <a:schemeClr val="accent1">
+                  <a:lumMod val="50000"/>
+                  <a:alpha val="0"/>
+                </a:schemeClr>
+              </a:gs>
+            </a:gsLst>
+            <a:lin ang="14400000" scaled="0"/>
+          </a:gradFill>
+          <a:ln>
+            <a:noFill/>
+          </a:ln>
+        </p:spPr>
+        <p:style>
+          <a:lnRef idx="2">
+            <a:schemeClr val="accent1">
+              <a:shade val="50000"/>
+            </a:schemeClr>
+          </a:lnRef>
+          <a:fillRef idx="1">
+            <a:schemeClr val="accent1"/>
+          </a:fillRef>
+          <a:effectRef idx="0">
+            <a:schemeClr val="accent1"/>
+          </a:effectRef>
+          <a:fontRef idx="minor">
+            <a:schemeClr val="lt1"/>
+          </a:fontRef>
+        </p:style>
+        <p:txBody>
+          <a:bodyPr rtlCol="0" anchor="ctr"/>
+          <a:lstStyle/>
+          <a:p>
+            <a:pPr algn="ctr"/>
+            <a:endParaRPr lang="en-US"/>
+          </a:p>
+        </p:txBody>
+      </p:sp>
+      <p:sp>
+        <p:nvSpPr>
+          <p:cNvPr id="2" name="Title 1">
+            <a:extLst>
+              <a:ext uri="{FF2B5EF4-FFF2-40B4-BE49-F238E27FC236}">
+                <a16:creationId xmlns:a16="http://schemas.microsoft.com/office/drawing/2014/main" id="{0BEFB5E4-B482-0CBF-6478-B29788FFE4F4}"/>
+              </a:ext>
+            </a:extLst>
+          </p:cNvPr>
+          <p:cNvSpPr>
+            <a:spLocks noGrp="1"/>
+          </p:cNvSpPr>
+          <p:nvPr>
+            <p:ph type="title"/>
+          </p:nvPr>
+        </p:nvSpPr>
+        <p:spPr>
+          <a:xfrm>
+            <a:off x="699714" y="353160"/>
+            <a:ext cx="7091300" cy="898581"/>
+          </a:xfrm>
+        </p:spPr>
+        <p:txBody>
+          <a:bodyPr vert="horz" lIns="91440" tIns="45720" rIns="91440" bIns="45720" rtlCol="0" anchor="ctr">
+            <a:normAutofit/>
+          </a:bodyPr>
+          <a:lstStyle/>
+          <a:p>
+            <a:r>
+              <a:rPr lang="en-US" sz="4000" dirty="0">
+                <a:solidFill>
+                  <a:srgbClr val="FFFFFF"/>
+                </a:solidFill>
+              </a:rPr>
+              <a:t>Time vs Sale Price</a:t>
+            </a:r>
+          </a:p>
+        </p:txBody>
+      </p:sp>
+      <p:pic>
+        <p:nvPicPr>
+          <p:cNvPr id="5" name="Picture 4" descr="Chart, line chart&#10;&#10;Description automatically generated">
+            <a:extLst>
+              <a:ext uri="{FF2B5EF4-FFF2-40B4-BE49-F238E27FC236}">
+                <a16:creationId xmlns:a16="http://schemas.microsoft.com/office/drawing/2014/main" id="{EE59E36D-60AC-DD5C-96FE-68C06A1DCB89}"/>
+              </a:ext>
+            </a:extLst>
+          </p:cNvPr>
+          <p:cNvPicPr>
+            <a:picLocks noChangeAspect="1"/>
+          </p:cNvPicPr>
+          <p:nvPr/>
+        </p:nvPicPr>
+        <p:blipFill>
+          <a:blip r:embed="rId2"/>
+          <a:stretch>
+            <a:fillRect/>
+          </a:stretch>
+        </p:blipFill>
+        <p:spPr>
+          <a:xfrm>
+            <a:off x="1395663" y="3635108"/>
+            <a:ext cx="8843210" cy="2869732"/>
+          </a:xfrm>
+          <a:prstGeom prst="rect">
+            <a:avLst/>
+          </a:prstGeom>
+        </p:spPr>
+      </p:pic>
+      <p:sp>
+        <p:nvSpPr>
+          <p:cNvPr id="6" name="TextBox 5">
+            <a:extLst>
+              <a:ext uri="{FF2B5EF4-FFF2-40B4-BE49-F238E27FC236}">
+                <a16:creationId xmlns:a16="http://schemas.microsoft.com/office/drawing/2014/main" id="{7C6B3A27-AA25-5A98-D73A-9D6D974CBB64}"/>
+              </a:ext>
+            </a:extLst>
+          </p:cNvPr>
+          <p:cNvSpPr txBox="1"/>
+          <p:nvPr/>
+        </p:nvSpPr>
+        <p:spPr>
+          <a:xfrm>
+            <a:off x="699714" y="1928620"/>
+            <a:ext cx="10737781" cy="1200329"/>
+          </a:xfrm>
+          <a:prstGeom prst="rect">
+            <a:avLst/>
+          </a:prstGeom>
+          <a:noFill/>
+        </p:spPr>
+        <p:txBody>
+          <a:bodyPr wrap="square" rtlCol="0">
+            <a:spAutoFit/>
+          </a:bodyPr>
+          <a:lstStyle/>
+          <a:p>
+            <a:pPr marL="285750" indent="-285750">
+              <a:buFont typeface="Arial" panose="020B0604020202020204" pitchFamily="34" charset="0"/>
+              <a:buChar char="•"/>
+            </a:pPr>
+            <a:r>
+              <a:rPr lang="en-US" sz="1800" dirty="0">
+                <a:effectLst/>
+                <a:latin typeface="ArialMT"/>
+              </a:rPr>
+              <a:t>In general, the more recent the property was built or remodeled, the more expensive it would be. </a:t>
+            </a:r>
+            <a:endParaRPr lang="en-US" dirty="0"/>
+          </a:p>
+          <a:p>
+            <a:pPr marL="285750" indent="-285750">
+              <a:buFont typeface="Arial" panose="020B0604020202020204" pitchFamily="34" charset="0"/>
+              <a:buChar char="•"/>
+            </a:pPr>
+            <a:r>
+              <a:rPr lang="en-US" sz="1800" dirty="0">
+                <a:effectLst/>
+                <a:latin typeface="ArialMT"/>
+              </a:rPr>
+              <a:t>The properties sold during second half of the years were more expensive on average than properties sold in the beginning of the years. </a:t>
+            </a:r>
+            <a:endParaRPr lang="en-US" dirty="0">
+              <a:effectLst/>
+            </a:endParaRPr>
+          </a:p>
+          <a:p>
+            <a:endParaRPr lang="en-US" dirty="0"/>
+          </a:p>
+        </p:txBody>
+      </p:sp>
+    </p:spTree>
+    <p:extLst>
+      <p:ext uri="{BB962C8B-B14F-4D97-AF65-F5344CB8AC3E}">
+        <p14:creationId xmlns:p14="http://schemas.microsoft.com/office/powerpoint/2010/main" val="3924940800"/>
+      </p:ext>
+    </p:extLst>
+  </p:cSld>
+  <p:clrMapOvr>
+    <a:masterClrMapping/>
+  </p:clrMapOvr>
+</p:sld>
+</file>
+
+<file path=ppt/slides/slide11.xml><?xml version="1.0" encoding="utf-8"?>
+<p:sld xmlns:a="http://schemas.openxmlformats.org/drawingml/2006/main" xmlns:r="http://schemas.openxmlformats.org/officeDocument/2006/relationships" xmlns:p="http://schemas.openxmlformats.org/presentationml/2006/main">
+  <p:cSld>
+    <p:bg>
+      <p:bgPr>
+        <a:solidFill>
+          <a:schemeClr val="bg1"/>
+        </a:solidFill>
+        <a:effectLst/>
+      </p:bgPr>
+    </p:bg>
+    <p:spTree>
+      <p:nvGrpSpPr>
+        <p:cNvPr id="1" name=""/>
+        <p:cNvGrpSpPr/>
+        <p:nvPr/>
+      </p:nvGrpSpPr>
+      <p:grpSpPr>
+        <a:xfrm>
+          <a:off x="0" y="0"/>
+          <a:ext cx="0" cy="0"/>
+          <a:chOff x="0" y="0"/>
+          <a:chExt cx="0" cy="0"/>
+        </a:xfrm>
+      </p:grpSpPr>
+      <p:sp useBgFill="1">
+        <p:nvSpPr>
           <p:cNvPr id="26" name="Rectangle 25">
             <a:extLst>
               <a:ext uri="{FF2B5EF4-FFF2-40B4-BE49-F238E27FC236}">
@@ -4577,667 +5562,6 @@
 </p:sld>
 </file>
 
-<file path=ppt/slides/slide11.xml><?xml version="1.0" encoding="utf-8"?>
-<p:sld xmlns:a="http://schemas.openxmlformats.org/drawingml/2006/main" xmlns:r="http://schemas.openxmlformats.org/officeDocument/2006/relationships" xmlns:p="http://schemas.openxmlformats.org/presentationml/2006/main">
-  <p:cSld>
-    <p:bg>
-      <p:bgPr>
-        <a:solidFill>
-          <a:schemeClr val="bg1"/>
-        </a:solidFill>
-        <a:effectLst/>
-      </p:bgPr>
-    </p:bg>
-    <p:spTree>
-      <p:nvGrpSpPr>
-        <p:cNvPr id="1" name=""/>
-        <p:cNvGrpSpPr/>
-        <p:nvPr/>
-      </p:nvGrpSpPr>
-      <p:grpSpPr>
-        <a:xfrm>
-          <a:off x="0" y="0"/>
-          <a:ext cx="0" cy="0"/>
-          <a:chOff x="0" y="0"/>
-          <a:chExt cx="0" cy="0"/>
-        </a:xfrm>
-      </p:grpSpPr>
-      <p:sp useBgFill="1">
-        <p:nvSpPr>
-          <p:cNvPr id="37" name="Rectangle 36">
-            <a:extLst>
-              <a:ext uri="{FF2B5EF4-FFF2-40B4-BE49-F238E27FC236}">
-                <a16:creationId xmlns:a16="http://schemas.microsoft.com/office/drawing/2014/main" id="{2151139A-886F-4B97-8815-729AD3831BBD}"/>
-              </a:ext>
-              <a:ext uri="{C183D7F6-B498-43B3-948B-1728B52AA6E4}">
-                <adec:decorative xmlns:adec="http://schemas.microsoft.com/office/drawing/2017/decorative" val="1"/>
-              </a:ext>
-            </a:extLst>
-          </p:cNvPr>
-          <p:cNvSpPr>
-            <a:spLocks noGrp="1" noRot="1" noChangeAspect="1" noMove="1" noResize="1" noEditPoints="1" noAdjustHandles="1" noChangeArrowheads="1" noChangeShapeType="1" noTextEdit="1"/>
-          </p:cNvSpPr>
-          <p:nvPr>
-            <p:extLst>
-              <p:ext uri="{386F3935-93C4-4BCD-93E2-E3B085C9AB24}">
-                <p16:designElem xmlns:p16="http://schemas.microsoft.com/office/powerpoint/2015/main" val="1"/>
-              </p:ext>
-            </p:extLst>
-          </p:nvPr>
-        </p:nvSpPr>
-        <p:spPr>
-          <a:xfrm>
-            <a:off x="0" y="0"/>
-            <a:ext cx="12192000" cy="6858000"/>
-          </a:xfrm>
-          <a:prstGeom prst="rect">
-            <a:avLst/>
-          </a:prstGeom>
-          <a:ln w="12700" cap="flat" cmpd="sng" algn="ctr">
-            <a:noFill/>
-            <a:prstDash val="solid"/>
-            <a:miter lim="800000"/>
-          </a:ln>
-          <a:effectLst/>
-          <a:extLst>
-            <a:ext uri="{91240B29-F687-4F45-9708-019B960494DF}">
-              <a14:hiddenLine xmlns:a14="http://schemas.microsoft.com/office/drawing/2010/main" w="12700" cap="flat" cmpd="sng" algn="ctr">
-                <a:solidFill>
-                  <a:schemeClr val="accent1">
-                    <a:shade val="50000"/>
-                  </a:schemeClr>
-                </a:solidFill>
-                <a:prstDash val="solid"/>
-                <a:miter lim="800000"/>
-              </a14:hiddenLine>
-            </a:ext>
-          </a:extLst>
-        </p:spPr>
-        <p:style>
-          <a:lnRef idx="2">
-            <a:schemeClr val="accent1">
-              <a:shade val="50000"/>
-            </a:schemeClr>
-          </a:lnRef>
-          <a:fillRef idx="1">
-            <a:schemeClr val="accent1"/>
-          </a:fillRef>
-          <a:effectRef idx="0">
-            <a:schemeClr val="accent1"/>
-          </a:effectRef>
-          <a:fontRef idx="minor">
-            <a:schemeClr val="lt1"/>
-          </a:fontRef>
-        </p:style>
-        <p:txBody>
-          <a:bodyPr rtlCol="0" anchor="ctr"/>
-          <a:lstStyle/>
-          <a:p>
-            <a:pPr algn="ctr"/>
-            <a:endParaRPr lang="en-US" sz="2000"/>
-          </a:p>
-        </p:txBody>
-      </p:sp>
-      <p:sp>
-        <p:nvSpPr>
-          <p:cNvPr id="39" name="Rectangle 38">
-            <a:extLst>
-              <a:ext uri="{FF2B5EF4-FFF2-40B4-BE49-F238E27FC236}">
-                <a16:creationId xmlns:a16="http://schemas.microsoft.com/office/drawing/2014/main" id="{AB5E08C4-8CDD-4623-A5B8-E998C6DEE3B7}"/>
-              </a:ext>
-              <a:ext uri="{C183D7F6-B498-43B3-948B-1728B52AA6E4}">
-                <adec:decorative xmlns:adec="http://schemas.microsoft.com/office/drawing/2017/decorative" val="1"/>
-              </a:ext>
-            </a:extLst>
-          </p:cNvPr>
-          <p:cNvSpPr>
-            <a:spLocks noGrp="1" noRot="1" noChangeAspect="1" noMove="1" noResize="1" noEditPoints="1" noAdjustHandles="1" noChangeArrowheads="1" noChangeShapeType="1" noTextEdit="1"/>
-          </p:cNvSpPr>
-          <p:nvPr>
-            <p:extLst>
-              <p:ext uri="{386F3935-93C4-4BCD-93E2-E3B085C9AB24}">
-                <p16:designElem xmlns:p16="http://schemas.microsoft.com/office/powerpoint/2015/main" val="1"/>
-              </p:ext>
-            </p:extLst>
-          </p:nvPr>
-        </p:nvSpPr>
-        <p:spPr>
-          <a:xfrm flipH="1">
-            <a:off x="2" y="492"/>
-            <a:ext cx="12191998" cy="1575955"/>
-          </a:xfrm>
-          <a:prstGeom prst="rect">
-            <a:avLst/>
-          </a:prstGeom>
-          <a:gradFill>
-            <a:gsLst>
-              <a:gs pos="0">
-                <a:schemeClr val="accent1">
-                  <a:lumMod val="50000"/>
-                </a:schemeClr>
-              </a:gs>
-              <a:gs pos="100000">
-                <a:schemeClr val="accent1">
-                  <a:lumMod val="75000"/>
-                </a:schemeClr>
-              </a:gs>
-            </a:gsLst>
-            <a:lin ang="8400000" scaled="0"/>
-          </a:gradFill>
-          <a:ln>
-            <a:noFill/>
-          </a:ln>
-        </p:spPr>
-        <p:style>
-          <a:lnRef idx="2">
-            <a:schemeClr val="accent1">
-              <a:shade val="50000"/>
-            </a:schemeClr>
-          </a:lnRef>
-          <a:fillRef idx="1">
-            <a:schemeClr val="accent1"/>
-          </a:fillRef>
-          <a:effectRef idx="0">
-            <a:schemeClr val="accent1"/>
-          </a:effectRef>
-          <a:fontRef idx="minor">
-            <a:schemeClr val="lt1"/>
-          </a:fontRef>
-        </p:style>
-        <p:txBody>
-          <a:bodyPr rtlCol="0" anchor="ctr"/>
-          <a:lstStyle/>
-          <a:p>
-            <a:pPr algn="ctr"/>
-            <a:endParaRPr lang="en-US"/>
-          </a:p>
-        </p:txBody>
-      </p:sp>
-      <p:sp>
-        <p:nvSpPr>
-          <p:cNvPr id="41" name="Rectangle 40">
-            <a:extLst>
-              <a:ext uri="{FF2B5EF4-FFF2-40B4-BE49-F238E27FC236}">
-                <a16:creationId xmlns:a16="http://schemas.microsoft.com/office/drawing/2014/main" id="{15F33878-D502-4FFA-8ACE-F2AECDB2A23F}"/>
-              </a:ext>
-              <a:ext uri="{C183D7F6-B498-43B3-948B-1728B52AA6E4}">
-                <adec:decorative xmlns:adec="http://schemas.microsoft.com/office/drawing/2017/decorative" val="1"/>
-              </a:ext>
-            </a:extLst>
-          </p:cNvPr>
-          <p:cNvSpPr>
-            <a:spLocks noGrp="1" noRot="1" noChangeAspect="1" noMove="1" noResize="1" noEditPoints="1" noAdjustHandles="1" noChangeArrowheads="1" noChangeShapeType="1" noTextEdit="1"/>
-          </p:cNvSpPr>
-          <p:nvPr>
-            <p:extLst>
-              <p:ext uri="{386F3935-93C4-4BCD-93E2-E3B085C9AB24}">
-                <p16:designElem xmlns:p16="http://schemas.microsoft.com/office/powerpoint/2015/main" val="1"/>
-              </p:ext>
-            </p:extLst>
-          </p:nvPr>
-        </p:nvSpPr>
-        <p:spPr>
-          <a:xfrm rot="10800000" flipH="1">
-            <a:off x="8128857" y="35"/>
-            <a:ext cx="4063143" cy="1576412"/>
-          </a:xfrm>
-          <a:prstGeom prst="rect">
-            <a:avLst/>
-          </a:prstGeom>
-          <a:gradFill>
-            <a:gsLst>
-              <a:gs pos="19000">
-                <a:schemeClr val="accent1">
-                  <a:lumMod val="50000"/>
-                  <a:alpha val="68000"/>
-                </a:schemeClr>
-              </a:gs>
-              <a:gs pos="100000">
-                <a:schemeClr val="accent1">
-                  <a:alpha val="79000"/>
-                </a:schemeClr>
-              </a:gs>
-            </a:gsLst>
-            <a:lin ang="19200000" scaled="0"/>
-          </a:gradFill>
-          <a:ln>
-            <a:noFill/>
-          </a:ln>
-        </p:spPr>
-        <p:style>
-          <a:lnRef idx="2">
-            <a:schemeClr val="accent1">
-              <a:shade val="50000"/>
-            </a:schemeClr>
-          </a:lnRef>
-          <a:fillRef idx="1">
-            <a:schemeClr val="accent1"/>
-          </a:fillRef>
-          <a:effectRef idx="0">
-            <a:schemeClr val="accent1"/>
-          </a:effectRef>
-          <a:fontRef idx="minor">
-            <a:schemeClr val="lt1"/>
-          </a:fontRef>
-        </p:style>
-        <p:txBody>
-          <a:bodyPr rtlCol="0" anchor="ctr"/>
-          <a:lstStyle/>
-          <a:p>
-            <a:pPr algn="ctr"/>
-            <a:endParaRPr lang="en-US"/>
-          </a:p>
-        </p:txBody>
-      </p:sp>
-      <p:sp>
-        <p:nvSpPr>
-          <p:cNvPr id="43" name="Rectangle 42">
-            <a:extLst>
-              <a:ext uri="{FF2B5EF4-FFF2-40B4-BE49-F238E27FC236}">
-                <a16:creationId xmlns:a16="http://schemas.microsoft.com/office/drawing/2014/main" id="{D3539FEE-81D3-4406-802E-60B20B16F4F6}"/>
-              </a:ext>
-              <a:ext uri="{C183D7F6-B498-43B3-948B-1728B52AA6E4}">
-                <adec:decorative xmlns:adec="http://schemas.microsoft.com/office/drawing/2017/decorative" val="1"/>
-              </a:ext>
-            </a:extLst>
-          </p:cNvPr>
-          <p:cNvSpPr>
-            <a:spLocks noGrp="1" noRot="1" noChangeAspect="1" noMove="1" noResize="1" noEditPoints="1" noAdjustHandles="1" noChangeArrowheads="1" noChangeShapeType="1" noTextEdit="1"/>
-          </p:cNvSpPr>
-          <p:nvPr>
-            <p:extLst>
-              <p:ext uri="{386F3935-93C4-4BCD-93E2-E3B085C9AB24}">
-                <p16:designElem xmlns:p16="http://schemas.microsoft.com/office/powerpoint/2015/main" val="1"/>
-              </p:ext>
-            </p:extLst>
-          </p:nvPr>
-        </p:nvSpPr>
-        <p:spPr>
-          <a:xfrm rot="5400000">
-            <a:off x="5307778" y="-5307777"/>
-            <a:ext cx="1576446" cy="12192001"/>
-          </a:xfrm>
-          <a:prstGeom prst="rect">
-            <a:avLst/>
-          </a:prstGeom>
-          <a:gradFill>
-            <a:gsLst>
-              <a:gs pos="16000">
-                <a:srgbClr val="000000">
-                  <a:alpha val="0"/>
-                </a:srgbClr>
-              </a:gs>
-              <a:gs pos="99000">
-                <a:srgbClr val="000000">
-                  <a:alpha val="87000"/>
-                </a:srgbClr>
-              </a:gs>
-            </a:gsLst>
-            <a:lin ang="11400000" scaled="0"/>
-          </a:gradFill>
-          <a:ln>
-            <a:noFill/>
-          </a:ln>
-        </p:spPr>
-        <p:style>
-          <a:lnRef idx="2">
-            <a:schemeClr val="accent1">
-              <a:shade val="50000"/>
-            </a:schemeClr>
-          </a:lnRef>
-          <a:fillRef idx="1">
-            <a:schemeClr val="accent1"/>
-          </a:fillRef>
-          <a:effectRef idx="0">
-            <a:schemeClr val="accent1"/>
-          </a:effectRef>
-          <a:fontRef idx="minor">
-            <a:schemeClr val="lt1"/>
-          </a:fontRef>
-        </p:style>
-        <p:txBody>
-          <a:bodyPr rtlCol="0" anchor="ctr"/>
-          <a:lstStyle/>
-          <a:p>
-            <a:pPr algn="ctr"/>
-            <a:endParaRPr lang="en-US" dirty="0"/>
-          </a:p>
-        </p:txBody>
-      </p:sp>
-      <p:sp>
-        <p:nvSpPr>
-          <p:cNvPr id="45" name="Rectangle 44">
-            <a:extLst>
-              <a:ext uri="{FF2B5EF4-FFF2-40B4-BE49-F238E27FC236}">
-                <a16:creationId xmlns:a16="http://schemas.microsoft.com/office/drawing/2014/main" id="{DC701763-729E-462F-A5A8-E0DEFEB1E2E4}"/>
-              </a:ext>
-              <a:ext uri="{C183D7F6-B498-43B3-948B-1728B52AA6E4}">
-                <adec:decorative xmlns:adec="http://schemas.microsoft.com/office/drawing/2017/decorative" val="1"/>
-              </a:ext>
-            </a:extLst>
-          </p:cNvPr>
-          <p:cNvSpPr>
-            <a:spLocks noGrp="1" noRot="1" noChangeAspect="1" noMove="1" noResize="1" noEditPoints="1" noAdjustHandles="1" noChangeArrowheads="1" noChangeShapeType="1" noTextEdit="1"/>
-          </p:cNvSpPr>
-          <p:nvPr>
-            <p:extLst>
-              <p:ext uri="{386F3935-93C4-4BCD-93E2-E3B085C9AB24}">
-                <p16:designElem xmlns:p16="http://schemas.microsoft.com/office/powerpoint/2015/main" val="1"/>
-              </p:ext>
-            </p:extLst>
-          </p:nvPr>
-        </p:nvSpPr>
-        <p:spPr>
-          <a:xfrm>
-            <a:off x="3825434" y="986"/>
-            <a:ext cx="4303422" cy="1575461"/>
-          </a:xfrm>
-          <a:prstGeom prst="rect">
-            <a:avLst/>
-          </a:prstGeom>
-          <a:gradFill>
-            <a:gsLst>
-              <a:gs pos="0">
-                <a:schemeClr val="accent1">
-                  <a:alpha val="17000"/>
-                </a:schemeClr>
-              </a:gs>
-              <a:gs pos="74000">
-                <a:schemeClr val="accent1">
-                  <a:lumMod val="50000"/>
-                  <a:alpha val="0"/>
-                </a:schemeClr>
-              </a:gs>
-            </a:gsLst>
-            <a:lin ang="14400000" scaled="0"/>
-          </a:gradFill>
-          <a:ln>
-            <a:noFill/>
-          </a:ln>
-        </p:spPr>
-        <p:style>
-          <a:lnRef idx="2">
-            <a:schemeClr val="accent1">
-              <a:shade val="50000"/>
-            </a:schemeClr>
-          </a:lnRef>
-          <a:fillRef idx="1">
-            <a:schemeClr val="accent1"/>
-          </a:fillRef>
-          <a:effectRef idx="0">
-            <a:schemeClr val="accent1"/>
-          </a:effectRef>
-          <a:fontRef idx="minor">
-            <a:schemeClr val="lt1"/>
-          </a:fontRef>
-        </p:style>
-        <p:txBody>
-          <a:bodyPr rtlCol="0" anchor="ctr"/>
-          <a:lstStyle/>
-          <a:p>
-            <a:pPr algn="ctr"/>
-            <a:endParaRPr lang="en-US"/>
-          </a:p>
-        </p:txBody>
-      </p:sp>
-      <p:sp>
-        <p:nvSpPr>
-          <p:cNvPr id="2" name="Title 1">
-            <a:extLst>
-              <a:ext uri="{FF2B5EF4-FFF2-40B4-BE49-F238E27FC236}">
-                <a16:creationId xmlns:a16="http://schemas.microsoft.com/office/drawing/2014/main" id="{0BEFB5E4-B482-0CBF-6478-B29788FFE4F4}"/>
-              </a:ext>
-            </a:extLst>
-          </p:cNvPr>
-          <p:cNvSpPr>
-            <a:spLocks noGrp="1"/>
-          </p:cNvSpPr>
-          <p:nvPr>
-            <p:ph type="title"/>
-          </p:nvPr>
-        </p:nvSpPr>
-        <p:spPr>
-          <a:xfrm>
-            <a:off x="699714" y="353160"/>
-            <a:ext cx="7091300" cy="898581"/>
-          </a:xfrm>
-        </p:spPr>
-        <p:txBody>
-          <a:bodyPr vert="horz" lIns="91440" tIns="45720" rIns="91440" bIns="45720" rtlCol="0" anchor="ctr">
-            <a:normAutofit/>
-          </a:bodyPr>
-          <a:lstStyle/>
-          <a:p>
-            <a:r>
-              <a:rPr lang="en-US" sz="4000" dirty="0">
-                <a:solidFill>
-                  <a:srgbClr val="FFFFFF"/>
-                </a:solidFill>
-              </a:rPr>
-              <a:t>Feature Engineering</a:t>
-            </a:r>
-          </a:p>
-        </p:txBody>
-      </p:sp>
-      <p:sp>
-        <p:nvSpPr>
-          <p:cNvPr id="3" name="TextBox 2">
-            <a:extLst>
-              <a:ext uri="{FF2B5EF4-FFF2-40B4-BE49-F238E27FC236}">
-                <a16:creationId xmlns:a16="http://schemas.microsoft.com/office/drawing/2014/main" id="{52DF1184-164C-54E3-93AA-898359DB5799}"/>
-              </a:ext>
-            </a:extLst>
-          </p:cNvPr>
-          <p:cNvSpPr txBox="1"/>
-          <p:nvPr/>
-        </p:nvSpPr>
-        <p:spPr>
-          <a:xfrm>
-            <a:off x="908057" y="2297731"/>
-            <a:ext cx="10138175" cy="3693319"/>
-          </a:xfrm>
-          <a:prstGeom prst="rect">
-            <a:avLst/>
-          </a:prstGeom>
-          <a:noFill/>
-        </p:spPr>
-        <p:txBody>
-          <a:bodyPr wrap="square" rtlCol="0">
-            <a:spAutoFit/>
-          </a:bodyPr>
-          <a:lstStyle/>
-          <a:p>
-            <a:pPr algn="l"/>
-            <a:r>
-              <a:rPr lang="en-US" b="1" i="0" dirty="0">
-                <a:solidFill>
-                  <a:srgbClr val="24292F"/>
-                </a:solidFill>
-                <a:effectLst/>
-                <a:latin typeface="Arial" panose="020B0604020202020204" pitchFamily="34" charset="0"/>
-                <a:cs typeface="Arial" panose="020B0604020202020204" pitchFamily="34" charset="0"/>
-              </a:rPr>
-              <a:t>Feature Engineering Major Steps:</a:t>
-            </a:r>
-            <a:endParaRPr lang="en-US" dirty="0">
-              <a:solidFill>
-                <a:srgbClr val="24292F"/>
-              </a:solidFill>
-              <a:latin typeface="Arial" panose="020B0604020202020204" pitchFamily="34" charset="0"/>
-              <a:cs typeface="Arial" panose="020B0604020202020204" pitchFamily="34" charset="0"/>
-            </a:endParaRPr>
-          </a:p>
-          <a:p>
-            <a:pPr marL="285750" indent="-285750" algn="l">
-              <a:buFont typeface="Arial" panose="020B0604020202020204" pitchFamily="34" charset="0"/>
-              <a:buChar char="•"/>
-            </a:pPr>
-            <a:r>
-              <a:rPr lang="en-US" b="0" i="0" dirty="0">
-                <a:solidFill>
-                  <a:srgbClr val="24292F"/>
-                </a:solidFill>
-                <a:effectLst/>
-                <a:latin typeface="Arial" panose="020B0604020202020204" pitchFamily="34" charset="0"/>
-                <a:cs typeface="Arial" panose="020B0604020202020204" pitchFamily="34" charset="0"/>
-              </a:rPr>
-              <a:t>Encode some categorical features as ordered numbers when there is information</a:t>
-            </a:r>
-          </a:p>
-          <a:p>
-            <a:pPr marL="285750" indent="-285750" algn="l">
-              <a:buFont typeface="Arial" panose="020B0604020202020204" pitchFamily="34" charset="0"/>
-              <a:buChar char="•"/>
-            </a:pPr>
-            <a:r>
-              <a:rPr lang="en-US" b="0" i="0" dirty="0">
-                <a:solidFill>
-                  <a:srgbClr val="24292F"/>
-                </a:solidFill>
-                <a:effectLst/>
-                <a:latin typeface="Arial" panose="020B0604020202020204" pitchFamily="34" charset="0"/>
-                <a:cs typeface="Arial" panose="020B0604020202020204" pitchFamily="34" charset="0"/>
-              </a:rPr>
-              <a:t>Create new features</a:t>
-            </a:r>
-          </a:p>
-          <a:p>
-            <a:pPr marL="285750" indent="-285750" algn="l">
-              <a:buFont typeface="Arial" panose="020B0604020202020204" pitchFamily="34" charset="0"/>
-              <a:buChar char="•"/>
-            </a:pPr>
-            <a:r>
-              <a:rPr lang="en-US" b="0" i="0" dirty="0">
-                <a:solidFill>
-                  <a:srgbClr val="24292F"/>
-                </a:solidFill>
-                <a:effectLst/>
-                <a:latin typeface="Arial" panose="020B0604020202020204" pitchFamily="34" charset="0"/>
-                <a:cs typeface="Arial" panose="020B0604020202020204" pitchFamily="34" charset="0"/>
-              </a:rPr>
-              <a:t>Log transform of the skewed numerical features to lessen impact of outliers</a:t>
-            </a:r>
-          </a:p>
-          <a:p>
-            <a:pPr marL="285750" indent="-285750" algn="l">
-              <a:buFont typeface="Arial" panose="020B0604020202020204" pitchFamily="34" charset="0"/>
-              <a:buChar char="•"/>
-            </a:pPr>
-            <a:r>
-              <a:rPr lang="en-US" b="0" i="0" dirty="0">
-                <a:solidFill>
-                  <a:srgbClr val="24292F"/>
-                </a:solidFill>
-                <a:effectLst/>
-                <a:latin typeface="Arial" panose="020B0604020202020204" pitchFamily="34" charset="0"/>
-                <a:cs typeface="Arial" panose="020B0604020202020204" pitchFamily="34" charset="0"/>
-              </a:rPr>
-              <a:t>Transformation of categorical features vis one-hot encoding</a:t>
-            </a:r>
-          </a:p>
-          <a:p>
-            <a:pPr marL="285750" indent="-285750" algn="l">
-              <a:buFont typeface="Arial" panose="020B0604020202020204" pitchFamily="34" charset="0"/>
-              <a:buChar char="•"/>
-            </a:pPr>
-            <a:r>
-              <a:rPr lang="en-US" b="0" i="0" dirty="0">
-                <a:solidFill>
-                  <a:srgbClr val="24292F"/>
-                </a:solidFill>
-                <a:effectLst/>
-                <a:latin typeface="Arial" panose="020B0604020202020204" pitchFamily="34" charset="0"/>
-                <a:cs typeface="Arial" panose="020B0604020202020204" pitchFamily="34" charset="0"/>
-              </a:rPr>
-              <a:t>Split into testing and training datasets</a:t>
-            </a:r>
-          </a:p>
-          <a:p>
-            <a:pPr marL="285750" indent="-285750" algn="l">
-              <a:buFont typeface="Arial" panose="020B0604020202020204" pitchFamily="34" charset="0"/>
-              <a:buChar char="•"/>
-            </a:pPr>
-            <a:r>
-              <a:rPr lang="en-US" b="0" i="0" dirty="0">
-                <a:solidFill>
-                  <a:srgbClr val="24292F"/>
-                </a:solidFill>
-                <a:effectLst/>
-                <a:latin typeface="Arial" panose="020B0604020202020204" pitchFamily="34" charset="0"/>
-                <a:cs typeface="Arial" panose="020B0604020202020204" pitchFamily="34" charset="0"/>
-              </a:rPr>
-              <a:t>Standardize the magnitude of numeric features using a scaler</a:t>
-            </a:r>
-          </a:p>
-          <a:p>
-            <a:endParaRPr lang="en-US" dirty="0">
-              <a:latin typeface="Arial" panose="020B0604020202020204" pitchFamily="34" charset="0"/>
-              <a:cs typeface="Arial" panose="020B0604020202020204" pitchFamily="34" charset="0"/>
-            </a:endParaRPr>
-          </a:p>
-          <a:p>
-            <a:endParaRPr lang="en-US" dirty="0">
-              <a:latin typeface="Arial" panose="020B0604020202020204" pitchFamily="34" charset="0"/>
-              <a:cs typeface="Arial" panose="020B0604020202020204" pitchFamily="34" charset="0"/>
-            </a:endParaRPr>
-          </a:p>
-          <a:p>
-            <a:r>
-              <a:rPr lang="en-US" sz="1800" b="1" dirty="0">
-                <a:effectLst/>
-                <a:latin typeface="Arial" panose="020B0604020202020204" pitchFamily="34" charset="0"/>
-                <a:cs typeface="Arial" panose="020B0604020202020204" pitchFamily="34" charset="0"/>
-              </a:rPr>
-              <a:t>Model Optimization:</a:t>
-            </a:r>
-          </a:p>
-          <a:p>
-            <a:pPr marL="285750" indent="-285750">
-              <a:buFont typeface="Arial" panose="020B0604020202020204" pitchFamily="34" charset="0"/>
-              <a:buChar char="•"/>
-            </a:pPr>
-            <a:r>
-              <a:rPr lang="en-US" sz="1800" dirty="0">
-                <a:effectLst/>
-                <a:latin typeface="Arial" panose="020B0604020202020204" pitchFamily="34" charset="0"/>
-                <a:cs typeface="Arial" panose="020B0604020202020204" pitchFamily="34" charset="0"/>
-              </a:rPr>
-              <a:t>Randomized Search &amp; Grid Search for Hyperparameter Tuning</a:t>
-            </a:r>
-            <a:br>
-              <a:rPr lang="en-US" sz="1800" dirty="0">
-                <a:effectLst/>
-                <a:latin typeface="Arial" panose="020B0604020202020204" pitchFamily="34" charset="0"/>
-                <a:cs typeface="Arial" panose="020B0604020202020204" pitchFamily="34" charset="0"/>
-              </a:rPr>
-            </a:br>
-            <a:endParaRPr lang="en-US" dirty="0">
-              <a:effectLst/>
-              <a:latin typeface="Arial" panose="020B0604020202020204" pitchFamily="34" charset="0"/>
-              <a:cs typeface="Arial" panose="020B0604020202020204" pitchFamily="34" charset="0"/>
-            </a:endParaRPr>
-          </a:p>
-          <a:p>
-            <a:endParaRPr lang="en-US" dirty="0">
-              <a:latin typeface="Arial" panose="020B0604020202020204" pitchFamily="34" charset="0"/>
-              <a:cs typeface="Arial" panose="020B0604020202020204" pitchFamily="34" charset="0"/>
-            </a:endParaRPr>
-          </a:p>
-        </p:txBody>
-      </p:sp>
-    </p:spTree>
-    <p:extLst>
-      <p:ext uri="{BB962C8B-B14F-4D97-AF65-F5344CB8AC3E}">
-        <p14:creationId xmlns:p14="http://schemas.microsoft.com/office/powerpoint/2010/main" val="515981731"/>
-      </p:ext>
-    </p:extLst>
-  </p:cSld>
-  <p:clrMapOvr>
-    <a:masterClrMapping/>
-  </p:clrMapOvr>
-</p:sld>
-</file>
-
 <file path=ppt/slides/slide12.xml><?xml version="1.0" encoding="utf-8"?>
 <p:sld xmlns:a="http://schemas.openxmlformats.org/drawingml/2006/main" xmlns:r="http://schemas.openxmlformats.org/officeDocument/2006/relationships" xmlns:p="http://schemas.openxmlformats.org/presentationml/2006/main">
   <p:cSld>
@@ -5675,17 +5999,17 @@
                   <a:srgbClr val="FFFFFF"/>
                 </a:solidFill>
               </a:rPr>
-              <a:t>Modeling</a:t>
+              <a:t>Feature Engineering</a:t>
             </a:r>
           </a:p>
         </p:txBody>
       </p:sp>
       <p:sp>
         <p:nvSpPr>
-          <p:cNvPr id="9" name="TextBox 8">
-            <a:extLst>
-              <a:ext uri="{FF2B5EF4-FFF2-40B4-BE49-F238E27FC236}">
-                <a16:creationId xmlns:a16="http://schemas.microsoft.com/office/drawing/2014/main" id="{BB98792F-6AD1-03B7-B2A4-516B45FD46E6}"/>
+          <p:cNvPr id="3" name="TextBox 2">
+            <a:extLst>
+              <a:ext uri="{FF2B5EF4-FFF2-40B4-BE49-F238E27FC236}">
+                <a16:creationId xmlns:a16="http://schemas.microsoft.com/office/drawing/2014/main" id="{52DF1184-164C-54E3-93AA-898359DB5799}"/>
               </a:ext>
             </a:extLst>
           </p:cNvPr>
@@ -5694,8 +6018,8 @@
         </p:nvSpPr>
         <p:spPr>
           <a:xfrm>
-            <a:off x="792199" y="2288083"/>
-            <a:ext cx="5518660" cy="3416320"/>
+            <a:off x="908057" y="2297731"/>
+            <a:ext cx="10138175" cy="3693319"/>
           </a:xfrm>
           <a:prstGeom prst="rect">
             <a:avLst/>
@@ -5703,7 +6027,7 @@
           <a:noFill/>
         </p:spPr>
         <p:txBody>
-          <a:bodyPr wrap="square">
+          <a:bodyPr wrap="square" rtlCol="0">
             <a:spAutoFit/>
           </a:bodyPr>
           <a:lstStyle/>
@@ -5718,19 +6042,15 @@
                 <a:latin typeface="Arial" panose="020B0604020202020204" pitchFamily="34" charset="0"/>
                 <a:cs typeface="Arial" panose="020B0604020202020204" pitchFamily="34" charset="0"/>
               </a:rPr>
-              <a:t>Modeling Major Steps:</a:t>
+              <a:t>Feature Engineering Major Steps:</a:t>
             </a:r>
-            <a:r>
-              <a:rPr lang="en-US" b="0" i="0" dirty="0">
-                <a:solidFill>
-                  <a:srgbClr val="24292F"/>
-                </a:solidFill>
-                <a:effectLst/>
-                <a:latin typeface="Arial" panose="020B0604020202020204" pitchFamily="34" charset="0"/>
-                <a:cs typeface="Arial" panose="020B0604020202020204" pitchFamily="34" charset="0"/>
-              </a:rPr>
-              <a:t> </a:t>
-            </a:r>
+            <a:endParaRPr lang="en-US" dirty="0">
+              <a:solidFill>
+                <a:srgbClr val="24292F"/>
+              </a:solidFill>
+              <a:latin typeface="Arial" panose="020B0604020202020204" pitchFamily="34" charset="0"/>
+              <a:cs typeface="Arial" panose="020B0604020202020204" pitchFamily="34" charset="0"/>
+            </a:endParaRPr>
           </a:p>
           <a:p>
             <a:pPr marL="285750" indent="-285750" algn="l">
@@ -5746,7 +6066,7 @@
                 <a:latin typeface="Arial" panose="020B0604020202020204" pitchFamily="34" charset="0"/>
                 <a:cs typeface="Arial" panose="020B0604020202020204" pitchFamily="34" charset="0"/>
               </a:rPr>
-              <a:t>Lasso</a:t>
+              <a:t>Encode some categorical features as ordered numbers when there is information</a:t>
             </a:r>
           </a:p>
           <a:p>
@@ -5763,15 +6083,8 @@
                 <a:latin typeface="Arial" panose="020B0604020202020204" pitchFamily="34" charset="0"/>
                 <a:cs typeface="Arial" panose="020B0604020202020204" pitchFamily="34" charset="0"/>
               </a:rPr>
-              <a:t>ElasticNet</a:t>
+              <a:t>Create new features</a:t>
             </a:r>
-            <a:endParaRPr lang="en-US" dirty="0">
-              <a:solidFill>
-                <a:srgbClr val="24292F"/>
-              </a:solidFill>
-              <a:latin typeface="Arial" panose="020B0604020202020204" pitchFamily="34" charset="0"/>
-              <a:cs typeface="Arial" panose="020B0604020202020204" pitchFamily="34" charset="0"/>
-            </a:endParaRPr>
           </a:p>
           <a:p>
             <a:pPr marL="285750" indent="-285750" algn="l">
@@ -5787,15 +6100,8 @@
                 <a:latin typeface="Arial" panose="020B0604020202020204" pitchFamily="34" charset="0"/>
                 <a:cs typeface="Arial" panose="020B0604020202020204" pitchFamily="34" charset="0"/>
               </a:rPr>
-              <a:t>XGBoost</a:t>
+              <a:t>Log transform of the skewed numerical features to lessen impact of outliers</a:t>
             </a:r>
-            <a:endParaRPr lang="en-US" dirty="0">
-              <a:solidFill>
-                <a:srgbClr val="24292F"/>
-              </a:solidFill>
-              <a:latin typeface="Arial" panose="020B0604020202020204" pitchFamily="34" charset="0"/>
-              <a:cs typeface="Arial" panose="020B0604020202020204" pitchFamily="34" charset="0"/>
-            </a:endParaRPr>
           </a:p>
           <a:p>
             <a:pPr marL="285750" indent="-285750" algn="l">
@@ -5811,7 +6117,7 @@
                 <a:latin typeface="Arial" panose="020B0604020202020204" pitchFamily="34" charset="0"/>
                 <a:cs typeface="Arial" panose="020B0604020202020204" pitchFamily="34" charset="0"/>
               </a:rPr>
-              <a:t>Gradient Boosting Regression</a:t>
+              <a:t>Transformation of categorical features vis one-hot encoding</a:t>
             </a:r>
           </a:p>
           <a:p>
@@ -5828,7 +6134,7 @@
                 <a:latin typeface="Arial" panose="020B0604020202020204" pitchFamily="34" charset="0"/>
                 <a:cs typeface="Arial" panose="020B0604020202020204" pitchFamily="34" charset="0"/>
               </a:rPr>
-              <a:t>Light GBM</a:t>
+              <a:t>Split into testing and training datasets</a:t>
             </a:r>
           </a:p>
           <a:p>
@@ -5845,115 +6151,69 @@
                 <a:latin typeface="Arial" panose="020B0604020202020204" pitchFamily="34" charset="0"/>
                 <a:cs typeface="Arial" panose="020B0604020202020204" pitchFamily="34" charset="0"/>
               </a:rPr>
-              <a:t>Stacking Model with ElasticNet as the metamodel</a:t>
+              <a:t>Standardize the magnitude of numeric features using a scaler</a:t>
             </a:r>
           </a:p>
           <a:p>
-            <a:pPr algn="l"/>
-            <a:endParaRPr lang="en-US" b="0" i="0" dirty="0">
-              <a:solidFill>
-                <a:srgbClr val="24292F"/>
-              </a:solidFill>
+            <a:endParaRPr lang="en-US" dirty="0">
+              <a:latin typeface="Arial" panose="020B0604020202020204" pitchFamily="34" charset="0"/>
+              <a:cs typeface="Arial" panose="020B0604020202020204" pitchFamily="34" charset="0"/>
+            </a:endParaRPr>
+          </a:p>
+          <a:p>
+            <a:endParaRPr lang="en-US" dirty="0">
+              <a:latin typeface="Arial" panose="020B0604020202020204" pitchFamily="34" charset="0"/>
+              <a:cs typeface="Arial" panose="020B0604020202020204" pitchFamily="34" charset="0"/>
+            </a:endParaRPr>
+          </a:p>
+          <a:p>
+            <a:r>
+              <a:rPr lang="en-US" sz="1800" b="1" dirty="0">
+                <a:effectLst/>
+                <a:latin typeface="Arial" panose="020B0604020202020204" pitchFamily="34" charset="0"/>
+                <a:cs typeface="Arial" panose="020B0604020202020204" pitchFamily="34" charset="0"/>
+              </a:rPr>
+              <a:t>Model Optimization:</a:t>
+            </a:r>
+          </a:p>
+          <a:p>
+            <a:pPr marL="285750" indent="-285750">
+              <a:buFont typeface="Arial" panose="020B0604020202020204" pitchFamily="34" charset="0"/>
+              <a:buChar char="•"/>
+            </a:pPr>
+            <a:r>
+              <a:rPr lang="en-US" sz="1800" dirty="0">
+                <a:effectLst/>
+                <a:latin typeface="Arial" panose="020B0604020202020204" pitchFamily="34" charset="0"/>
+                <a:cs typeface="Arial" panose="020B0604020202020204" pitchFamily="34" charset="0"/>
+              </a:rPr>
+              <a:t>Randomized Search &amp; Grid Search for Hyperparameter Tuning</a:t>
+            </a:r>
+            <a:br>
+              <a:rPr lang="en-US" sz="1800" dirty="0">
+                <a:effectLst/>
+                <a:latin typeface="Arial" panose="020B0604020202020204" pitchFamily="34" charset="0"/>
+                <a:cs typeface="Arial" panose="020B0604020202020204" pitchFamily="34" charset="0"/>
+              </a:rPr>
+            </a:br>
+            <a:endParaRPr lang="en-US" dirty="0">
               <a:effectLst/>
               <a:latin typeface="Arial" panose="020B0604020202020204" pitchFamily="34" charset="0"/>
               <a:cs typeface="Arial" panose="020B0604020202020204" pitchFamily="34" charset="0"/>
             </a:endParaRPr>
           </a:p>
           <a:p>
-            <a:pPr algn="l"/>
-            <a:endParaRPr lang="en-US" b="0" i="0" dirty="0">
-              <a:solidFill>
-                <a:srgbClr val="24292F"/>
-              </a:solidFill>
-              <a:effectLst/>
+            <a:endParaRPr lang="en-US" dirty="0">
               <a:latin typeface="Arial" panose="020B0604020202020204" pitchFamily="34" charset="0"/>
               <a:cs typeface="Arial" panose="020B0604020202020204" pitchFamily="34" charset="0"/>
             </a:endParaRPr>
           </a:p>
-          <a:p>
-            <a:pPr algn="l"/>
-            <a:r>
-              <a:rPr lang="en-US" b="1" i="0" dirty="0">
-                <a:solidFill>
-                  <a:srgbClr val="24292F"/>
-                </a:solidFill>
-                <a:effectLst/>
-                <a:latin typeface="Arial" panose="020B0604020202020204" pitchFamily="34" charset="0"/>
-                <a:cs typeface="Arial" panose="020B0604020202020204" pitchFamily="34" charset="0"/>
-              </a:rPr>
-              <a:t>Model Validation Metric:</a:t>
-            </a:r>
-          </a:p>
-          <a:p>
-            <a:pPr algn="l">
-              <a:buFont typeface="+mj-lt"/>
-              <a:buAutoNum type="arabicPeriod"/>
-            </a:pPr>
-            <a:r>
-              <a:rPr lang="en-US" b="0" i="0" dirty="0">
-                <a:solidFill>
-                  <a:srgbClr val="24292F"/>
-                </a:solidFill>
-                <a:effectLst/>
-                <a:latin typeface="Arial" panose="020B0604020202020204" pitchFamily="34" charset="0"/>
-                <a:cs typeface="Arial" panose="020B0604020202020204" pitchFamily="34" charset="0"/>
-              </a:rPr>
-              <a:t>RMSE</a:t>
-            </a:r>
-          </a:p>
-          <a:p>
-            <a:pPr algn="l">
-              <a:buFont typeface="+mj-lt"/>
-              <a:buAutoNum type="arabicPeriod"/>
-            </a:pPr>
-            <a:r>
-              <a:rPr lang="en-US" b="0" i="0" dirty="0">
-                <a:solidFill>
-                  <a:srgbClr val="24292F"/>
-                </a:solidFill>
-                <a:effectLst/>
-                <a:latin typeface="Arial" panose="020B0604020202020204" pitchFamily="34" charset="0"/>
-                <a:cs typeface="Arial" panose="020B0604020202020204" pitchFamily="34" charset="0"/>
-              </a:rPr>
-              <a:t>R Squared</a:t>
-            </a:r>
-          </a:p>
-        </p:txBody>
-      </p:sp>
-      <p:pic>
-        <p:nvPicPr>
-          <p:cNvPr id="11" name="Picture 10" descr="Table&#10;&#10;Description automatically generated">
-            <a:extLst>
-              <a:ext uri="{FF2B5EF4-FFF2-40B4-BE49-F238E27FC236}">
-                <a16:creationId xmlns:a16="http://schemas.microsoft.com/office/drawing/2014/main" id="{5D3DB87A-1F93-A671-BC04-34625EB2E698}"/>
-              </a:ext>
-            </a:extLst>
-          </p:cNvPr>
-          <p:cNvPicPr>
-            <a:picLocks noChangeAspect="1"/>
-          </p:cNvPicPr>
-          <p:nvPr/>
-        </p:nvPicPr>
-        <p:blipFill>
-          <a:blip r:embed="rId2"/>
-          <a:stretch>
-            <a:fillRect/>
-          </a:stretch>
-        </p:blipFill>
-        <p:spPr>
-          <a:xfrm>
-            <a:off x="6864250" y="2174453"/>
-            <a:ext cx="4648196" cy="3831358"/>
-          </a:xfrm>
-          <a:prstGeom prst="rect">
-            <a:avLst/>
-          </a:prstGeom>
-        </p:spPr>
-      </p:pic>
+        </p:txBody>
+      </p:sp>
     </p:spTree>
     <p:extLst>
       <p:ext uri="{BB962C8B-B14F-4D97-AF65-F5344CB8AC3E}">
-        <p14:creationId xmlns:p14="http://schemas.microsoft.com/office/powerpoint/2010/main" val="3323773622"/>
+        <p14:creationId xmlns:p14="http://schemas.microsoft.com/office/powerpoint/2010/main" val="515981731"/>
       </p:ext>
     </p:extLst>
   </p:cSld>
@@ -6400,17 +6660,257 @@
                   <a:srgbClr val="FFFFFF"/>
                 </a:solidFill>
               </a:rPr>
-              <a:t>Model Accuracy Improvement</a:t>
+              <a:t>Modeling</a:t>
+            </a:r>
+          </a:p>
+        </p:txBody>
+      </p:sp>
+      <p:sp>
+        <p:nvSpPr>
+          <p:cNvPr id="9" name="TextBox 8">
+            <a:extLst>
+              <a:ext uri="{FF2B5EF4-FFF2-40B4-BE49-F238E27FC236}">
+                <a16:creationId xmlns:a16="http://schemas.microsoft.com/office/drawing/2014/main" id="{BB98792F-6AD1-03B7-B2A4-516B45FD46E6}"/>
+              </a:ext>
+            </a:extLst>
+          </p:cNvPr>
+          <p:cNvSpPr txBox="1"/>
+          <p:nvPr/>
+        </p:nvSpPr>
+        <p:spPr>
+          <a:xfrm>
+            <a:off x="792199" y="2288083"/>
+            <a:ext cx="5518660" cy="3416320"/>
+          </a:xfrm>
+          <a:prstGeom prst="rect">
+            <a:avLst/>
+          </a:prstGeom>
+          <a:noFill/>
+        </p:spPr>
+        <p:txBody>
+          <a:bodyPr wrap="square">
+            <a:spAutoFit/>
+          </a:bodyPr>
+          <a:lstStyle/>
+          <a:p>
+            <a:pPr algn="l"/>
+            <a:r>
+              <a:rPr lang="en-US" b="1" i="0" dirty="0">
+                <a:solidFill>
+                  <a:srgbClr val="24292F"/>
+                </a:solidFill>
+                <a:effectLst/>
+                <a:latin typeface="Arial" panose="020B0604020202020204" pitchFamily="34" charset="0"/>
+                <a:cs typeface="Arial" panose="020B0604020202020204" pitchFamily="34" charset="0"/>
+              </a:rPr>
+              <a:t>Modeling Major Steps:</a:t>
+            </a:r>
+            <a:r>
+              <a:rPr lang="en-US" b="0" i="0" dirty="0">
+                <a:solidFill>
+                  <a:srgbClr val="24292F"/>
+                </a:solidFill>
+                <a:effectLst/>
+                <a:latin typeface="Arial" panose="020B0604020202020204" pitchFamily="34" charset="0"/>
+                <a:cs typeface="Arial" panose="020B0604020202020204" pitchFamily="34" charset="0"/>
+              </a:rPr>
+              <a:t> </a:t>
+            </a:r>
+          </a:p>
+          <a:p>
+            <a:pPr marL="285750" indent="-285750" algn="l">
+              <a:buFont typeface="Arial" panose="020B0604020202020204" pitchFamily="34" charset="0"/>
+              <a:buChar char="•"/>
+            </a:pPr>
+            <a:r>
+              <a:rPr lang="en-US" b="0" i="0" dirty="0">
+                <a:solidFill>
+                  <a:srgbClr val="24292F"/>
+                </a:solidFill>
+                <a:effectLst/>
+                <a:latin typeface="Arial" panose="020B0604020202020204" pitchFamily="34" charset="0"/>
+                <a:cs typeface="Arial" panose="020B0604020202020204" pitchFamily="34" charset="0"/>
+              </a:rPr>
+              <a:t>Lasso</a:t>
+            </a:r>
+          </a:p>
+          <a:p>
+            <a:pPr marL="285750" indent="-285750" algn="l">
+              <a:buFont typeface="Arial" panose="020B0604020202020204" pitchFamily="34" charset="0"/>
+              <a:buChar char="•"/>
+            </a:pPr>
+            <a:r>
+              <a:rPr lang="en-US" b="0" i="0" dirty="0">
+                <a:solidFill>
+                  <a:srgbClr val="24292F"/>
+                </a:solidFill>
+                <a:effectLst/>
+                <a:latin typeface="Arial" panose="020B0604020202020204" pitchFamily="34" charset="0"/>
+                <a:cs typeface="Arial" panose="020B0604020202020204" pitchFamily="34" charset="0"/>
+              </a:rPr>
+              <a:t>ElasticNet</a:t>
+            </a:r>
+            <a:endParaRPr lang="en-US" dirty="0">
+              <a:solidFill>
+                <a:srgbClr val="24292F"/>
+              </a:solidFill>
+              <a:latin typeface="Arial" panose="020B0604020202020204" pitchFamily="34" charset="0"/>
+              <a:cs typeface="Arial" panose="020B0604020202020204" pitchFamily="34" charset="0"/>
+            </a:endParaRPr>
+          </a:p>
+          <a:p>
+            <a:pPr marL="285750" indent="-285750" algn="l">
+              <a:buFont typeface="Arial" panose="020B0604020202020204" pitchFamily="34" charset="0"/>
+              <a:buChar char="•"/>
+            </a:pPr>
+            <a:r>
+              <a:rPr lang="en-US" b="0" i="0" dirty="0">
+                <a:solidFill>
+                  <a:srgbClr val="24292F"/>
+                </a:solidFill>
+                <a:effectLst/>
+                <a:latin typeface="Arial" panose="020B0604020202020204" pitchFamily="34" charset="0"/>
+                <a:cs typeface="Arial" panose="020B0604020202020204" pitchFamily="34" charset="0"/>
+              </a:rPr>
+              <a:t>XGBoost</a:t>
+            </a:r>
+            <a:endParaRPr lang="en-US" dirty="0">
+              <a:solidFill>
+                <a:srgbClr val="24292F"/>
+              </a:solidFill>
+              <a:latin typeface="Arial" panose="020B0604020202020204" pitchFamily="34" charset="0"/>
+              <a:cs typeface="Arial" panose="020B0604020202020204" pitchFamily="34" charset="0"/>
+            </a:endParaRPr>
+          </a:p>
+          <a:p>
+            <a:pPr marL="285750" indent="-285750" algn="l">
+              <a:buFont typeface="Arial" panose="020B0604020202020204" pitchFamily="34" charset="0"/>
+              <a:buChar char="•"/>
+            </a:pPr>
+            <a:r>
+              <a:rPr lang="en-US" b="0" i="0" dirty="0">
+                <a:solidFill>
+                  <a:srgbClr val="24292F"/>
+                </a:solidFill>
+                <a:effectLst/>
+                <a:latin typeface="Arial" panose="020B0604020202020204" pitchFamily="34" charset="0"/>
+                <a:cs typeface="Arial" panose="020B0604020202020204" pitchFamily="34" charset="0"/>
+              </a:rPr>
+              <a:t>Gradient Boosting Regression</a:t>
+            </a:r>
+          </a:p>
+          <a:p>
+            <a:pPr marL="285750" indent="-285750" algn="l">
+              <a:buFont typeface="Arial" panose="020B0604020202020204" pitchFamily="34" charset="0"/>
+              <a:buChar char="•"/>
+            </a:pPr>
+            <a:r>
+              <a:rPr lang="en-US" b="0" i="0" dirty="0">
+                <a:solidFill>
+                  <a:srgbClr val="24292F"/>
+                </a:solidFill>
+                <a:effectLst/>
+                <a:latin typeface="Arial" panose="020B0604020202020204" pitchFamily="34" charset="0"/>
+                <a:cs typeface="Arial" panose="020B0604020202020204" pitchFamily="34" charset="0"/>
+              </a:rPr>
+              <a:t>Light GBM</a:t>
+            </a:r>
+          </a:p>
+          <a:p>
+            <a:pPr marL="285750" indent="-285750" algn="l">
+              <a:buFont typeface="Arial" panose="020B0604020202020204" pitchFamily="34" charset="0"/>
+              <a:buChar char="•"/>
+            </a:pPr>
+            <a:r>
+              <a:rPr lang="en-US" b="0" i="0" dirty="0">
+                <a:solidFill>
+                  <a:srgbClr val="24292F"/>
+                </a:solidFill>
+                <a:effectLst/>
+                <a:latin typeface="Arial" panose="020B0604020202020204" pitchFamily="34" charset="0"/>
+                <a:cs typeface="Arial" panose="020B0604020202020204" pitchFamily="34" charset="0"/>
+              </a:rPr>
+              <a:t>Stacking Model with ElasticNet as the metamodel</a:t>
+            </a:r>
+          </a:p>
+          <a:p>
+            <a:pPr algn="l"/>
+            <a:endParaRPr lang="en-US" b="0" i="0" dirty="0">
+              <a:solidFill>
+                <a:srgbClr val="24292F"/>
+              </a:solidFill>
+              <a:effectLst/>
+              <a:latin typeface="Arial" panose="020B0604020202020204" pitchFamily="34" charset="0"/>
+              <a:cs typeface="Arial" panose="020B0604020202020204" pitchFamily="34" charset="0"/>
+            </a:endParaRPr>
+          </a:p>
+          <a:p>
+            <a:pPr algn="l"/>
+            <a:endParaRPr lang="en-US" b="0" i="0" dirty="0">
+              <a:solidFill>
+                <a:srgbClr val="24292F"/>
+              </a:solidFill>
+              <a:effectLst/>
+              <a:latin typeface="Arial" panose="020B0604020202020204" pitchFamily="34" charset="0"/>
+              <a:cs typeface="Arial" panose="020B0604020202020204" pitchFamily="34" charset="0"/>
+            </a:endParaRPr>
+          </a:p>
+          <a:p>
+            <a:pPr algn="l"/>
+            <a:r>
+              <a:rPr lang="en-US" b="1" i="0" dirty="0">
+                <a:solidFill>
+                  <a:srgbClr val="24292F"/>
+                </a:solidFill>
+                <a:effectLst/>
+                <a:latin typeface="Arial" panose="020B0604020202020204" pitchFamily="34" charset="0"/>
+                <a:cs typeface="Arial" panose="020B0604020202020204" pitchFamily="34" charset="0"/>
+              </a:rPr>
+              <a:t>Model Validation Metric:</a:t>
+            </a:r>
+          </a:p>
+          <a:p>
+            <a:pPr algn="l">
+              <a:buFont typeface="+mj-lt"/>
+              <a:buAutoNum type="arabicPeriod"/>
+            </a:pPr>
+            <a:r>
+              <a:rPr lang="en-US" b="0" i="0" dirty="0">
+                <a:solidFill>
+                  <a:srgbClr val="24292F"/>
+                </a:solidFill>
+                <a:effectLst/>
+                <a:latin typeface="Arial" panose="020B0604020202020204" pitchFamily="34" charset="0"/>
+                <a:cs typeface="Arial" panose="020B0604020202020204" pitchFamily="34" charset="0"/>
+              </a:rPr>
+              <a:t>RMSE</a:t>
+            </a:r>
+          </a:p>
+          <a:p>
+            <a:pPr algn="l">
+              <a:buFont typeface="+mj-lt"/>
+              <a:buAutoNum type="arabicPeriod"/>
+            </a:pPr>
+            <a:r>
+              <a:rPr lang="en-US" b="0" i="0" dirty="0">
+                <a:solidFill>
+                  <a:srgbClr val="24292F"/>
+                </a:solidFill>
+                <a:effectLst/>
+                <a:latin typeface="Arial" panose="020B0604020202020204" pitchFamily="34" charset="0"/>
+                <a:cs typeface="Arial" panose="020B0604020202020204" pitchFamily="34" charset="0"/>
+              </a:rPr>
+              <a:t>R Squared</a:t>
             </a:r>
           </a:p>
         </p:txBody>
       </p:sp>
       <p:pic>
         <p:nvPicPr>
-          <p:cNvPr id="7" name="Picture 6" descr="Table&#10;&#10;Description automatically generated">
-            <a:extLst>
-              <a:ext uri="{FF2B5EF4-FFF2-40B4-BE49-F238E27FC236}">
-                <a16:creationId xmlns:a16="http://schemas.microsoft.com/office/drawing/2014/main" id="{C2107213-728F-FEFA-3A18-C0D2F385BAEC}"/>
+          <p:cNvPr id="11" name="Picture 10" descr="Table&#10;&#10;Description automatically generated">
+            <a:extLst>
+              <a:ext uri="{FF2B5EF4-FFF2-40B4-BE49-F238E27FC236}">
+                <a16:creationId xmlns:a16="http://schemas.microsoft.com/office/drawing/2014/main" id="{5D3DB87A-1F93-A671-BC04-34625EB2E698}"/>
               </a:ext>
             </a:extLst>
           </p:cNvPr>
@@ -6427,160 +6927,18 @@
         </p:blipFill>
         <p:spPr>
           <a:xfrm>
-            <a:off x="7246281" y="2034643"/>
-            <a:ext cx="4303422" cy="3923200"/>
+            <a:off x="6864250" y="2174453"/>
+            <a:ext cx="4648196" cy="3831358"/>
           </a:xfrm>
           <a:prstGeom prst="rect">
             <a:avLst/>
           </a:prstGeom>
         </p:spPr>
       </p:pic>
-      <p:sp>
-        <p:nvSpPr>
-          <p:cNvPr id="9" name="TextBox 8">
-            <a:extLst>
-              <a:ext uri="{FF2B5EF4-FFF2-40B4-BE49-F238E27FC236}">
-                <a16:creationId xmlns:a16="http://schemas.microsoft.com/office/drawing/2014/main" id="{BB98792F-6AD1-03B7-B2A4-516B45FD46E6}"/>
-              </a:ext>
-            </a:extLst>
-          </p:cNvPr>
-          <p:cNvSpPr txBox="1"/>
-          <p:nvPr/>
-        </p:nvSpPr>
-        <p:spPr>
-          <a:xfrm>
-            <a:off x="803776" y="2413337"/>
-            <a:ext cx="5292224" cy="2585323"/>
-          </a:xfrm>
-          <a:prstGeom prst="rect">
-            <a:avLst/>
-          </a:prstGeom>
-          <a:noFill/>
-        </p:spPr>
-        <p:txBody>
-          <a:bodyPr wrap="square">
-            <a:spAutoFit/>
-          </a:bodyPr>
-          <a:lstStyle/>
-          <a:p>
-            <a:pPr marL="285750" indent="-285750">
-              <a:buFont typeface="Arial" panose="020B0604020202020204" pitchFamily="34" charset="0"/>
-              <a:buChar char="•"/>
-            </a:pPr>
-            <a:r>
-              <a:rPr lang="en-US" sz="1800" b="1" dirty="0">
-                <a:effectLst/>
-                <a:latin typeface="Arial" panose="020B0604020202020204" pitchFamily="34" charset="0"/>
-              </a:rPr>
-              <a:t>Pick the most accurate base model: </a:t>
-            </a:r>
-            <a:r>
-              <a:rPr lang="en-US" sz="1800" dirty="0">
-                <a:effectLst/>
-                <a:latin typeface="ArialMT"/>
-              </a:rPr>
-              <a:t>ElasticNet has the lowest RMSE and the best R2 score </a:t>
-            </a:r>
-            <a:endParaRPr lang="en-US" dirty="0">
-              <a:effectLst/>
-            </a:endParaRPr>
-          </a:p>
-          <a:p>
-            <a:endParaRPr lang="en-US" b="1" dirty="0">
-              <a:solidFill>
-                <a:srgbClr val="669B99"/>
-              </a:solidFill>
-              <a:latin typeface="Wingdings" pitchFamily="2" charset="2"/>
-            </a:endParaRPr>
-          </a:p>
-          <a:p>
-            <a:pPr marL="285750" indent="-285750">
-              <a:buFont typeface="Arial" panose="020B0604020202020204" pitchFamily="34" charset="0"/>
-              <a:buChar char="•"/>
-            </a:pPr>
-            <a:r>
-              <a:rPr lang="en-US" sz="1800" b="1" dirty="0">
-                <a:effectLst/>
-                <a:latin typeface="Arial" panose="020B0604020202020204" pitchFamily="34" charset="0"/>
-              </a:rPr>
-              <a:t>Stack all the base models by taking the average of the predictions from the base models:</a:t>
-            </a:r>
-            <a:br>
-              <a:rPr lang="en-US" sz="1800" b="1" dirty="0">
-                <a:effectLst/>
-                <a:latin typeface="Arial" panose="020B0604020202020204" pitchFamily="34" charset="0"/>
-              </a:rPr>
-            </a:br>
-            <a:r>
-              <a:rPr lang="en-US" sz="1800" dirty="0">
-                <a:effectLst/>
-                <a:latin typeface="ArialMT"/>
-              </a:rPr>
-              <a:t>Stacked model predictions are more accurate than any single base model. </a:t>
-            </a:r>
-            <a:endParaRPr lang="en-US" dirty="0">
-              <a:effectLst/>
-            </a:endParaRPr>
-          </a:p>
-        </p:txBody>
-      </p:sp>
-      <p:sp>
-        <p:nvSpPr>
-          <p:cNvPr id="3" name="Frame 2">
-            <a:extLst>
-              <a:ext uri="{FF2B5EF4-FFF2-40B4-BE49-F238E27FC236}">
-                <a16:creationId xmlns:a16="http://schemas.microsoft.com/office/drawing/2014/main" id="{24B4421B-F8A3-CE87-70F8-9633E222726B}"/>
-              </a:ext>
-            </a:extLst>
-          </p:cNvPr>
-          <p:cNvSpPr/>
-          <p:nvPr/>
-        </p:nvSpPr>
-        <p:spPr>
-          <a:xfrm>
-            <a:off x="7246279" y="5306518"/>
-            <a:ext cx="4041312" cy="449704"/>
-          </a:xfrm>
-          <a:prstGeom prst="frame">
-            <a:avLst/>
-          </a:prstGeom>
-          <a:solidFill>
-            <a:srgbClr val="FF0000"/>
-          </a:solidFill>
-        </p:spPr>
-        <p:style>
-          <a:lnRef idx="2">
-            <a:schemeClr val="accent1">
-              <a:shade val="50000"/>
-            </a:schemeClr>
-          </a:lnRef>
-          <a:fillRef idx="1">
-            <a:schemeClr val="accent1"/>
-          </a:fillRef>
-          <a:effectRef idx="0">
-            <a:schemeClr val="accent1"/>
-          </a:effectRef>
-          <a:fontRef idx="minor">
-            <a:schemeClr val="lt1"/>
-          </a:fontRef>
-        </p:style>
-        <p:txBody>
-          <a:bodyPr rtlCol="0" anchor="ctr"/>
-          <a:lstStyle/>
-          <a:p>
-            <a:pPr algn="ctr"/>
-            <a:endParaRPr lang="en-US">
-              <a:solidFill>
-                <a:schemeClr val="tx1"/>
-              </a:solidFill>
-            </a:endParaRPr>
-          </a:p>
-        </p:txBody>
-      </p:sp>
     </p:spTree>
     <p:extLst>
       <p:ext uri="{BB962C8B-B14F-4D97-AF65-F5344CB8AC3E}">
-        <p14:creationId xmlns:p14="http://schemas.microsoft.com/office/powerpoint/2010/main" val="1204550011"/>
+        <p14:creationId xmlns:p14="http://schemas.microsoft.com/office/powerpoint/2010/main" val="3323773622"/>
       </p:ext>
     </p:extLst>
   </p:cSld>
@@ -7027,17 +7385,17 @@
                   <a:srgbClr val="FFFFFF"/>
                 </a:solidFill>
               </a:rPr>
-              <a:t>Top 20 Features by ElasticNet</a:t>
+              <a:t>Model Accuracy Improvement</a:t>
             </a:r>
           </a:p>
         </p:txBody>
       </p:sp>
       <p:pic>
         <p:nvPicPr>
-          <p:cNvPr id="6" name="Picture 5" descr="Chart, bar chart&#10;&#10;Description automatically generated">
-            <a:extLst>
-              <a:ext uri="{FF2B5EF4-FFF2-40B4-BE49-F238E27FC236}">
-                <a16:creationId xmlns:a16="http://schemas.microsoft.com/office/drawing/2014/main" id="{314D03E5-AC48-D461-4DE1-75AC71DED206}"/>
+          <p:cNvPr id="7" name="Picture 6" descr="Table&#10;&#10;Description automatically generated">
+            <a:extLst>
+              <a:ext uri="{FF2B5EF4-FFF2-40B4-BE49-F238E27FC236}">
+                <a16:creationId xmlns:a16="http://schemas.microsoft.com/office/drawing/2014/main" id="{C2107213-728F-FEFA-3A18-C0D2F385BAEC}"/>
               </a:ext>
             </a:extLst>
           </p:cNvPr>
@@ -7054,8 +7412,8 @@
         </p:blipFill>
         <p:spPr>
           <a:xfrm>
-            <a:off x="4322365" y="1804999"/>
-            <a:ext cx="6937298" cy="4824449"/>
+            <a:off x="7246281" y="2034643"/>
+            <a:ext cx="4303422" cy="3923200"/>
           </a:xfrm>
           <a:prstGeom prst="rect">
             <a:avLst/>
@@ -7064,10 +7422,10 @@
       </p:pic>
       <p:sp>
         <p:nvSpPr>
-          <p:cNvPr id="10" name="TextBox 9">
-            <a:extLst>
-              <a:ext uri="{FF2B5EF4-FFF2-40B4-BE49-F238E27FC236}">
-                <a16:creationId xmlns:a16="http://schemas.microsoft.com/office/drawing/2014/main" id="{E69AE5B8-DB38-39D4-B14D-98955F185C7B}"/>
+          <p:cNvPr id="9" name="TextBox 8">
+            <a:extLst>
+              <a:ext uri="{FF2B5EF4-FFF2-40B4-BE49-F238E27FC236}">
+                <a16:creationId xmlns:a16="http://schemas.microsoft.com/office/drawing/2014/main" id="{BB98792F-6AD1-03B7-B2A4-516B45FD46E6}"/>
               </a:ext>
             </a:extLst>
           </p:cNvPr>
@@ -7076,8 +7434,8 @@
         </p:nvSpPr>
         <p:spPr>
           <a:xfrm>
-            <a:off x="699714" y="2967335"/>
-            <a:ext cx="3228063" cy="923330"/>
+            <a:off x="803776" y="2413337"/>
+            <a:ext cx="5292224" cy="2585323"/>
           </a:xfrm>
           <a:prstGeom prst="rect">
             <a:avLst/>
@@ -7090,21 +7448,60 @@
           </a:bodyPr>
           <a:lstStyle/>
           <a:p>
+            <a:pPr marL="285750" indent="-285750">
+              <a:buFont typeface="Arial" panose="020B0604020202020204" pitchFamily="34" charset="0"/>
+              <a:buChar char="•"/>
+            </a:pPr>
+            <a:r>
+              <a:rPr lang="en-US" sz="1800" b="1" dirty="0">
+                <a:effectLst/>
+                <a:latin typeface="Arial" panose="020B0604020202020204" pitchFamily="34" charset="0"/>
+              </a:rPr>
+              <a:t>Pick the most accurate base model: </a:t>
+            </a:r>
             <a:r>
               <a:rPr lang="en-US" sz="1800" dirty="0">
                 <a:effectLst/>
                 <a:latin typeface="ArialMT"/>
               </a:rPr>
-              <a:t>Most of the features are closely related to the area </a:t>
+              <a:t>ElasticNet has the lowest RMSE and the best R2 score </a:t>
             </a:r>
-          </a:p>
-          <a:p>
+            <a:endParaRPr lang="en-US" dirty="0">
+              <a:effectLst/>
+            </a:endParaRPr>
+          </a:p>
+          <a:p>
+            <a:endParaRPr lang="en-US" b="1" dirty="0">
+              <a:solidFill>
+                <a:srgbClr val="669B99"/>
+              </a:solidFill>
+              <a:latin typeface="Wingdings" pitchFamily="2" charset="2"/>
+            </a:endParaRPr>
+          </a:p>
+          <a:p>
+            <a:pPr marL="285750" indent="-285750">
+              <a:buFont typeface="Arial" panose="020B0604020202020204" pitchFamily="34" charset="0"/>
+              <a:buChar char="•"/>
+            </a:pPr>
+            <a:r>
+              <a:rPr lang="en-US" sz="1800" b="1" dirty="0">
+                <a:effectLst/>
+                <a:latin typeface="Arial" panose="020B0604020202020204" pitchFamily="34" charset="0"/>
+              </a:rPr>
+              <a:t>Stack all the base models by taking the average of the predictions from the base models:</a:t>
+            </a:r>
+            <a:br>
+              <a:rPr lang="en-US" sz="1800" b="1" dirty="0">
+                <a:effectLst/>
+                <a:latin typeface="Arial" panose="020B0604020202020204" pitchFamily="34" charset="0"/>
+              </a:rPr>
+            </a:br>
             <a:r>
               <a:rPr lang="en-US" sz="1800" dirty="0">
                 <a:effectLst/>
                 <a:latin typeface="ArialMT"/>
               </a:rPr>
-              <a:t>(in square feet)</a:t>
+              <a:t>Stacked model predictions are more accurate than any single base model. </a:t>
             </a:r>
             <a:endParaRPr lang="en-US" dirty="0">
               <a:effectLst/>
@@ -7112,10 +7509,63 @@
           </a:p>
         </p:txBody>
       </p:sp>
+      <p:sp>
+        <p:nvSpPr>
+          <p:cNvPr id="3" name="Frame 2">
+            <a:extLst>
+              <a:ext uri="{FF2B5EF4-FFF2-40B4-BE49-F238E27FC236}">
+                <a16:creationId xmlns:a16="http://schemas.microsoft.com/office/drawing/2014/main" id="{24B4421B-F8A3-CE87-70F8-9633E222726B}"/>
+              </a:ext>
+            </a:extLst>
+          </p:cNvPr>
+          <p:cNvSpPr/>
+          <p:nvPr/>
+        </p:nvSpPr>
+        <p:spPr>
+          <a:xfrm>
+            <a:off x="7246279" y="5306518"/>
+            <a:ext cx="4041312" cy="449704"/>
+          </a:xfrm>
+          <a:prstGeom prst="frame">
+            <a:avLst/>
+          </a:prstGeom>
+          <a:solidFill>
+            <a:srgbClr val="FF0000"/>
+          </a:solidFill>
+        </p:spPr>
+        <p:style>
+          <a:lnRef idx="2">
+            <a:schemeClr val="accent1">
+              <a:shade val="50000"/>
+            </a:schemeClr>
+          </a:lnRef>
+          <a:fillRef idx="1">
+            <a:schemeClr val="accent1"/>
+          </a:fillRef>
+          <a:effectRef idx="0">
+            <a:schemeClr val="accent1"/>
+          </a:effectRef>
+          <a:fontRef idx="minor">
+            <a:schemeClr val="lt1"/>
+          </a:fontRef>
+        </p:style>
+        <p:txBody>
+          <a:bodyPr rtlCol="0" anchor="ctr"/>
+          <a:lstStyle/>
+          <a:p>
+            <a:pPr algn="ctr"/>
+            <a:endParaRPr lang="en-US">
+              <a:solidFill>
+                <a:schemeClr val="tx1"/>
+              </a:solidFill>
+            </a:endParaRPr>
+          </a:p>
+        </p:txBody>
+      </p:sp>
     </p:spTree>
     <p:extLst>
       <p:ext uri="{BB962C8B-B14F-4D97-AF65-F5344CB8AC3E}">
-        <p14:creationId xmlns:p14="http://schemas.microsoft.com/office/powerpoint/2010/main" val="1221811788"/>
+        <p14:creationId xmlns:p14="http://schemas.microsoft.com/office/powerpoint/2010/main" val="1204550011"/>
       </p:ext>
     </p:extLst>
   </p:cSld>
@@ -7562,6 +8012,1077 @@
                   <a:srgbClr val="FFFFFF"/>
                 </a:solidFill>
               </a:rPr>
+              <a:t>Top 20 Features by ElasticNet</a:t>
+            </a:r>
+          </a:p>
+        </p:txBody>
+      </p:sp>
+      <p:pic>
+        <p:nvPicPr>
+          <p:cNvPr id="6" name="Picture 5" descr="Chart, bar chart&#10;&#10;Description automatically generated">
+            <a:extLst>
+              <a:ext uri="{FF2B5EF4-FFF2-40B4-BE49-F238E27FC236}">
+                <a16:creationId xmlns:a16="http://schemas.microsoft.com/office/drawing/2014/main" id="{314D03E5-AC48-D461-4DE1-75AC71DED206}"/>
+              </a:ext>
+            </a:extLst>
+          </p:cNvPr>
+          <p:cNvPicPr>
+            <a:picLocks noChangeAspect="1"/>
+          </p:cNvPicPr>
+          <p:nvPr/>
+        </p:nvPicPr>
+        <p:blipFill>
+          <a:blip r:embed="rId2"/>
+          <a:stretch>
+            <a:fillRect/>
+          </a:stretch>
+        </p:blipFill>
+        <p:spPr>
+          <a:xfrm>
+            <a:off x="4322365" y="1804999"/>
+            <a:ext cx="6937298" cy="4824449"/>
+          </a:xfrm>
+          <a:prstGeom prst="rect">
+            <a:avLst/>
+          </a:prstGeom>
+        </p:spPr>
+      </p:pic>
+      <p:sp>
+        <p:nvSpPr>
+          <p:cNvPr id="10" name="TextBox 9">
+            <a:extLst>
+              <a:ext uri="{FF2B5EF4-FFF2-40B4-BE49-F238E27FC236}">
+                <a16:creationId xmlns:a16="http://schemas.microsoft.com/office/drawing/2014/main" id="{E69AE5B8-DB38-39D4-B14D-98955F185C7B}"/>
+              </a:ext>
+            </a:extLst>
+          </p:cNvPr>
+          <p:cNvSpPr txBox="1"/>
+          <p:nvPr/>
+        </p:nvSpPr>
+        <p:spPr>
+          <a:xfrm>
+            <a:off x="699714" y="2967335"/>
+            <a:ext cx="3228063" cy="923330"/>
+          </a:xfrm>
+          <a:prstGeom prst="rect">
+            <a:avLst/>
+          </a:prstGeom>
+          <a:noFill/>
+        </p:spPr>
+        <p:txBody>
+          <a:bodyPr wrap="square">
+            <a:spAutoFit/>
+          </a:bodyPr>
+          <a:lstStyle/>
+          <a:p>
+            <a:r>
+              <a:rPr lang="en-US" sz="1800" dirty="0">
+                <a:effectLst/>
+                <a:latin typeface="ArialMT"/>
+              </a:rPr>
+              <a:t>Most of the features are closely related to the area </a:t>
+            </a:r>
+          </a:p>
+          <a:p>
+            <a:r>
+              <a:rPr lang="en-US" sz="1800" dirty="0">
+                <a:effectLst/>
+                <a:latin typeface="ArialMT"/>
+              </a:rPr>
+              <a:t>(in square feet)</a:t>
+            </a:r>
+            <a:endParaRPr lang="en-US" dirty="0">
+              <a:effectLst/>
+            </a:endParaRPr>
+          </a:p>
+        </p:txBody>
+      </p:sp>
+    </p:spTree>
+    <p:extLst>
+      <p:ext uri="{BB962C8B-B14F-4D97-AF65-F5344CB8AC3E}">
+        <p14:creationId xmlns:p14="http://schemas.microsoft.com/office/powerpoint/2010/main" val="1221811788"/>
+      </p:ext>
+    </p:extLst>
+  </p:cSld>
+  <p:clrMapOvr>
+    <a:masterClrMapping/>
+  </p:clrMapOvr>
+</p:sld>
+</file>
+
+<file path=ppt/slides/slide16.xml><?xml version="1.0" encoding="utf-8"?>
+<p:sld xmlns:a="http://schemas.openxmlformats.org/drawingml/2006/main" xmlns:r="http://schemas.openxmlformats.org/officeDocument/2006/relationships" xmlns:p="http://schemas.openxmlformats.org/presentationml/2006/main">
+  <p:cSld>
+    <p:bg>
+      <p:bgPr>
+        <a:solidFill>
+          <a:schemeClr val="bg1"/>
+        </a:solidFill>
+        <a:effectLst/>
+      </p:bgPr>
+    </p:bg>
+    <p:spTree>
+      <p:nvGrpSpPr>
+        <p:cNvPr id="1" name=""/>
+        <p:cNvGrpSpPr/>
+        <p:nvPr/>
+      </p:nvGrpSpPr>
+      <p:grpSpPr>
+        <a:xfrm>
+          <a:off x="0" y="0"/>
+          <a:ext cx="0" cy="0"/>
+          <a:chOff x="0" y="0"/>
+          <a:chExt cx="0" cy="0"/>
+        </a:xfrm>
+      </p:grpSpPr>
+      <p:sp useBgFill="1">
+        <p:nvSpPr>
+          <p:cNvPr id="37" name="Rectangle 36">
+            <a:extLst>
+              <a:ext uri="{FF2B5EF4-FFF2-40B4-BE49-F238E27FC236}">
+                <a16:creationId xmlns:a16="http://schemas.microsoft.com/office/drawing/2014/main" id="{2151139A-886F-4B97-8815-729AD3831BBD}"/>
+              </a:ext>
+              <a:ext uri="{C183D7F6-B498-43B3-948B-1728B52AA6E4}">
+                <adec:decorative xmlns:adec="http://schemas.microsoft.com/office/drawing/2017/decorative" val="1"/>
+              </a:ext>
+            </a:extLst>
+          </p:cNvPr>
+          <p:cNvSpPr>
+            <a:spLocks noGrp="1" noRot="1" noChangeAspect="1" noMove="1" noResize="1" noEditPoints="1" noAdjustHandles="1" noChangeArrowheads="1" noChangeShapeType="1" noTextEdit="1"/>
+          </p:cNvSpPr>
+          <p:nvPr>
+            <p:extLst>
+              <p:ext uri="{386F3935-93C4-4BCD-93E2-E3B085C9AB24}">
+                <p16:designElem xmlns:p16="http://schemas.microsoft.com/office/powerpoint/2015/main" val="1"/>
+              </p:ext>
+            </p:extLst>
+          </p:nvPr>
+        </p:nvSpPr>
+        <p:spPr>
+          <a:xfrm>
+            <a:off x="0" y="0"/>
+            <a:ext cx="12192000" cy="6858000"/>
+          </a:xfrm>
+          <a:prstGeom prst="rect">
+            <a:avLst/>
+          </a:prstGeom>
+          <a:ln w="12700" cap="flat" cmpd="sng" algn="ctr">
+            <a:noFill/>
+            <a:prstDash val="solid"/>
+            <a:miter lim="800000"/>
+          </a:ln>
+          <a:effectLst/>
+          <a:extLst>
+            <a:ext uri="{91240B29-F687-4F45-9708-019B960494DF}">
+              <a14:hiddenLine xmlns:a14="http://schemas.microsoft.com/office/drawing/2010/main" w="12700" cap="flat" cmpd="sng" algn="ctr">
+                <a:solidFill>
+                  <a:schemeClr val="accent1">
+                    <a:shade val="50000"/>
+                  </a:schemeClr>
+                </a:solidFill>
+                <a:prstDash val="solid"/>
+                <a:miter lim="800000"/>
+              </a14:hiddenLine>
+            </a:ext>
+          </a:extLst>
+        </p:spPr>
+        <p:style>
+          <a:lnRef idx="2">
+            <a:schemeClr val="accent1">
+              <a:shade val="50000"/>
+            </a:schemeClr>
+          </a:lnRef>
+          <a:fillRef idx="1">
+            <a:schemeClr val="accent1"/>
+          </a:fillRef>
+          <a:effectRef idx="0">
+            <a:schemeClr val="accent1"/>
+          </a:effectRef>
+          <a:fontRef idx="minor">
+            <a:schemeClr val="lt1"/>
+          </a:fontRef>
+        </p:style>
+        <p:txBody>
+          <a:bodyPr rtlCol="0" anchor="ctr"/>
+          <a:lstStyle/>
+          <a:p>
+            <a:pPr algn="ctr"/>
+            <a:endParaRPr lang="en-US" sz="2000"/>
+          </a:p>
+        </p:txBody>
+      </p:sp>
+      <p:sp>
+        <p:nvSpPr>
+          <p:cNvPr id="39" name="Rectangle 38">
+            <a:extLst>
+              <a:ext uri="{FF2B5EF4-FFF2-40B4-BE49-F238E27FC236}">
+                <a16:creationId xmlns:a16="http://schemas.microsoft.com/office/drawing/2014/main" id="{AB5E08C4-8CDD-4623-A5B8-E998C6DEE3B7}"/>
+              </a:ext>
+              <a:ext uri="{C183D7F6-B498-43B3-948B-1728B52AA6E4}">
+                <adec:decorative xmlns:adec="http://schemas.microsoft.com/office/drawing/2017/decorative" val="1"/>
+              </a:ext>
+            </a:extLst>
+          </p:cNvPr>
+          <p:cNvSpPr>
+            <a:spLocks noGrp="1" noRot="1" noChangeAspect="1" noMove="1" noResize="1" noEditPoints="1" noAdjustHandles="1" noChangeArrowheads="1" noChangeShapeType="1" noTextEdit="1"/>
+          </p:cNvSpPr>
+          <p:nvPr>
+            <p:extLst>
+              <p:ext uri="{386F3935-93C4-4BCD-93E2-E3B085C9AB24}">
+                <p16:designElem xmlns:p16="http://schemas.microsoft.com/office/powerpoint/2015/main" val="1"/>
+              </p:ext>
+            </p:extLst>
+          </p:nvPr>
+        </p:nvSpPr>
+        <p:spPr>
+          <a:xfrm flipH="1">
+            <a:off x="2" y="492"/>
+            <a:ext cx="12191998" cy="1575955"/>
+          </a:xfrm>
+          <a:prstGeom prst="rect">
+            <a:avLst/>
+          </a:prstGeom>
+          <a:gradFill>
+            <a:gsLst>
+              <a:gs pos="0">
+                <a:schemeClr val="accent1">
+                  <a:lumMod val="50000"/>
+                </a:schemeClr>
+              </a:gs>
+              <a:gs pos="100000">
+                <a:schemeClr val="accent1">
+                  <a:lumMod val="75000"/>
+                </a:schemeClr>
+              </a:gs>
+            </a:gsLst>
+            <a:lin ang="8400000" scaled="0"/>
+          </a:gradFill>
+          <a:ln>
+            <a:noFill/>
+          </a:ln>
+        </p:spPr>
+        <p:style>
+          <a:lnRef idx="2">
+            <a:schemeClr val="accent1">
+              <a:shade val="50000"/>
+            </a:schemeClr>
+          </a:lnRef>
+          <a:fillRef idx="1">
+            <a:schemeClr val="accent1"/>
+          </a:fillRef>
+          <a:effectRef idx="0">
+            <a:schemeClr val="accent1"/>
+          </a:effectRef>
+          <a:fontRef idx="minor">
+            <a:schemeClr val="lt1"/>
+          </a:fontRef>
+        </p:style>
+        <p:txBody>
+          <a:bodyPr rtlCol="0" anchor="ctr"/>
+          <a:lstStyle/>
+          <a:p>
+            <a:pPr algn="ctr"/>
+            <a:endParaRPr lang="en-US"/>
+          </a:p>
+        </p:txBody>
+      </p:sp>
+      <p:sp>
+        <p:nvSpPr>
+          <p:cNvPr id="41" name="Rectangle 40">
+            <a:extLst>
+              <a:ext uri="{FF2B5EF4-FFF2-40B4-BE49-F238E27FC236}">
+                <a16:creationId xmlns:a16="http://schemas.microsoft.com/office/drawing/2014/main" id="{15F33878-D502-4FFA-8ACE-F2AECDB2A23F}"/>
+              </a:ext>
+              <a:ext uri="{C183D7F6-B498-43B3-948B-1728B52AA6E4}">
+                <adec:decorative xmlns:adec="http://schemas.microsoft.com/office/drawing/2017/decorative" val="1"/>
+              </a:ext>
+            </a:extLst>
+          </p:cNvPr>
+          <p:cNvSpPr>
+            <a:spLocks noGrp="1" noRot="1" noChangeAspect="1" noMove="1" noResize="1" noEditPoints="1" noAdjustHandles="1" noChangeArrowheads="1" noChangeShapeType="1" noTextEdit="1"/>
+          </p:cNvSpPr>
+          <p:nvPr>
+            <p:extLst>
+              <p:ext uri="{386F3935-93C4-4BCD-93E2-E3B085C9AB24}">
+                <p16:designElem xmlns:p16="http://schemas.microsoft.com/office/powerpoint/2015/main" val="1"/>
+              </p:ext>
+            </p:extLst>
+          </p:nvPr>
+        </p:nvSpPr>
+        <p:spPr>
+          <a:xfrm rot="10800000" flipH="1">
+            <a:off x="8128857" y="35"/>
+            <a:ext cx="4063143" cy="1576412"/>
+          </a:xfrm>
+          <a:prstGeom prst="rect">
+            <a:avLst/>
+          </a:prstGeom>
+          <a:gradFill>
+            <a:gsLst>
+              <a:gs pos="19000">
+                <a:schemeClr val="accent1">
+                  <a:lumMod val="50000"/>
+                  <a:alpha val="68000"/>
+                </a:schemeClr>
+              </a:gs>
+              <a:gs pos="100000">
+                <a:schemeClr val="accent1">
+                  <a:alpha val="79000"/>
+                </a:schemeClr>
+              </a:gs>
+            </a:gsLst>
+            <a:lin ang="19200000" scaled="0"/>
+          </a:gradFill>
+          <a:ln>
+            <a:noFill/>
+          </a:ln>
+        </p:spPr>
+        <p:style>
+          <a:lnRef idx="2">
+            <a:schemeClr val="accent1">
+              <a:shade val="50000"/>
+            </a:schemeClr>
+          </a:lnRef>
+          <a:fillRef idx="1">
+            <a:schemeClr val="accent1"/>
+          </a:fillRef>
+          <a:effectRef idx="0">
+            <a:schemeClr val="accent1"/>
+          </a:effectRef>
+          <a:fontRef idx="minor">
+            <a:schemeClr val="lt1"/>
+          </a:fontRef>
+        </p:style>
+        <p:txBody>
+          <a:bodyPr rtlCol="0" anchor="ctr"/>
+          <a:lstStyle/>
+          <a:p>
+            <a:pPr algn="ctr"/>
+            <a:endParaRPr lang="en-US"/>
+          </a:p>
+        </p:txBody>
+      </p:sp>
+      <p:sp>
+        <p:nvSpPr>
+          <p:cNvPr id="43" name="Rectangle 42">
+            <a:extLst>
+              <a:ext uri="{FF2B5EF4-FFF2-40B4-BE49-F238E27FC236}">
+                <a16:creationId xmlns:a16="http://schemas.microsoft.com/office/drawing/2014/main" id="{D3539FEE-81D3-4406-802E-60B20B16F4F6}"/>
+              </a:ext>
+              <a:ext uri="{C183D7F6-B498-43B3-948B-1728B52AA6E4}">
+                <adec:decorative xmlns:adec="http://schemas.microsoft.com/office/drawing/2017/decorative" val="1"/>
+              </a:ext>
+            </a:extLst>
+          </p:cNvPr>
+          <p:cNvSpPr>
+            <a:spLocks noGrp="1" noRot="1" noChangeAspect="1" noMove="1" noResize="1" noEditPoints="1" noAdjustHandles="1" noChangeArrowheads="1" noChangeShapeType="1" noTextEdit="1"/>
+          </p:cNvSpPr>
+          <p:nvPr>
+            <p:extLst>
+              <p:ext uri="{386F3935-93C4-4BCD-93E2-E3B085C9AB24}">
+                <p16:designElem xmlns:p16="http://schemas.microsoft.com/office/powerpoint/2015/main" val="1"/>
+              </p:ext>
+            </p:extLst>
+          </p:nvPr>
+        </p:nvSpPr>
+        <p:spPr>
+          <a:xfrm rot="5400000">
+            <a:off x="5307778" y="-5307777"/>
+            <a:ext cx="1576446" cy="12192001"/>
+          </a:xfrm>
+          <a:prstGeom prst="rect">
+            <a:avLst/>
+          </a:prstGeom>
+          <a:gradFill>
+            <a:gsLst>
+              <a:gs pos="16000">
+                <a:srgbClr val="000000">
+                  <a:alpha val="0"/>
+                </a:srgbClr>
+              </a:gs>
+              <a:gs pos="99000">
+                <a:srgbClr val="000000">
+                  <a:alpha val="87000"/>
+                </a:srgbClr>
+              </a:gs>
+            </a:gsLst>
+            <a:lin ang="11400000" scaled="0"/>
+          </a:gradFill>
+          <a:ln>
+            <a:noFill/>
+          </a:ln>
+        </p:spPr>
+        <p:style>
+          <a:lnRef idx="2">
+            <a:schemeClr val="accent1">
+              <a:shade val="50000"/>
+            </a:schemeClr>
+          </a:lnRef>
+          <a:fillRef idx="1">
+            <a:schemeClr val="accent1"/>
+          </a:fillRef>
+          <a:effectRef idx="0">
+            <a:schemeClr val="accent1"/>
+          </a:effectRef>
+          <a:fontRef idx="minor">
+            <a:schemeClr val="lt1"/>
+          </a:fontRef>
+        </p:style>
+        <p:txBody>
+          <a:bodyPr rtlCol="0" anchor="ctr"/>
+          <a:lstStyle/>
+          <a:p>
+            <a:pPr algn="ctr"/>
+            <a:endParaRPr lang="en-US" dirty="0"/>
+          </a:p>
+        </p:txBody>
+      </p:sp>
+      <p:sp>
+        <p:nvSpPr>
+          <p:cNvPr id="45" name="Rectangle 44">
+            <a:extLst>
+              <a:ext uri="{FF2B5EF4-FFF2-40B4-BE49-F238E27FC236}">
+                <a16:creationId xmlns:a16="http://schemas.microsoft.com/office/drawing/2014/main" id="{DC701763-729E-462F-A5A8-E0DEFEB1E2E4}"/>
+              </a:ext>
+              <a:ext uri="{C183D7F6-B498-43B3-948B-1728B52AA6E4}">
+                <adec:decorative xmlns:adec="http://schemas.microsoft.com/office/drawing/2017/decorative" val="1"/>
+              </a:ext>
+            </a:extLst>
+          </p:cNvPr>
+          <p:cNvSpPr>
+            <a:spLocks noGrp="1" noRot="1" noChangeAspect="1" noMove="1" noResize="1" noEditPoints="1" noAdjustHandles="1" noChangeArrowheads="1" noChangeShapeType="1" noTextEdit="1"/>
+          </p:cNvSpPr>
+          <p:nvPr>
+            <p:extLst>
+              <p:ext uri="{386F3935-93C4-4BCD-93E2-E3B085C9AB24}">
+                <p16:designElem xmlns:p16="http://schemas.microsoft.com/office/powerpoint/2015/main" val="1"/>
+              </p:ext>
+            </p:extLst>
+          </p:nvPr>
+        </p:nvSpPr>
+        <p:spPr>
+          <a:xfrm>
+            <a:off x="3825434" y="986"/>
+            <a:ext cx="4303422" cy="1575461"/>
+          </a:xfrm>
+          <a:prstGeom prst="rect">
+            <a:avLst/>
+          </a:prstGeom>
+          <a:gradFill>
+            <a:gsLst>
+              <a:gs pos="0">
+                <a:schemeClr val="accent1">
+                  <a:alpha val="17000"/>
+                </a:schemeClr>
+              </a:gs>
+              <a:gs pos="74000">
+                <a:schemeClr val="accent1">
+                  <a:lumMod val="50000"/>
+                  <a:alpha val="0"/>
+                </a:schemeClr>
+              </a:gs>
+            </a:gsLst>
+            <a:lin ang="14400000" scaled="0"/>
+          </a:gradFill>
+          <a:ln>
+            <a:noFill/>
+          </a:ln>
+        </p:spPr>
+        <p:style>
+          <a:lnRef idx="2">
+            <a:schemeClr val="accent1">
+              <a:shade val="50000"/>
+            </a:schemeClr>
+          </a:lnRef>
+          <a:fillRef idx="1">
+            <a:schemeClr val="accent1"/>
+          </a:fillRef>
+          <a:effectRef idx="0">
+            <a:schemeClr val="accent1"/>
+          </a:effectRef>
+          <a:fontRef idx="minor">
+            <a:schemeClr val="lt1"/>
+          </a:fontRef>
+        </p:style>
+        <p:txBody>
+          <a:bodyPr rtlCol="0" anchor="ctr"/>
+          <a:lstStyle/>
+          <a:p>
+            <a:pPr algn="ctr"/>
+            <a:endParaRPr lang="en-US"/>
+          </a:p>
+        </p:txBody>
+      </p:sp>
+      <p:sp>
+        <p:nvSpPr>
+          <p:cNvPr id="2" name="Title 1">
+            <a:extLst>
+              <a:ext uri="{FF2B5EF4-FFF2-40B4-BE49-F238E27FC236}">
+                <a16:creationId xmlns:a16="http://schemas.microsoft.com/office/drawing/2014/main" id="{0BEFB5E4-B482-0CBF-6478-B29788FFE4F4}"/>
+              </a:ext>
+            </a:extLst>
+          </p:cNvPr>
+          <p:cNvSpPr>
+            <a:spLocks noGrp="1"/>
+          </p:cNvSpPr>
+          <p:nvPr>
+            <p:ph type="title"/>
+          </p:nvPr>
+        </p:nvSpPr>
+        <p:spPr>
+          <a:xfrm>
+            <a:off x="699714" y="353160"/>
+            <a:ext cx="7091300" cy="898581"/>
+          </a:xfrm>
+        </p:spPr>
+        <p:txBody>
+          <a:bodyPr vert="horz" lIns="91440" tIns="45720" rIns="91440" bIns="45720" rtlCol="0" anchor="ctr">
+            <a:normAutofit/>
+          </a:bodyPr>
+          <a:lstStyle/>
+          <a:p>
+            <a:r>
+              <a:rPr lang="en-US" sz="4000" dirty="0">
+                <a:solidFill>
+                  <a:srgbClr val="FFFFFF"/>
+                </a:solidFill>
+              </a:rPr>
+              <a:t>Future Scope / Next Step</a:t>
+            </a:r>
+          </a:p>
+        </p:txBody>
+      </p:sp>
+      <p:sp>
+        <p:nvSpPr>
+          <p:cNvPr id="4" name="TextBox 3">
+            <a:extLst>
+              <a:ext uri="{FF2B5EF4-FFF2-40B4-BE49-F238E27FC236}">
+                <a16:creationId xmlns:a16="http://schemas.microsoft.com/office/drawing/2014/main" id="{34C6B152-B22B-9671-935C-821774253E07}"/>
+              </a:ext>
+            </a:extLst>
+          </p:cNvPr>
+          <p:cNvSpPr txBox="1"/>
+          <p:nvPr/>
+        </p:nvSpPr>
+        <p:spPr>
+          <a:xfrm>
+            <a:off x="1195516" y="2586849"/>
+            <a:ext cx="9530148" cy="923330"/>
+          </a:xfrm>
+          <a:prstGeom prst="rect">
+            <a:avLst/>
+          </a:prstGeom>
+          <a:noFill/>
+        </p:spPr>
+        <p:txBody>
+          <a:bodyPr wrap="square">
+            <a:spAutoFit/>
+          </a:bodyPr>
+          <a:lstStyle/>
+          <a:p>
+            <a:pPr marL="285750" indent="-285750">
+              <a:buFont typeface="Arial" panose="020B0604020202020204" pitchFamily="34" charset="0"/>
+              <a:buChar char="•"/>
+            </a:pPr>
+            <a:r>
+              <a:rPr lang="en-US" b="0" i="0" dirty="0">
+                <a:solidFill>
+                  <a:srgbClr val="24292F"/>
+                </a:solidFill>
+                <a:effectLst/>
+                <a:latin typeface="Arial" panose="020B0604020202020204" pitchFamily="34" charset="0"/>
+                <a:cs typeface="Arial" panose="020B0604020202020204" pitchFamily="34" charset="0"/>
+              </a:rPr>
+              <a:t>Test new hyperparameters</a:t>
+            </a:r>
+          </a:p>
+          <a:p>
+            <a:pPr marL="285750" indent="-285750">
+              <a:buFont typeface="Arial" panose="020B0604020202020204" pitchFamily="34" charset="0"/>
+              <a:buChar char="•"/>
+            </a:pPr>
+            <a:endParaRPr lang="en-US" b="0" i="0" dirty="0">
+              <a:solidFill>
+                <a:srgbClr val="24292F"/>
+              </a:solidFill>
+              <a:effectLst/>
+              <a:latin typeface="Arial" panose="020B0604020202020204" pitchFamily="34" charset="0"/>
+              <a:cs typeface="Arial" panose="020B0604020202020204" pitchFamily="34" charset="0"/>
+            </a:endParaRPr>
+          </a:p>
+          <a:p>
+            <a:pPr marL="285750" indent="-285750">
+              <a:buFont typeface="Arial" panose="020B0604020202020204" pitchFamily="34" charset="0"/>
+              <a:buChar char="•"/>
+            </a:pPr>
+            <a:r>
+              <a:rPr lang="en-US" b="0" i="0" dirty="0">
+                <a:solidFill>
+                  <a:srgbClr val="24292F"/>
+                </a:solidFill>
+                <a:effectLst/>
+                <a:latin typeface="Arial" panose="020B0604020202020204" pitchFamily="34" charset="0"/>
+                <a:cs typeface="Arial" panose="020B0604020202020204" pitchFamily="34" charset="0"/>
+              </a:rPr>
+              <a:t>Test different modeling methods to predict the sale price even more accurately</a:t>
+            </a:r>
+            <a:endParaRPr lang="en-US" dirty="0">
+              <a:latin typeface="Arial" panose="020B0604020202020204" pitchFamily="34" charset="0"/>
+              <a:cs typeface="Arial" panose="020B0604020202020204" pitchFamily="34" charset="0"/>
+            </a:endParaRPr>
+          </a:p>
+        </p:txBody>
+      </p:sp>
+    </p:spTree>
+    <p:extLst>
+      <p:ext uri="{BB962C8B-B14F-4D97-AF65-F5344CB8AC3E}">
+        <p14:creationId xmlns:p14="http://schemas.microsoft.com/office/powerpoint/2010/main" val="3173284529"/>
+      </p:ext>
+    </p:extLst>
+  </p:cSld>
+  <p:clrMapOvr>
+    <a:masterClrMapping/>
+  </p:clrMapOvr>
+</p:sld>
+</file>
+
+<file path=ppt/slides/slide17.xml><?xml version="1.0" encoding="utf-8"?>
+<p:sld xmlns:a="http://schemas.openxmlformats.org/drawingml/2006/main" xmlns:r="http://schemas.openxmlformats.org/officeDocument/2006/relationships" xmlns:p="http://schemas.openxmlformats.org/presentationml/2006/main">
+  <p:cSld>
+    <p:bg>
+      <p:bgPr>
+        <a:solidFill>
+          <a:schemeClr val="bg1"/>
+        </a:solidFill>
+        <a:effectLst/>
+      </p:bgPr>
+    </p:bg>
+    <p:spTree>
+      <p:nvGrpSpPr>
+        <p:cNvPr id="1" name=""/>
+        <p:cNvGrpSpPr/>
+        <p:nvPr/>
+      </p:nvGrpSpPr>
+      <p:grpSpPr>
+        <a:xfrm>
+          <a:off x="0" y="0"/>
+          <a:ext cx="0" cy="0"/>
+          <a:chOff x="0" y="0"/>
+          <a:chExt cx="0" cy="0"/>
+        </a:xfrm>
+      </p:grpSpPr>
+      <p:sp useBgFill="1">
+        <p:nvSpPr>
+          <p:cNvPr id="37" name="Rectangle 36">
+            <a:extLst>
+              <a:ext uri="{FF2B5EF4-FFF2-40B4-BE49-F238E27FC236}">
+                <a16:creationId xmlns:a16="http://schemas.microsoft.com/office/drawing/2014/main" id="{2151139A-886F-4B97-8815-729AD3831BBD}"/>
+              </a:ext>
+              <a:ext uri="{C183D7F6-B498-43B3-948B-1728B52AA6E4}">
+                <adec:decorative xmlns:adec="http://schemas.microsoft.com/office/drawing/2017/decorative" val="1"/>
+              </a:ext>
+            </a:extLst>
+          </p:cNvPr>
+          <p:cNvSpPr>
+            <a:spLocks noGrp="1" noRot="1" noChangeAspect="1" noMove="1" noResize="1" noEditPoints="1" noAdjustHandles="1" noChangeArrowheads="1" noChangeShapeType="1" noTextEdit="1"/>
+          </p:cNvSpPr>
+          <p:nvPr>
+            <p:extLst>
+              <p:ext uri="{386F3935-93C4-4BCD-93E2-E3B085C9AB24}">
+                <p16:designElem xmlns:p16="http://schemas.microsoft.com/office/powerpoint/2015/main" val="1"/>
+              </p:ext>
+            </p:extLst>
+          </p:nvPr>
+        </p:nvSpPr>
+        <p:spPr>
+          <a:xfrm>
+            <a:off x="0" y="0"/>
+            <a:ext cx="12192000" cy="6858000"/>
+          </a:xfrm>
+          <a:prstGeom prst="rect">
+            <a:avLst/>
+          </a:prstGeom>
+          <a:ln w="12700" cap="flat" cmpd="sng" algn="ctr">
+            <a:noFill/>
+            <a:prstDash val="solid"/>
+            <a:miter lim="800000"/>
+          </a:ln>
+          <a:effectLst/>
+          <a:extLst>
+            <a:ext uri="{91240B29-F687-4F45-9708-019B960494DF}">
+              <a14:hiddenLine xmlns:a14="http://schemas.microsoft.com/office/drawing/2010/main" w="12700" cap="flat" cmpd="sng" algn="ctr">
+                <a:solidFill>
+                  <a:schemeClr val="accent1">
+                    <a:shade val="50000"/>
+                  </a:schemeClr>
+                </a:solidFill>
+                <a:prstDash val="solid"/>
+                <a:miter lim="800000"/>
+              </a14:hiddenLine>
+            </a:ext>
+          </a:extLst>
+        </p:spPr>
+        <p:style>
+          <a:lnRef idx="2">
+            <a:schemeClr val="accent1">
+              <a:shade val="50000"/>
+            </a:schemeClr>
+          </a:lnRef>
+          <a:fillRef idx="1">
+            <a:schemeClr val="accent1"/>
+          </a:fillRef>
+          <a:effectRef idx="0">
+            <a:schemeClr val="accent1"/>
+          </a:effectRef>
+          <a:fontRef idx="minor">
+            <a:schemeClr val="lt1"/>
+          </a:fontRef>
+        </p:style>
+        <p:txBody>
+          <a:bodyPr rtlCol="0" anchor="ctr"/>
+          <a:lstStyle/>
+          <a:p>
+            <a:pPr algn="ctr"/>
+            <a:endParaRPr lang="en-US" sz="2000"/>
+          </a:p>
+        </p:txBody>
+      </p:sp>
+      <p:sp>
+        <p:nvSpPr>
+          <p:cNvPr id="39" name="Rectangle 38">
+            <a:extLst>
+              <a:ext uri="{FF2B5EF4-FFF2-40B4-BE49-F238E27FC236}">
+                <a16:creationId xmlns:a16="http://schemas.microsoft.com/office/drawing/2014/main" id="{AB5E08C4-8CDD-4623-A5B8-E998C6DEE3B7}"/>
+              </a:ext>
+              <a:ext uri="{C183D7F6-B498-43B3-948B-1728B52AA6E4}">
+                <adec:decorative xmlns:adec="http://schemas.microsoft.com/office/drawing/2017/decorative" val="1"/>
+              </a:ext>
+            </a:extLst>
+          </p:cNvPr>
+          <p:cNvSpPr>
+            <a:spLocks noGrp="1" noRot="1" noChangeAspect="1" noMove="1" noResize="1" noEditPoints="1" noAdjustHandles="1" noChangeArrowheads="1" noChangeShapeType="1" noTextEdit="1"/>
+          </p:cNvSpPr>
+          <p:nvPr>
+            <p:extLst>
+              <p:ext uri="{386F3935-93C4-4BCD-93E2-E3B085C9AB24}">
+                <p16:designElem xmlns:p16="http://schemas.microsoft.com/office/powerpoint/2015/main" val="1"/>
+              </p:ext>
+            </p:extLst>
+          </p:nvPr>
+        </p:nvSpPr>
+        <p:spPr>
+          <a:xfrm flipH="1">
+            <a:off x="2" y="492"/>
+            <a:ext cx="12191998" cy="1575955"/>
+          </a:xfrm>
+          <a:prstGeom prst="rect">
+            <a:avLst/>
+          </a:prstGeom>
+          <a:gradFill>
+            <a:gsLst>
+              <a:gs pos="0">
+                <a:schemeClr val="accent1">
+                  <a:lumMod val="50000"/>
+                </a:schemeClr>
+              </a:gs>
+              <a:gs pos="100000">
+                <a:schemeClr val="accent1">
+                  <a:lumMod val="75000"/>
+                </a:schemeClr>
+              </a:gs>
+            </a:gsLst>
+            <a:lin ang="8400000" scaled="0"/>
+          </a:gradFill>
+          <a:ln>
+            <a:noFill/>
+          </a:ln>
+        </p:spPr>
+        <p:style>
+          <a:lnRef idx="2">
+            <a:schemeClr val="accent1">
+              <a:shade val="50000"/>
+            </a:schemeClr>
+          </a:lnRef>
+          <a:fillRef idx="1">
+            <a:schemeClr val="accent1"/>
+          </a:fillRef>
+          <a:effectRef idx="0">
+            <a:schemeClr val="accent1"/>
+          </a:effectRef>
+          <a:fontRef idx="minor">
+            <a:schemeClr val="lt1"/>
+          </a:fontRef>
+        </p:style>
+        <p:txBody>
+          <a:bodyPr rtlCol="0" anchor="ctr"/>
+          <a:lstStyle/>
+          <a:p>
+            <a:pPr algn="ctr"/>
+            <a:endParaRPr lang="en-US"/>
+          </a:p>
+        </p:txBody>
+      </p:sp>
+      <p:sp>
+        <p:nvSpPr>
+          <p:cNvPr id="41" name="Rectangle 40">
+            <a:extLst>
+              <a:ext uri="{FF2B5EF4-FFF2-40B4-BE49-F238E27FC236}">
+                <a16:creationId xmlns:a16="http://schemas.microsoft.com/office/drawing/2014/main" id="{15F33878-D502-4FFA-8ACE-F2AECDB2A23F}"/>
+              </a:ext>
+              <a:ext uri="{C183D7F6-B498-43B3-948B-1728B52AA6E4}">
+                <adec:decorative xmlns:adec="http://schemas.microsoft.com/office/drawing/2017/decorative" val="1"/>
+              </a:ext>
+            </a:extLst>
+          </p:cNvPr>
+          <p:cNvSpPr>
+            <a:spLocks noGrp="1" noRot="1" noChangeAspect="1" noMove="1" noResize="1" noEditPoints="1" noAdjustHandles="1" noChangeArrowheads="1" noChangeShapeType="1" noTextEdit="1"/>
+          </p:cNvSpPr>
+          <p:nvPr>
+            <p:extLst>
+              <p:ext uri="{386F3935-93C4-4BCD-93E2-E3B085C9AB24}">
+                <p16:designElem xmlns:p16="http://schemas.microsoft.com/office/powerpoint/2015/main" val="1"/>
+              </p:ext>
+            </p:extLst>
+          </p:nvPr>
+        </p:nvSpPr>
+        <p:spPr>
+          <a:xfrm rot="10800000" flipH="1">
+            <a:off x="8128857" y="35"/>
+            <a:ext cx="4063143" cy="1576412"/>
+          </a:xfrm>
+          <a:prstGeom prst="rect">
+            <a:avLst/>
+          </a:prstGeom>
+          <a:gradFill>
+            <a:gsLst>
+              <a:gs pos="19000">
+                <a:schemeClr val="accent1">
+                  <a:lumMod val="50000"/>
+                  <a:alpha val="68000"/>
+                </a:schemeClr>
+              </a:gs>
+              <a:gs pos="100000">
+                <a:schemeClr val="accent1">
+                  <a:alpha val="79000"/>
+                </a:schemeClr>
+              </a:gs>
+            </a:gsLst>
+            <a:lin ang="19200000" scaled="0"/>
+          </a:gradFill>
+          <a:ln>
+            <a:noFill/>
+          </a:ln>
+        </p:spPr>
+        <p:style>
+          <a:lnRef idx="2">
+            <a:schemeClr val="accent1">
+              <a:shade val="50000"/>
+            </a:schemeClr>
+          </a:lnRef>
+          <a:fillRef idx="1">
+            <a:schemeClr val="accent1"/>
+          </a:fillRef>
+          <a:effectRef idx="0">
+            <a:schemeClr val="accent1"/>
+          </a:effectRef>
+          <a:fontRef idx="minor">
+            <a:schemeClr val="lt1"/>
+          </a:fontRef>
+        </p:style>
+        <p:txBody>
+          <a:bodyPr rtlCol="0" anchor="ctr"/>
+          <a:lstStyle/>
+          <a:p>
+            <a:pPr algn="ctr"/>
+            <a:endParaRPr lang="en-US"/>
+          </a:p>
+        </p:txBody>
+      </p:sp>
+      <p:sp>
+        <p:nvSpPr>
+          <p:cNvPr id="43" name="Rectangle 42">
+            <a:extLst>
+              <a:ext uri="{FF2B5EF4-FFF2-40B4-BE49-F238E27FC236}">
+                <a16:creationId xmlns:a16="http://schemas.microsoft.com/office/drawing/2014/main" id="{D3539FEE-81D3-4406-802E-60B20B16F4F6}"/>
+              </a:ext>
+              <a:ext uri="{C183D7F6-B498-43B3-948B-1728B52AA6E4}">
+                <adec:decorative xmlns:adec="http://schemas.microsoft.com/office/drawing/2017/decorative" val="1"/>
+              </a:ext>
+            </a:extLst>
+          </p:cNvPr>
+          <p:cNvSpPr>
+            <a:spLocks noGrp="1" noRot="1" noChangeAspect="1" noMove="1" noResize="1" noEditPoints="1" noAdjustHandles="1" noChangeArrowheads="1" noChangeShapeType="1" noTextEdit="1"/>
+          </p:cNvSpPr>
+          <p:nvPr>
+            <p:extLst>
+              <p:ext uri="{386F3935-93C4-4BCD-93E2-E3B085C9AB24}">
+                <p16:designElem xmlns:p16="http://schemas.microsoft.com/office/powerpoint/2015/main" val="1"/>
+              </p:ext>
+            </p:extLst>
+          </p:nvPr>
+        </p:nvSpPr>
+        <p:spPr>
+          <a:xfrm rot="5400000">
+            <a:off x="5307778" y="-5307777"/>
+            <a:ext cx="1576446" cy="12192001"/>
+          </a:xfrm>
+          <a:prstGeom prst="rect">
+            <a:avLst/>
+          </a:prstGeom>
+          <a:gradFill>
+            <a:gsLst>
+              <a:gs pos="16000">
+                <a:srgbClr val="000000">
+                  <a:alpha val="0"/>
+                </a:srgbClr>
+              </a:gs>
+              <a:gs pos="99000">
+                <a:srgbClr val="000000">
+                  <a:alpha val="87000"/>
+                </a:srgbClr>
+              </a:gs>
+            </a:gsLst>
+            <a:lin ang="11400000" scaled="0"/>
+          </a:gradFill>
+          <a:ln>
+            <a:noFill/>
+          </a:ln>
+        </p:spPr>
+        <p:style>
+          <a:lnRef idx="2">
+            <a:schemeClr val="accent1">
+              <a:shade val="50000"/>
+            </a:schemeClr>
+          </a:lnRef>
+          <a:fillRef idx="1">
+            <a:schemeClr val="accent1"/>
+          </a:fillRef>
+          <a:effectRef idx="0">
+            <a:schemeClr val="accent1"/>
+          </a:effectRef>
+          <a:fontRef idx="minor">
+            <a:schemeClr val="lt1"/>
+          </a:fontRef>
+        </p:style>
+        <p:txBody>
+          <a:bodyPr rtlCol="0" anchor="ctr"/>
+          <a:lstStyle/>
+          <a:p>
+            <a:pPr algn="ctr"/>
+            <a:endParaRPr lang="en-US" dirty="0"/>
+          </a:p>
+        </p:txBody>
+      </p:sp>
+      <p:sp>
+        <p:nvSpPr>
+          <p:cNvPr id="45" name="Rectangle 44">
+            <a:extLst>
+              <a:ext uri="{FF2B5EF4-FFF2-40B4-BE49-F238E27FC236}">
+                <a16:creationId xmlns:a16="http://schemas.microsoft.com/office/drawing/2014/main" id="{DC701763-729E-462F-A5A8-E0DEFEB1E2E4}"/>
+              </a:ext>
+              <a:ext uri="{C183D7F6-B498-43B3-948B-1728B52AA6E4}">
+                <adec:decorative xmlns:adec="http://schemas.microsoft.com/office/drawing/2017/decorative" val="1"/>
+              </a:ext>
+            </a:extLst>
+          </p:cNvPr>
+          <p:cNvSpPr>
+            <a:spLocks noGrp="1" noRot="1" noChangeAspect="1" noMove="1" noResize="1" noEditPoints="1" noAdjustHandles="1" noChangeArrowheads="1" noChangeShapeType="1" noTextEdit="1"/>
+          </p:cNvSpPr>
+          <p:nvPr>
+            <p:extLst>
+              <p:ext uri="{386F3935-93C4-4BCD-93E2-E3B085C9AB24}">
+                <p16:designElem xmlns:p16="http://schemas.microsoft.com/office/powerpoint/2015/main" val="1"/>
+              </p:ext>
+            </p:extLst>
+          </p:nvPr>
+        </p:nvSpPr>
+        <p:spPr>
+          <a:xfrm>
+            <a:off x="3825434" y="986"/>
+            <a:ext cx="4303422" cy="1575461"/>
+          </a:xfrm>
+          <a:prstGeom prst="rect">
+            <a:avLst/>
+          </a:prstGeom>
+          <a:gradFill>
+            <a:gsLst>
+              <a:gs pos="0">
+                <a:schemeClr val="accent1">
+                  <a:alpha val="17000"/>
+                </a:schemeClr>
+              </a:gs>
+              <a:gs pos="74000">
+                <a:schemeClr val="accent1">
+                  <a:lumMod val="50000"/>
+                  <a:alpha val="0"/>
+                </a:schemeClr>
+              </a:gs>
+            </a:gsLst>
+            <a:lin ang="14400000" scaled="0"/>
+          </a:gradFill>
+          <a:ln>
+            <a:noFill/>
+          </a:ln>
+        </p:spPr>
+        <p:style>
+          <a:lnRef idx="2">
+            <a:schemeClr val="accent1">
+              <a:shade val="50000"/>
+            </a:schemeClr>
+          </a:lnRef>
+          <a:fillRef idx="1">
+            <a:schemeClr val="accent1"/>
+          </a:fillRef>
+          <a:effectRef idx="0">
+            <a:schemeClr val="accent1"/>
+          </a:effectRef>
+          <a:fontRef idx="minor">
+            <a:schemeClr val="lt1"/>
+          </a:fontRef>
+        </p:style>
+        <p:txBody>
+          <a:bodyPr rtlCol="0" anchor="ctr"/>
+          <a:lstStyle/>
+          <a:p>
+            <a:pPr algn="ctr"/>
+            <a:endParaRPr lang="en-US"/>
+          </a:p>
+        </p:txBody>
+      </p:sp>
+      <p:sp>
+        <p:nvSpPr>
+          <p:cNvPr id="2" name="Title 1">
+            <a:extLst>
+              <a:ext uri="{FF2B5EF4-FFF2-40B4-BE49-F238E27FC236}">
+                <a16:creationId xmlns:a16="http://schemas.microsoft.com/office/drawing/2014/main" id="{0BEFB5E4-B482-0CBF-6478-B29788FFE4F4}"/>
+              </a:ext>
+            </a:extLst>
+          </p:cNvPr>
+          <p:cNvSpPr>
+            <a:spLocks noGrp="1"/>
+          </p:cNvSpPr>
+          <p:nvPr>
+            <p:ph type="title"/>
+          </p:nvPr>
+        </p:nvSpPr>
+        <p:spPr>
+          <a:xfrm>
+            <a:off x="699714" y="353160"/>
+            <a:ext cx="7091300" cy="898581"/>
+          </a:xfrm>
+        </p:spPr>
+        <p:txBody>
+          <a:bodyPr vert="horz" lIns="91440" tIns="45720" rIns="91440" bIns="45720" rtlCol="0" anchor="ctr">
+            <a:normAutofit/>
+          </a:bodyPr>
+          <a:lstStyle/>
+          <a:p>
+            <a:r>
+              <a:rPr lang="en-US" sz="4000" dirty="0">
+                <a:solidFill>
+                  <a:srgbClr val="FFFFFF"/>
+                </a:solidFill>
+              </a:rPr>
               <a:t>Prediction Tool</a:t>
             </a:r>
           </a:p>
@@ -7780,7 +9301,7 @@
 </p:sld>
 </file>
 
-<file path=ppt/slides/slide16.xml><?xml version="1.0" encoding="utf-8"?>
+<file path=ppt/slides/slide18.xml><?xml version="1.0" encoding="utf-8"?>
 <p:sld xmlns:a="http://schemas.openxmlformats.org/drawingml/2006/main" xmlns:r="http://schemas.openxmlformats.org/officeDocument/2006/relationships" xmlns:p="http://schemas.openxmlformats.org/presentationml/2006/main">
   <p:cSld>
     <p:bg>
@@ -10033,6 +11554,569 @@
       </p:grpSpPr>
       <p:sp useBgFill="1">
         <p:nvSpPr>
+          <p:cNvPr id="35" name="Rectangle 34">
+            <a:extLst>
+              <a:ext uri="{FF2B5EF4-FFF2-40B4-BE49-F238E27FC236}">
+                <a16:creationId xmlns:a16="http://schemas.microsoft.com/office/drawing/2014/main" id="{1B15ED52-F352-441B-82BF-E0EA34836D08}"/>
+              </a:ext>
+              <a:ext uri="{C183D7F6-B498-43B3-948B-1728B52AA6E4}">
+                <adec:decorative xmlns:adec="http://schemas.microsoft.com/office/drawing/2017/decorative" val="1"/>
+              </a:ext>
+            </a:extLst>
+          </p:cNvPr>
+          <p:cNvSpPr>
+            <a:spLocks noGrp="1" noRot="1" noChangeAspect="1" noMove="1" noResize="1" noEditPoints="1" noAdjustHandles="1" noChangeArrowheads="1" noChangeShapeType="1" noTextEdit="1"/>
+          </p:cNvSpPr>
+          <p:nvPr>
+            <p:extLst>
+              <p:ext uri="{386F3935-93C4-4BCD-93E2-E3B085C9AB24}">
+                <p16:designElem xmlns:p16="http://schemas.microsoft.com/office/powerpoint/2015/main" val="1"/>
+              </p:ext>
+            </p:extLst>
+          </p:nvPr>
+        </p:nvSpPr>
+        <p:spPr>
+          <a:xfrm>
+            <a:off x="0" y="0"/>
+            <a:ext cx="12192000" cy="6858000"/>
+          </a:xfrm>
+          <a:prstGeom prst="rect">
+            <a:avLst/>
+          </a:prstGeom>
+          <a:ln w="12700" cap="flat" cmpd="sng" algn="ctr">
+            <a:noFill/>
+            <a:prstDash val="solid"/>
+            <a:miter lim="800000"/>
+          </a:ln>
+          <a:effectLst/>
+          <a:extLst>
+            <a:ext uri="{91240B29-F687-4F45-9708-019B960494DF}">
+              <a14:hiddenLine xmlns:a14="http://schemas.microsoft.com/office/drawing/2010/main" w="12700" cap="flat" cmpd="sng" algn="ctr">
+                <a:solidFill>
+                  <a:schemeClr val="accent1">
+                    <a:shade val="50000"/>
+                  </a:schemeClr>
+                </a:solidFill>
+                <a:prstDash val="solid"/>
+                <a:miter lim="800000"/>
+              </a14:hiddenLine>
+            </a:ext>
+          </a:extLst>
+        </p:spPr>
+        <p:style>
+          <a:lnRef idx="2">
+            <a:schemeClr val="accent1">
+              <a:shade val="50000"/>
+            </a:schemeClr>
+          </a:lnRef>
+          <a:fillRef idx="1">
+            <a:schemeClr val="accent1"/>
+          </a:fillRef>
+          <a:effectRef idx="0">
+            <a:schemeClr val="accent1"/>
+          </a:effectRef>
+          <a:fontRef idx="minor">
+            <a:schemeClr val="lt1"/>
+          </a:fontRef>
+        </p:style>
+        <p:txBody>
+          <a:bodyPr rtlCol="0" anchor="ctr"/>
+          <a:lstStyle/>
+          <a:p>
+            <a:pPr algn="ctr"/>
+            <a:endParaRPr lang="en-US"/>
+          </a:p>
+        </p:txBody>
+      </p:sp>
+      <p:sp>
+        <p:nvSpPr>
+          <p:cNvPr id="37" name="Rectangle 36">
+            <a:extLst>
+              <a:ext uri="{FF2B5EF4-FFF2-40B4-BE49-F238E27FC236}">
+                <a16:creationId xmlns:a16="http://schemas.microsoft.com/office/drawing/2014/main" id="{3B2E3793-BFE6-45A2-9B7B-E18844431C99}"/>
+              </a:ext>
+              <a:ext uri="{C183D7F6-B498-43B3-948B-1728B52AA6E4}">
+                <adec:decorative xmlns:adec="http://schemas.microsoft.com/office/drawing/2017/decorative" val="1"/>
+              </a:ext>
+            </a:extLst>
+          </p:cNvPr>
+          <p:cNvSpPr>
+            <a:spLocks noGrp="1" noRot="1" noChangeAspect="1" noMove="1" noResize="1" noEditPoints="1" noAdjustHandles="1" noChangeArrowheads="1" noChangeShapeType="1" noTextEdit="1"/>
+          </p:cNvSpPr>
+          <p:nvPr>
+            <p:extLst>
+              <p:ext uri="{386F3935-93C4-4BCD-93E2-E3B085C9AB24}">
+                <p16:designElem xmlns:p16="http://schemas.microsoft.com/office/powerpoint/2015/main" val="1"/>
+              </p:ext>
+            </p:extLst>
+          </p:nvPr>
+        </p:nvSpPr>
+        <p:spPr>
+          <a:xfrm flipH="1">
+            <a:off x="-1" y="-1"/>
+            <a:ext cx="12191998" cy="1590742"/>
+          </a:xfrm>
+          <a:prstGeom prst="rect">
+            <a:avLst/>
+          </a:prstGeom>
+          <a:gradFill>
+            <a:gsLst>
+              <a:gs pos="0">
+                <a:srgbClr val="000000"/>
+              </a:gs>
+              <a:gs pos="100000">
+                <a:schemeClr val="accent1">
+                  <a:lumMod val="75000"/>
+                </a:schemeClr>
+              </a:gs>
+            </a:gsLst>
+            <a:lin ang="8400000" scaled="0"/>
+          </a:gradFill>
+          <a:ln>
+            <a:noFill/>
+          </a:ln>
+        </p:spPr>
+        <p:style>
+          <a:lnRef idx="2">
+            <a:schemeClr val="accent1">
+              <a:shade val="50000"/>
+            </a:schemeClr>
+          </a:lnRef>
+          <a:fillRef idx="1">
+            <a:schemeClr val="accent1"/>
+          </a:fillRef>
+          <a:effectRef idx="0">
+            <a:schemeClr val="accent1"/>
+          </a:effectRef>
+          <a:fontRef idx="minor">
+            <a:schemeClr val="lt1"/>
+          </a:fontRef>
+        </p:style>
+        <p:txBody>
+          <a:bodyPr rtlCol="0" anchor="ctr"/>
+          <a:lstStyle/>
+          <a:p>
+            <a:pPr algn="ctr"/>
+            <a:endParaRPr lang="en-US"/>
+          </a:p>
+        </p:txBody>
+      </p:sp>
+      <p:sp>
+        <p:nvSpPr>
+          <p:cNvPr id="39" name="Rectangle 38">
+            <a:extLst>
+              <a:ext uri="{FF2B5EF4-FFF2-40B4-BE49-F238E27FC236}">
+                <a16:creationId xmlns:a16="http://schemas.microsoft.com/office/drawing/2014/main" id="{BC4C4868-CB8F-4AF9-9CDB-8108F2C19B67}"/>
+              </a:ext>
+              <a:ext uri="{C183D7F6-B498-43B3-948B-1728B52AA6E4}">
+                <adec:decorative xmlns:adec="http://schemas.microsoft.com/office/drawing/2017/decorative" val="1"/>
+              </a:ext>
+            </a:extLst>
+          </p:cNvPr>
+          <p:cNvSpPr>
+            <a:spLocks noGrp="1" noRot="1" noChangeAspect="1" noMove="1" noResize="1" noEditPoints="1" noAdjustHandles="1" noChangeArrowheads="1" noChangeShapeType="1" noTextEdit="1"/>
+          </p:cNvSpPr>
+          <p:nvPr>
+            <p:extLst>
+              <p:ext uri="{386F3935-93C4-4BCD-93E2-E3B085C9AB24}">
+                <p16:designElem xmlns:p16="http://schemas.microsoft.com/office/powerpoint/2015/main" val="1"/>
+              </p:ext>
+            </p:extLst>
+          </p:nvPr>
+        </p:nvSpPr>
+        <p:spPr>
+          <a:xfrm rot="10800000" flipH="1">
+            <a:off x="-3" y="0"/>
+            <a:ext cx="8115306" cy="1590742"/>
+          </a:xfrm>
+          <a:prstGeom prst="rect">
+            <a:avLst/>
+          </a:prstGeom>
+          <a:gradFill>
+            <a:gsLst>
+              <a:gs pos="20000">
+                <a:schemeClr val="accent1">
+                  <a:alpha val="0"/>
+                </a:schemeClr>
+              </a:gs>
+              <a:gs pos="100000">
+                <a:schemeClr val="accent1">
+                  <a:lumMod val="50000"/>
+                  <a:alpha val="55000"/>
+                </a:schemeClr>
+              </a:gs>
+            </a:gsLst>
+            <a:lin ang="13800000" scaled="0"/>
+          </a:gradFill>
+          <a:ln>
+            <a:noFill/>
+          </a:ln>
+        </p:spPr>
+        <p:style>
+          <a:lnRef idx="2">
+            <a:schemeClr val="accent1">
+              <a:shade val="50000"/>
+            </a:schemeClr>
+          </a:lnRef>
+          <a:fillRef idx="1">
+            <a:schemeClr val="accent1"/>
+          </a:fillRef>
+          <a:effectRef idx="0">
+            <a:schemeClr val="accent1"/>
+          </a:effectRef>
+          <a:fontRef idx="minor">
+            <a:schemeClr val="lt1"/>
+          </a:fontRef>
+        </p:style>
+        <p:txBody>
+          <a:bodyPr rtlCol="0" anchor="ctr"/>
+          <a:lstStyle/>
+          <a:p>
+            <a:pPr algn="ctr"/>
+            <a:endParaRPr lang="en-US"/>
+          </a:p>
+        </p:txBody>
+      </p:sp>
+      <p:sp>
+        <p:nvSpPr>
+          <p:cNvPr id="41" name="Rectangle 40">
+            <a:extLst>
+              <a:ext uri="{FF2B5EF4-FFF2-40B4-BE49-F238E27FC236}">
+                <a16:creationId xmlns:a16="http://schemas.microsoft.com/office/drawing/2014/main" id="{375E0459-6403-40CD-989D-56A4407CA12E}"/>
+              </a:ext>
+              <a:ext uri="{C183D7F6-B498-43B3-948B-1728B52AA6E4}">
+                <adec:decorative xmlns:adec="http://schemas.microsoft.com/office/drawing/2017/decorative" val="1"/>
+              </a:ext>
+            </a:extLst>
+          </p:cNvPr>
+          <p:cNvSpPr>
+            <a:spLocks noGrp="1" noRot="1" noChangeAspect="1" noMove="1" noResize="1" noEditPoints="1" noAdjustHandles="1" noChangeArrowheads="1" noChangeShapeType="1" noTextEdit="1"/>
+          </p:cNvSpPr>
+          <p:nvPr>
+            <p:extLst>
+              <p:ext uri="{386F3935-93C4-4BCD-93E2-E3B085C9AB24}">
+                <p16:designElem xmlns:p16="http://schemas.microsoft.com/office/powerpoint/2015/main" val="1"/>
+              </p:ext>
+            </p:extLst>
+          </p:nvPr>
+        </p:nvSpPr>
+        <p:spPr>
+          <a:xfrm flipH="1">
+            <a:off x="8115299" y="-1"/>
+            <a:ext cx="4076698" cy="1590742"/>
+          </a:xfrm>
+          <a:prstGeom prst="rect">
+            <a:avLst/>
+          </a:prstGeom>
+          <a:gradFill>
+            <a:gsLst>
+              <a:gs pos="0">
+                <a:schemeClr val="accent1">
+                  <a:alpha val="66000"/>
+                </a:schemeClr>
+              </a:gs>
+              <a:gs pos="100000">
+                <a:srgbClr val="000000">
+                  <a:alpha val="30000"/>
+                </a:srgbClr>
+              </a:gs>
+            </a:gsLst>
+            <a:lin ang="13200000" scaled="0"/>
+          </a:gradFill>
+          <a:ln>
+            <a:noFill/>
+          </a:ln>
+        </p:spPr>
+        <p:style>
+          <a:lnRef idx="2">
+            <a:schemeClr val="accent1">
+              <a:shade val="50000"/>
+            </a:schemeClr>
+          </a:lnRef>
+          <a:fillRef idx="1">
+            <a:schemeClr val="accent1"/>
+          </a:fillRef>
+          <a:effectRef idx="0">
+            <a:schemeClr val="accent1"/>
+          </a:effectRef>
+          <a:fontRef idx="minor">
+            <a:schemeClr val="lt1"/>
+          </a:fontRef>
+        </p:style>
+        <p:txBody>
+          <a:bodyPr rtlCol="0" anchor="ctr"/>
+          <a:lstStyle/>
+          <a:p>
+            <a:pPr algn="ctr"/>
+            <a:endParaRPr lang="en-US"/>
+          </a:p>
+        </p:txBody>
+      </p:sp>
+      <p:sp>
+        <p:nvSpPr>
+          <p:cNvPr id="43" name="Rectangle 42">
+            <a:extLst>
+              <a:ext uri="{FF2B5EF4-FFF2-40B4-BE49-F238E27FC236}">
+                <a16:creationId xmlns:a16="http://schemas.microsoft.com/office/drawing/2014/main" id="{53E5B1A8-3AC9-4BD1-9BBC-78CA94F2D1BA}"/>
+              </a:ext>
+              <a:ext uri="{C183D7F6-B498-43B3-948B-1728B52AA6E4}">
+                <adec:decorative xmlns:adec="http://schemas.microsoft.com/office/drawing/2017/decorative" val="1"/>
+              </a:ext>
+            </a:extLst>
+          </p:cNvPr>
+          <p:cNvSpPr>
+            <a:spLocks noGrp="1" noRot="1" noChangeAspect="1" noMove="1" noResize="1" noEditPoints="1" noAdjustHandles="1" noChangeArrowheads="1" noChangeShapeType="1" noTextEdit="1"/>
+          </p:cNvSpPr>
+          <p:nvPr>
+            <p:extLst>
+              <p:ext uri="{386F3935-93C4-4BCD-93E2-E3B085C9AB24}">
+                <p16:designElem xmlns:p16="http://schemas.microsoft.com/office/powerpoint/2015/main" val="1"/>
+              </p:ext>
+            </p:extLst>
+          </p:nvPr>
+        </p:nvSpPr>
+        <p:spPr>
+          <a:xfrm>
+            <a:off x="459350" y="-1"/>
+            <a:ext cx="11732646" cy="1597433"/>
+          </a:xfrm>
+          <a:prstGeom prst="rect">
+            <a:avLst/>
+          </a:prstGeom>
+          <a:gradFill>
+            <a:gsLst>
+              <a:gs pos="50000">
+                <a:srgbClr val="000000">
+                  <a:alpha val="0"/>
+                </a:srgbClr>
+              </a:gs>
+              <a:gs pos="99000">
+                <a:schemeClr val="accent1">
+                  <a:lumMod val="50000"/>
+                  <a:alpha val="52000"/>
+                </a:schemeClr>
+              </a:gs>
+            </a:gsLst>
+            <a:lin ang="16800000" scaled="0"/>
+          </a:gradFill>
+          <a:ln>
+            <a:noFill/>
+          </a:ln>
+        </p:spPr>
+        <p:style>
+          <a:lnRef idx="2">
+            <a:schemeClr val="accent1">
+              <a:shade val="50000"/>
+            </a:schemeClr>
+          </a:lnRef>
+          <a:fillRef idx="1">
+            <a:schemeClr val="accent1"/>
+          </a:fillRef>
+          <a:effectRef idx="0">
+            <a:schemeClr val="accent1"/>
+          </a:effectRef>
+          <a:fontRef idx="minor">
+            <a:schemeClr val="lt1"/>
+          </a:fontRef>
+        </p:style>
+        <p:txBody>
+          <a:bodyPr rtlCol="0" anchor="ctr"/>
+          <a:lstStyle/>
+          <a:p>
+            <a:pPr algn="ctr"/>
+            <a:endParaRPr lang="en-US"/>
+          </a:p>
+        </p:txBody>
+      </p:sp>
+      <p:sp>
+        <p:nvSpPr>
+          <p:cNvPr id="2" name="Title 1">
+            <a:extLst>
+              <a:ext uri="{FF2B5EF4-FFF2-40B4-BE49-F238E27FC236}">
+                <a16:creationId xmlns:a16="http://schemas.microsoft.com/office/drawing/2014/main" id="{FC24C321-F2EC-B516-170E-77D77D094FAE}"/>
+              </a:ext>
+            </a:extLst>
+          </p:cNvPr>
+          <p:cNvSpPr>
+            <a:spLocks noGrp="1"/>
+          </p:cNvSpPr>
+          <p:nvPr>
+            <p:ph type="title"/>
+          </p:nvPr>
+        </p:nvSpPr>
+        <p:spPr>
+          <a:xfrm>
+            <a:off x="459346" y="278535"/>
+            <a:ext cx="9895951" cy="1033669"/>
+          </a:xfrm>
+        </p:spPr>
+        <p:txBody>
+          <a:bodyPr>
+            <a:normAutofit/>
+          </a:bodyPr>
+          <a:lstStyle/>
+          <a:p>
+            <a:r>
+              <a:rPr lang="en-US" sz="4000" dirty="0">
+                <a:solidFill>
+                  <a:srgbClr val="FFFFFF"/>
+                </a:solidFill>
+              </a:rPr>
+              <a:t>Data Wrangling</a:t>
+            </a:r>
+          </a:p>
+        </p:txBody>
+      </p:sp>
+      <p:sp>
+        <p:nvSpPr>
+          <p:cNvPr id="4" name="Content Placeholder 3">
+            <a:extLst>
+              <a:ext uri="{FF2B5EF4-FFF2-40B4-BE49-F238E27FC236}">
+                <a16:creationId xmlns:a16="http://schemas.microsoft.com/office/drawing/2014/main" id="{D929E1BB-ADE0-4755-E2DE-2C07636CDB2D}"/>
+              </a:ext>
+            </a:extLst>
+          </p:cNvPr>
+          <p:cNvSpPr>
+            <a:spLocks noGrp="1"/>
+          </p:cNvSpPr>
+          <p:nvPr>
+            <p:ph idx="1"/>
+          </p:nvPr>
+        </p:nvSpPr>
+        <p:spPr>
+          <a:xfrm>
+            <a:off x="838200" y="2446637"/>
+            <a:ext cx="10515600" cy="3730325"/>
+          </a:xfrm>
+        </p:spPr>
+        <p:txBody>
+          <a:bodyPr>
+            <a:normAutofit/>
+          </a:bodyPr>
+          <a:lstStyle/>
+          <a:p>
+            <a:pPr marL="0" indent="0" algn="l">
+              <a:buNone/>
+            </a:pPr>
+            <a:endParaRPr lang="en-US" sz="1800" b="1" i="0" dirty="0">
+              <a:solidFill>
+                <a:srgbClr val="24292F"/>
+              </a:solidFill>
+              <a:effectLst/>
+              <a:latin typeface="Arial" panose="020B0604020202020204" pitchFamily="34" charset="0"/>
+              <a:cs typeface="Arial" panose="020B0604020202020204" pitchFamily="34" charset="0"/>
+            </a:endParaRPr>
+          </a:p>
+          <a:p>
+            <a:pPr marL="0" indent="0" algn="l">
+              <a:buNone/>
+            </a:pPr>
+            <a:r>
+              <a:rPr lang="en-US" sz="1800" b="1" i="0" dirty="0">
+                <a:solidFill>
+                  <a:srgbClr val="24292F"/>
+                </a:solidFill>
+                <a:effectLst/>
+                <a:latin typeface="Arial" panose="020B0604020202020204" pitchFamily="34" charset="0"/>
+                <a:cs typeface="Arial" panose="020B0604020202020204" pitchFamily="34" charset="0"/>
+              </a:rPr>
+              <a:t>Major Steps</a:t>
+            </a:r>
+          </a:p>
+          <a:p>
+            <a:r>
+              <a:rPr lang="en-US" sz="1800" b="0" i="0" dirty="0">
+                <a:solidFill>
+                  <a:srgbClr val="24292F"/>
+                </a:solidFill>
+                <a:effectLst/>
+                <a:latin typeface="Arial" panose="020B0604020202020204" pitchFamily="34" charset="0"/>
+                <a:cs typeface="Arial" panose="020B0604020202020204" pitchFamily="34" charset="0"/>
+              </a:rPr>
+              <a:t>Check for duplicates: There are 0 duplicates for this dataset</a:t>
+            </a:r>
+          </a:p>
+          <a:p>
+            <a:r>
+              <a:rPr lang="en-US" sz="1800" b="0" i="0" dirty="0">
+                <a:solidFill>
+                  <a:srgbClr val="24292F"/>
+                </a:solidFill>
+                <a:effectLst/>
+                <a:latin typeface="Arial" panose="020B0604020202020204" pitchFamily="34" charset="0"/>
+                <a:cs typeface="Arial" panose="020B0604020202020204" pitchFamily="34" charset="0"/>
+              </a:rPr>
+              <a:t>Impute missing values</a:t>
+            </a:r>
+          </a:p>
+          <a:p>
+            <a:r>
+              <a:rPr lang="en-US" sz="1800" b="0" i="0" dirty="0">
+                <a:solidFill>
+                  <a:srgbClr val="24292F"/>
+                </a:solidFill>
+                <a:effectLst/>
+                <a:latin typeface="Arial" panose="020B0604020202020204" pitchFamily="34" charset="0"/>
+                <a:cs typeface="Arial" panose="020B0604020202020204" pitchFamily="34" charset="0"/>
+              </a:rPr>
+              <a:t>Transform numerical features to categorical when they are true categorical</a:t>
+            </a:r>
+          </a:p>
+          <a:p>
+            <a:r>
+              <a:rPr lang="en-US" sz="1800" b="0" i="0" dirty="0">
+                <a:solidFill>
+                  <a:srgbClr val="24292F"/>
+                </a:solidFill>
+                <a:effectLst/>
+                <a:latin typeface="Arial" panose="020B0604020202020204" pitchFamily="34" charset="0"/>
+                <a:cs typeface="Arial" panose="020B0604020202020204" pitchFamily="34" charset="0"/>
+              </a:rPr>
+              <a:t>Encode some categorical features as ordered numbers when there is information in the order</a:t>
+            </a:r>
+          </a:p>
+        </p:txBody>
+      </p:sp>
+    </p:spTree>
+    <p:extLst>
+      <p:ext uri="{BB962C8B-B14F-4D97-AF65-F5344CB8AC3E}">
+        <p14:creationId xmlns:p14="http://schemas.microsoft.com/office/powerpoint/2010/main" val="3980273708"/>
+      </p:ext>
+    </p:extLst>
+  </p:cSld>
+  <p:clrMapOvr>
+    <a:masterClrMapping/>
+  </p:clrMapOvr>
+</p:sld>
+</file>
+
+<file path=ppt/slides/slide6.xml><?xml version="1.0" encoding="utf-8"?>
+<p:sld xmlns:a="http://schemas.openxmlformats.org/drawingml/2006/main" xmlns:r="http://schemas.openxmlformats.org/officeDocument/2006/relationships" xmlns:p="http://schemas.openxmlformats.org/presentationml/2006/main">
+  <p:cSld>
+    <p:bg>
+      <p:bgPr>
+        <a:solidFill>
+          <a:schemeClr val="bg1"/>
+        </a:solidFill>
+        <a:effectLst/>
+      </p:bgPr>
+    </p:bg>
+    <p:spTree>
+      <p:nvGrpSpPr>
+        <p:cNvPr id="1" name=""/>
+        <p:cNvGrpSpPr/>
+        <p:nvPr/>
+      </p:nvGrpSpPr>
+      <p:grpSpPr>
+        <a:xfrm>
+          <a:off x="0" y="0"/>
+          <a:ext cx="0" cy="0"/>
+          <a:chOff x="0" y="0"/>
+          <a:chExt cx="0" cy="0"/>
+        </a:xfrm>
+      </p:grpSpPr>
+      <p:sp useBgFill="1">
+        <p:nvSpPr>
           <p:cNvPr id="26" name="Rectangle 25">
             <a:extLst>
               <a:ext uri="{FF2B5EF4-FFF2-40B4-BE49-F238E27FC236}">
@@ -10604,553 +12688,6 @@
 </p:sld>
 </file>
 
-<file path=ppt/slides/slide6.xml><?xml version="1.0" encoding="utf-8"?>
-<p:sld xmlns:a="http://schemas.openxmlformats.org/drawingml/2006/main" xmlns:r="http://schemas.openxmlformats.org/officeDocument/2006/relationships" xmlns:p="http://schemas.openxmlformats.org/presentationml/2006/main">
-  <p:cSld>
-    <p:bg>
-      <p:bgPr>
-        <a:solidFill>
-          <a:schemeClr val="bg1"/>
-        </a:solidFill>
-        <a:effectLst/>
-      </p:bgPr>
-    </p:bg>
-    <p:spTree>
-      <p:nvGrpSpPr>
-        <p:cNvPr id="1" name=""/>
-        <p:cNvGrpSpPr/>
-        <p:nvPr/>
-      </p:nvGrpSpPr>
-      <p:grpSpPr>
-        <a:xfrm>
-          <a:off x="0" y="0"/>
-          <a:ext cx="0" cy="0"/>
-          <a:chOff x="0" y="0"/>
-          <a:chExt cx="0" cy="0"/>
-        </a:xfrm>
-      </p:grpSpPr>
-      <p:sp useBgFill="1">
-        <p:nvSpPr>
-          <p:cNvPr id="37" name="Rectangle 36">
-            <a:extLst>
-              <a:ext uri="{FF2B5EF4-FFF2-40B4-BE49-F238E27FC236}">
-                <a16:creationId xmlns:a16="http://schemas.microsoft.com/office/drawing/2014/main" id="{2151139A-886F-4B97-8815-729AD3831BBD}"/>
-              </a:ext>
-              <a:ext uri="{C183D7F6-B498-43B3-948B-1728B52AA6E4}">
-                <adec:decorative xmlns:adec="http://schemas.microsoft.com/office/drawing/2017/decorative" val="1"/>
-              </a:ext>
-            </a:extLst>
-          </p:cNvPr>
-          <p:cNvSpPr>
-            <a:spLocks noGrp="1" noRot="1" noChangeAspect="1" noMove="1" noResize="1" noEditPoints="1" noAdjustHandles="1" noChangeArrowheads="1" noChangeShapeType="1" noTextEdit="1"/>
-          </p:cNvSpPr>
-          <p:nvPr>
-            <p:extLst>
-              <p:ext uri="{386F3935-93C4-4BCD-93E2-E3B085C9AB24}">
-                <p16:designElem xmlns:p16="http://schemas.microsoft.com/office/powerpoint/2015/main" val="1"/>
-              </p:ext>
-            </p:extLst>
-          </p:nvPr>
-        </p:nvSpPr>
-        <p:spPr>
-          <a:xfrm>
-            <a:off x="0" y="0"/>
-            <a:ext cx="12192000" cy="6858000"/>
-          </a:xfrm>
-          <a:prstGeom prst="rect">
-            <a:avLst/>
-          </a:prstGeom>
-          <a:ln w="12700" cap="flat" cmpd="sng" algn="ctr">
-            <a:noFill/>
-            <a:prstDash val="solid"/>
-            <a:miter lim="800000"/>
-          </a:ln>
-          <a:effectLst/>
-          <a:extLst>
-            <a:ext uri="{91240B29-F687-4F45-9708-019B960494DF}">
-              <a14:hiddenLine xmlns:a14="http://schemas.microsoft.com/office/drawing/2010/main" w="12700" cap="flat" cmpd="sng" algn="ctr">
-                <a:solidFill>
-                  <a:schemeClr val="accent1">
-                    <a:shade val="50000"/>
-                  </a:schemeClr>
-                </a:solidFill>
-                <a:prstDash val="solid"/>
-                <a:miter lim="800000"/>
-              </a14:hiddenLine>
-            </a:ext>
-          </a:extLst>
-        </p:spPr>
-        <p:style>
-          <a:lnRef idx="2">
-            <a:schemeClr val="accent1">
-              <a:shade val="50000"/>
-            </a:schemeClr>
-          </a:lnRef>
-          <a:fillRef idx="1">
-            <a:schemeClr val="accent1"/>
-          </a:fillRef>
-          <a:effectRef idx="0">
-            <a:schemeClr val="accent1"/>
-          </a:effectRef>
-          <a:fontRef idx="minor">
-            <a:schemeClr val="lt1"/>
-          </a:fontRef>
-        </p:style>
-        <p:txBody>
-          <a:bodyPr rtlCol="0" anchor="ctr"/>
-          <a:lstStyle/>
-          <a:p>
-            <a:pPr algn="ctr"/>
-            <a:endParaRPr lang="en-US" sz="2000"/>
-          </a:p>
-        </p:txBody>
-      </p:sp>
-      <p:sp>
-        <p:nvSpPr>
-          <p:cNvPr id="39" name="Rectangle 38">
-            <a:extLst>
-              <a:ext uri="{FF2B5EF4-FFF2-40B4-BE49-F238E27FC236}">
-                <a16:creationId xmlns:a16="http://schemas.microsoft.com/office/drawing/2014/main" id="{AB5E08C4-8CDD-4623-A5B8-E998C6DEE3B7}"/>
-              </a:ext>
-              <a:ext uri="{C183D7F6-B498-43B3-948B-1728B52AA6E4}">
-                <adec:decorative xmlns:adec="http://schemas.microsoft.com/office/drawing/2017/decorative" val="1"/>
-              </a:ext>
-            </a:extLst>
-          </p:cNvPr>
-          <p:cNvSpPr>
-            <a:spLocks noGrp="1" noRot="1" noChangeAspect="1" noMove="1" noResize="1" noEditPoints="1" noAdjustHandles="1" noChangeArrowheads="1" noChangeShapeType="1" noTextEdit="1"/>
-          </p:cNvSpPr>
-          <p:nvPr>
-            <p:extLst>
-              <p:ext uri="{386F3935-93C4-4BCD-93E2-E3B085C9AB24}">
-                <p16:designElem xmlns:p16="http://schemas.microsoft.com/office/powerpoint/2015/main" val="1"/>
-              </p:ext>
-            </p:extLst>
-          </p:nvPr>
-        </p:nvSpPr>
-        <p:spPr>
-          <a:xfrm flipH="1">
-            <a:off x="2" y="492"/>
-            <a:ext cx="12191998" cy="1575955"/>
-          </a:xfrm>
-          <a:prstGeom prst="rect">
-            <a:avLst/>
-          </a:prstGeom>
-          <a:gradFill>
-            <a:gsLst>
-              <a:gs pos="0">
-                <a:schemeClr val="accent1">
-                  <a:lumMod val="50000"/>
-                </a:schemeClr>
-              </a:gs>
-              <a:gs pos="100000">
-                <a:schemeClr val="accent1">
-                  <a:lumMod val="75000"/>
-                </a:schemeClr>
-              </a:gs>
-            </a:gsLst>
-            <a:lin ang="8400000" scaled="0"/>
-          </a:gradFill>
-          <a:ln>
-            <a:noFill/>
-          </a:ln>
-        </p:spPr>
-        <p:style>
-          <a:lnRef idx="2">
-            <a:schemeClr val="accent1">
-              <a:shade val="50000"/>
-            </a:schemeClr>
-          </a:lnRef>
-          <a:fillRef idx="1">
-            <a:schemeClr val="accent1"/>
-          </a:fillRef>
-          <a:effectRef idx="0">
-            <a:schemeClr val="accent1"/>
-          </a:effectRef>
-          <a:fontRef idx="minor">
-            <a:schemeClr val="lt1"/>
-          </a:fontRef>
-        </p:style>
-        <p:txBody>
-          <a:bodyPr rtlCol="0" anchor="ctr"/>
-          <a:lstStyle/>
-          <a:p>
-            <a:pPr algn="ctr"/>
-            <a:endParaRPr lang="en-US"/>
-          </a:p>
-        </p:txBody>
-      </p:sp>
-      <p:sp>
-        <p:nvSpPr>
-          <p:cNvPr id="41" name="Rectangle 40">
-            <a:extLst>
-              <a:ext uri="{FF2B5EF4-FFF2-40B4-BE49-F238E27FC236}">
-                <a16:creationId xmlns:a16="http://schemas.microsoft.com/office/drawing/2014/main" id="{15F33878-D502-4FFA-8ACE-F2AECDB2A23F}"/>
-              </a:ext>
-              <a:ext uri="{C183D7F6-B498-43B3-948B-1728B52AA6E4}">
-                <adec:decorative xmlns:adec="http://schemas.microsoft.com/office/drawing/2017/decorative" val="1"/>
-              </a:ext>
-            </a:extLst>
-          </p:cNvPr>
-          <p:cNvSpPr>
-            <a:spLocks noGrp="1" noRot="1" noChangeAspect="1" noMove="1" noResize="1" noEditPoints="1" noAdjustHandles="1" noChangeArrowheads="1" noChangeShapeType="1" noTextEdit="1"/>
-          </p:cNvSpPr>
-          <p:nvPr>
-            <p:extLst>
-              <p:ext uri="{386F3935-93C4-4BCD-93E2-E3B085C9AB24}">
-                <p16:designElem xmlns:p16="http://schemas.microsoft.com/office/powerpoint/2015/main" val="1"/>
-              </p:ext>
-            </p:extLst>
-          </p:nvPr>
-        </p:nvSpPr>
-        <p:spPr>
-          <a:xfrm rot="10800000" flipH="1">
-            <a:off x="8128857" y="35"/>
-            <a:ext cx="4063143" cy="1576412"/>
-          </a:xfrm>
-          <a:prstGeom prst="rect">
-            <a:avLst/>
-          </a:prstGeom>
-          <a:gradFill>
-            <a:gsLst>
-              <a:gs pos="19000">
-                <a:schemeClr val="accent1">
-                  <a:lumMod val="50000"/>
-                  <a:alpha val="68000"/>
-                </a:schemeClr>
-              </a:gs>
-              <a:gs pos="100000">
-                <a:schemeClr val="accent1">
-                  <a:alpha val="79000"/>
-                </a:schemeClr>
-              </a:gs>
-            </a:gsLst>
-            <a:lin ang="19200000" scaled="0"/>
-          </a:gradFill>
-          <a:ln>
-            <a:noFill/>
-          </a:ln>
-        </p:spPr>
-        <p:style>
-          <a:lnRef idx="2">
-            <a:schemeClr val="accent1">
-              <a:shade val="50000"/>
-            </a:schemeClr>
-          </a:lnRef>
-          <a:fillRef idx="1">
-            <a:schemeClr val="accent1"/>
-          </a:fillRef>
-          <a:effectRef idx="0">
-            <a:schemeClr val="accent1"/>
-          </a:effectRef>
-          <a:fontRef idx="minor">
-            <a:schemeClr val="lt1"/>
-          </a:fontRef>
-        </p:style>
-        <p:txBody>
-          <a:bodyPr rtlCol="0" anchor="ctr"/>
-          <a:lstStyle/>
-          <a:p>
-            <a:pPr algn="ctr"/>
-            <a:endParaRPr lang="en-US"/>
-          </a:p>
-        </p:txBody>
-      </p:sp>
-      <p:sp>
-        <p:nvSpPr>
-          <p:cNvPr id="43" name="Rectangle 42">
-            <a:extLst>
-              <a:ext uri="{FF2B5EF4-FFF2-40B4-BE49-F238E27FC236}">
-                <a16:creationId xmlns:a16="http://schemas.microsoft.com/office/drawing/2014/main" id="{D3539FEE-81D3-4406-802E-60B20B16F4F6}"/>
-              </a:ext>
-              <a:ext uri="{C183D7F6-B498-43B3-948B-1728B52AA6E4}">
-                <adec:decorative xmlns:adec="http://schemas.microsoft.com/office/drawing/2017/decorative" val="1"/>
-              </a:ext>
-            </a:extLst>
-          </p:cNvPr>
-          <p:cNvSpPr>
-            <a:spLocks noGrp="1" noRot="1" noChangeAspect="1" noMove="1" noResize="1" noEditPoints="1" noAdjustHandles="1" noChangeArrowheads="1" noChangeShapeType="1" noTextEdit="1"/>
-          </p:cNvSpPr>
-          <p:nvPr>
-            <p:extLst>
-              <p:ext uri="{386F3935-93C4-4BCD-93E2-E3B085C9AB24}">
-                <p16:designElem xmlns:p16="http://schemas.microsoft.com/office/powerpoint/2015/main" val="1"/>
-              </p:ext>
-            </p:extLst>
-          </p:nvPr>
-        </p:nvSpPr>
-        <p:spPr>
-          <a:xfrm rot="5400000">
-            <a:off x="5307778" y="-5307777"/>
-            <a:ext cx="1576446" cy="12192001"/>
-          </a:xfrm>
-          <a:prstGeom prst="rect">
-            <a:avLst/>
-          </a:prstGeom>
-          <a:gradFill>
-            <a:gsLst>
-              <a:gs pos="16000">
-                <a:srgbClr val="000000">
-                  <a:alpha val="0"/>
-                </a:srgbClr>
-              </a:gs>
-              <a:gs pos="99000">
-                <a:srgbClr val="000000">
-                  <a:alpha val="87000"/>
-                </a:srgbClr>
-              </a:gs>
-            </a:gsLst>
-            <a:lin ang="11400000" scaled="0"/>
-          </a:gradFill>
-          <a:ln>
-            <a:noFill/>
-          </a:ln>
-        </p:spPr>
-        <p:style>
-          <a:lnRef idx="2">
-            <a:schemeClr val="accent1">
-              <a:shade val="50000"/>
-            </a:schemeClr>
-          </a:lnRef>
-          <a:fillRef idx="1">
-            <a:schemeClr val="accent1"/>
-          </a:fillRef>
-          <a:effectRef idx="0">
-            <a:schemeClr val="accent1"/>
-          </a:effectRef>
-          <a:fontRef idx="minor">
-            <a:schemeClr val="lt1"/>
-          </a:fontRef>
-        </p:style>
-        <p:txBody>
-          <a:bodyPr rtlCol="0" anchor="ctr"/>
-          <a:lstStyle/>
-          <a:p>
-            <a:pPr algn="ctr"/>
-            <a:endParaRPr lang="en-US" dirty="0"/>
-          </a:p>
-        </p:txBody>
-      </p:sp>
-      <p:sp>
-        <p:nvSpPr>
-          <p:cNvPr id="45" name="Rectangle 44">
-            <a:extLst>
-              <a:ext uri="{FF2B5EF4-FFF2-40B4-BE49-F238E27FC236}">
-                <a16:creationId xmlns:a16="http://schemas.microsoft.com/office/drawing/2014/main" id="{DC701763-729E-462F-A5A8-E0DEFEB1E2E4}"/>
-              </a:ext>
-              <a:ext uri="{C183D7F6-B498-43B3-948B-1728B52AA6E4}">
-                <adec:decorative xmlns:adec="http://schemas.microsoft.com/office/drawing/2017/decorative" val="1"/>
-              </a:ext>
-            </a:extLst>
-          </p:cNvPr>
-          <p:cNvSpPr>
-            <a:spLocks noGrp="1" noRot="1" noChangeAspect="1" noMove="1" noResize="1" noEditPoints="1" noAdjustHandles="1" noChangeArrowheads="1" noChangeShapeType="1" noTextEdit="1"/>
-          </p:cNvSpPr>
-          <p:nvPr>
-            <p:extLst>
-              <p:ext uri="{386F3935-93C4-4BCD-93E2-E3B085C9AB24}">
-                <p16:designElem xmlns:p16="http://schemas.microsoft.com/office/powerpoint/2015/main" val="1"/>
-              </p:ext>
-            </p:extLst>
-          </p:nvPr>
-        </p:nvSpPr>
-        <p:spPr>
-          <a:xfrm>
-            <a:off x="3825434" y="986"/>
-            <a:ext cx="4303422" cy="1575461"/>
-          </a:xfrm>
-          <a:prstGeom prst="rect">
-            <a:avLst/>
-          </a:prstGeom>
-          <a:gradFill>
-            <a:gsLst>
-              <a:gs pos="0">
-                <a:schemeClr val="accent1">
-                  <a:alpha val="17000"/>
-                </a:schemeClr>
-              </a:gs>
-              <a:gs pos="74000">
-                <a:schemeClr val="accent1">
-                  <a:lumMod val="50000"/>
-                  <a:alpha val="0"/>
-                </a:schemeClr>
-              </a:gs>
-            </a:gsLst>
-            <a:lin ang="14400000" scaled="0"/>
-          </a:gradFill>
-          <a:ln>
-            <a:noFill/>
-          </a:ln>
-        </p:spPr>
-        <p:style>
-          <a:lnRef idx="2">
-            <a:schemeClr val="accent1">
-              <a:shade val="50000"/>
-            </a:schemeClr>
-          </a:lnRef>
-          <a:fillRef idx="1">
-            <a:schemeClr val="accent1"/>
-          </a:fillRef>
-          <a:effectRef idx="0">
-            <a:schemeClr val="accent1"/>
-          </a:effectRef>
-          <a:fontRef idx="minor">
-            <a:schemeClr val="lt1"/>
-          </a:fontRef>
-        </p:style>
-        <p:txBody>
-          <a:bodyPr rtlCol="0" anchor="ctr"/>
-          <a:lstStyle/>
-          <a:p>
-            <a:pPr algn="ctr"/>
-            <a:endParaRPr lang="en-US"/>
-          </a:p>
-        </p:txBody>
-      </p:sp>
-      <p:sp>
-        <p:nvSpPr>
-          <p:cNvPr id="2" name="Title 1">
-            <a:extLst>
-              <a:ext uri="{FF2B5EF4-FFF2-40B4-BE49-F238E27FC236}">
-                <a16:creationId xmlns:a16="http://schemas.microsoft.com/office/drawing/2014/main" id="{0BEFB5E4-B482-0CBF-6478-B29788FFE4F4}"/>
-              </a:ext>
-            </a:extLst>
-          </p:cNvPr>
-          <p:cNvSpPr>
-            <a:spLocks noGrp="1"/>
-          </p:cNvSpPr>
-          <p:nvPr>
-            <p:ph type="title"/>
-          </p:nvPr>
-        </p:nvSpPr>
-        <p:spPr>
-          <a:xfrm>
-            <a:off x="699714" y="353160"/>
-            <a:ext cx="7091300" cy="898581"/>
-          </a:xfrm>
-        </p:spPr>
-        <p:txBody>
-          <a:bodyPr vert="horz" lIns="91440" tIns="45720" rIns="91440" bIns="45720" rtlCol="0" anchor="ctr">
-            <a:normAutofit/>
-          </a:bodyPr>
-          <a:lstStyle/>
-          <a:p>
-            <a:r>
-              <a:rPr lang="en-US" sz="4000" dirty="0">
-                <a:solidFill>
-                  <a:srgbClr val="FFFFFF"/>
-                </a:solidFill>
-              </a:rPr>
-              <a:t>Price of Properties</a:t>
-            </a:r>
-          </a:p>
-        </p:txBody>
-      </p:sp>
-      <p:pic>
-        <p:nvPicPr>
-          <p:cNvPr id="5" name="Content Placeholder 4" descr="Chart, histogram&#10;&#10;Description automatically generated">
-            <a:extLst>
-              <a:ext uri="{FF2B5EF4-FFF2-40B4-BE49-F238E27FC236}">
-                <a16:creationId xmlns:a16="http://schemas.microsoft.com/office/drawing/2014/main" id="{F439FC9E-6479-F167-98BC-2007A6C3562F}"/>
-              </a:ext>
-            </a:extLst>
-          </p:cNvPr>
-          <p:cNvPicPr>
-            <a:picLocks noChangeAspect="1"/>
-          </p:cNvPicPr>
-          <p:nvPr/>
-        </p:nvPicPr>
-        <p:blipFill>
-          <a:blip r:embed="rId2"/>
-          <a:stretch>
-            <a:fillRect/>
-          </a:stretch>
-        </p:blipFill>
-        <p:spPr>
-          <a:xfrm>
-            <a:off x="2186775" y="2851885"/>
-            <a:ext cx="7158544" cy="3818737"/>
-          </a:xfrm>
-          <a:prstGeom prst="rect">
-            <a:avLst/>
-          </a:prstGeom>
-        </p:spPr>
-      </p:pic>
-      <p:sp>
-        <p:nvSpPr>
-          <p:cNvPr id="9" name="TextBox 8">
-            <a:extLst>
-              <a:ext uri="{FF2B5EF4-FFF2-40B4-BE49-F238E27FC236}">
-                <a16:creationId xmlns:a16="http://schemas.microsoft.com/office/drawing/2014/main" id="{77C5149F-B043-3683-922E-C25458F42F93}"/>
-              </a:ext>
-            </a:extLst>
-          </p:cNvPr>
-          <p:cNvSpPr txBox="1"/>
-          <p:nvPr/>
-        </p:nvSpPr>
-        <p:spPr>
-          <a:xfrm>
-            <a:off x="699714" y="1928621"/>
-            <a:ext cx="10027104" cy="923330"/>
-          </a:xfrm>
-          <a:prstGeom prst="rect">
-            <a:avLst/>
-          </a:prstGeom>
-          <a:noFill/>
-        </p:spPr>
-        <p:txBody>
-          <a:bodyPr wrap="none" rtlCol="0">
-            <a:spAutoFit/>
-          </a:bodyPr>
-          <a:lstStyle/>
-          <a:p>
-            <a:pPr marL="285750" indent="-285750">
-              <a:buFont typeface="Arial" panose="020B0604020202020204" pitchFamily="34" charset="0"/>
-              <a:buChar char="•"/>
-            </a:pPr>
-            <a:r>
-              <a:rPr lang="en-US" sz="1800" dirty="0">
-                <a:effectLst/>
-                <a:latin typeface="ArialMT"/>
-              </a:rPr>
-              <a:t>Average house sale price is around $ 180,000 in Ames. </a:t>
-            </a:r>
-            <a:endParaRPr lang="en-US" dirty="0"/>
-          </a:p>
-          <a:p>
-            <a:pPr marL="285750" indent="-285750">
-              <a:buFont typeface="Arial" panose="020B0604020202020204" pitchFamily="34" charset="0"/>
-              <a:buChar char="•"/>
-            </a:pPr>
-            <a:r>
-              <a:rPr lang="en-US" sz="1800" dirty="0">
-                <a:effectLst/>
-                <a:latin typeface="ArialMT"/>
-              </a:rPr>
-              <a:t>There are a few properties over $500,000. But majority of houses are priced under $214,000. </a:t>
-            </a:r>
-            <a:endParaRPr lang="en-US" dirty="0">
-              <a:effectLst/>
-            </a:endParaRPr>
-          </a:p>
-          <a:p>
-            <a:endParaRPr lang="en-US" dirty="0"/>
-          </a:p>
-        </p:txBody>
-      </p:sp>
-    </p:spTree>
-    <p:extLst>
-      <p:ext uri="{BB962C8B-B14F-4D97-AF65-F5344CB8AC3E}">
-        <p14:creationId xmlns:p14="http://schemas.microsoft.com/office/powerpoint/2010/main" val="1531339315"/>
-      </p:ext>
-    </p:extLst>
-  </p:cSld>
-  <p:clrMapOvr>
-    <a:masterClrMapping/>
-  </p:clrMapOvr>
-</p:sld>
-</file>
-
 <file path=ppt/slides/slide7.xml><?xml version="1.0" encoding="utf-8"?>
 <p:sld xmlns:a="http://schemas.openxmlformats.org/drawingml/2006/main" xmlns:r="http://schemas.openxmlformats.org/officeDocument/2006/relationships" xmlns:p="http://schemas.openxmlformats.org/presentationml/2006/main">
   <p:cSld>
@@ -11573,12 +13110,12 @@
         <p:spPr>
           <a:xfrm>
             <a:off x="699714" y="353160"/>
-            <a:ext cx="9988273" cy="898581"/>
+            <a:ext cx="7091300" cy="898581"/>
           </a:xfrm>
         </p:spPr>
         <p:txBody>
           <a:bodyPr vert="horz" lIns="91440" tIns="45720" rIns="91440" bIns="45720" rtlCol="0" anchor="ctr">
-            <a:normAutofit fontScale="90000"/>
+            <a:normAutofit/>
           </a:bodyPr>
           <a:lstStyle/>
           <a:p>
@@ -11588,17 +13125,17 @@
                   <a:srgbClr val="FFFFFF"/>
                 </a:solidFill>
               </a:rPr>
-              <a:t>Numeric Attributes Most Correlated with Sale Price</a:t>
+              <a:t>Price of Properties</a:t>
             </a:r>
           </a:p>
         </p:txBody>
       </p:sp>
       <p:pic>
         <p:nvPicPr>
-          <p:cNvPr id="4" name="Picture 3" descr="Chart&#10;&#10;Description automatically generated with medium confidence">
-            <a:extLst>
-              <a:ext uri="{FF2B5EF4-FFF2-40B4-BE49-F238E27FC236}">
-                <a16:creationId xmlns:a16="http://schemas.microsoft.com/office/drawing/2014/main" id="{E7CA1E02-C129-278E-7867-1E6CE784C637}"/>
+          <p:cNvPr id="5" name="Content Placeholder 4" descr="Chart, histogram&#10;&#10;Description automatically generated">
+            <a:extLst>
+              <a:ext uri="{FF2B5EF4-FFF2-40B4-BE49-F238E27FC236}">
+                <a16:creationId xmlns:a16="http://schemas.microsoft.com/office/drawing/2014/main" id="{F439FC9E-6479-F167-98BC-2007A6C3562F}"/>
               </a:ext>
             </a:extLst>
           </p:cNvPr>
@@ -11615,8 +13152,8 @@
         </p:blipFill>
         <p:spPr>
           <a:xfrm>
-            <a:off x="4909494" y="1845191"/>
-            <a:ext cx="5535054" cy="4766551"/>
+            <a:off x="2186775" y="2851885"/>
+            <a:ext cx="7158544" cy="3818737"/>
           </a:xfrm>
           <a:prstGeom prst="rect">
             <a:avLst/>
@@ -11625,10 +13162,10 @@
       </p:pic>
       <p:sp>
         <p:nvSpPr>
-          <p:cNvPr id="6" name="TextBox 5">
-            <a:extLst>
-              <a:ext uri="{FF2B5EF4-FFF2-40B4-BE49-F238E27FC236}">
-                <a16:creationId xmlns:a16="http://schemas.microsoft.com/office/drawing/2014/main" id="{EB1A395A-C4E5-FAEB-102A-569796E33CBC}"/>
+          <p:cNvPr id="9" name="TextBox 8">
+            <a:extLst>
+              <a:ext uri="{FF2B5EF4-FFF2-40B4-BE49-F238E27FC236}">
+                <a16:creationId xmlns:a16="http://schemas.microsoft.com/office/drawing/2014/main" id="{77C5149F-B043-3683-922E-C25458F42F93}"/>
               </a:ext>
             </a:extLst>
           </p:cNvPr>
@@ -11637,8 +13174,8 @@
         </p:nvSpPr>
         <p:spPr>
           <a:xfrm>
-            <a:off x="1389261" y="3455233"/>
-            <a:ext cx="3125720" cy="1200329"/>
+            <a:off x="699714" y="1928621"/>
+            <a:ext cx="10027104" cy="923330"/>
           </a:xfrm>
           <a:prstGeom prst="rect">
             <a:avLst/>
@@ -11646,18 +13183,39 @@
           <a:noFill/>
         </p:spPr>
         <p:txBody>
-          <a:bodyPr wrap="square" rtlCol="0">
+          <a:bodyPr wrap="none" rtlCol="0">
             <a:spAutoFit/>
           </a:bodyPr>
           <a:lstStyle/>
           <a:p>
+            <a:pPr marL="285750" indent="-285750">
+              <a:buFont typeface="Arial" panose="020B0604020202020204" pitchFamily="34" charset="0"/>
+              <a:buChar char="•"/>
+            </a:pPr>
             <a:r>
               <a:rPr lang="en-US" sz="1800" dirty="0">
                 <a:effectLst/>
-                <a:latin typeface="Arial" panose="020B0604020202020204" pitchFamily="34" charset="0"/>
+                <a:latin typeface="ArialMT"/>
               </a:rPr>
-              <a:t>Top Significant Categorical Attributes Discovered via heatmap</a:t>
+              <a:t>Average house sale price is around $ 180,000 in Ames. </a:t>
             </a:r>
+            <a:endParaRPr lang="en-US" dirty="0"/>
+          </a:p>
+          <a:p>
+            <a:pPr marL="285750" indent="-285750">
+              <a:buFont typeface="Arial" panose="020B0604020202020204" pitchFamily="34" charset="0"/>
+              <a:buChar char="•"/>
+            </a:pPr>
+            <a:r>
+              <a:rPr lang="en-US" sz="1800" dirty="0">
+                <a:effectLst/>
+                <a:latin typeface="ArialMT"/>
+              </a:rPr>
+              <a:t>There are a few properties over $500,000. But majority of houses are priced under $214,000. </a:t>
+            </a:r>
+            <a:endParaRPr lang="en-US" dirty="0">
+              <a:effectLst/>
+            </a:endParaRPr>
           </a:p>
           <a:p>
             <a:endParaRPr lang="en-US" dirty="0"/>
@@ -11667,7 +13225,7 @@
     </p:spTree>
     <p:extLst>
       <p:ext uri="{BB962C8B-B14F-4D97-AF65-F5344CB8AC3E}">
-        <p14:creationId xmlns:p14="http://schemas.microsoft.com/office/powerpoint/2010/main" val="3516543136"/>
+        <p14:creationId xmlns:p14="http://schemas.microsoft.com/office/powerpoint/2010/main" val="1531339315"/>
       </p:ext>
     </p:extLst>
   </p:cSld>
@@ -12098,13 +13656,13 @@
         </p:nvSpPr>
         <p:spPr>
           <a:xfrm>
-            <a:off x="699713" y="353160"/>
-            <a:ext cx="8759079" cy="898581"/>
+            <a:off x="699714" y="353160"/>
+            <a:ext cx="9988273" cy="898581"/>
           </a:xfrm>
         </p:spPr>
         <p:txBody>
           <a:bodyPr vert="horz" lIns="91440" tIns="45720" rIns="91440" bIns="45720" rtlCol="0" anchor="ctr">
-            <a:normAutofit/>
+            <a:normAutofit fontScale="90000"/>
           </a:bodyPr>
           <a:lstStyle/>
           <a:p>
@@ -12114,17 +13672,17 @@
                   <a:srgbClr val="FFFFFF"/>
                 </a:solidFill>
               </a:rPr>
-              <a:t>Attributes Most Correlated with Sale Price</a:t>
+              <a:t>Numeric Attributes Most Correlated with Sale Price</a:t>
             </a:r>
           </a:p>
         </p:txBody>
       </p:sp>
       <p:pic>
         <p:nvPicPr>
-          <p:cNvPr id="3" name="Picture 2" descr="Chart, box and whisker chart&#10;&#10;Description automatically generated">
-            <a:extLst>
-              <a:ext uri="{FF2B5EF4-FFF2-40B4-BE49-F238E27FC236}">
-                <a16:creationId xmlns:a16="http://schemas.microsoft.com/office/drawing/2014/main" id="{14600A56-BD18-63C2-AFE4-F1D1D9978BA5}"/>
+          <p:cNvPr id="4" name="Picture 3" descr="Chart&#10;&#10;Description automatically generated with medium confidence">
+            <a:extLst>
+              <a:ext uri="{FF2B5EF4-FFF2-40B4-BE49-F238E27FC236}">
+                <a16:creationId xmlns:a16="http://schemas.microsoft.com/office/drawing/2014/main" id="{E7CA1E02-C129-278E-7867-1E6CE784C637}"/>
               </a:ext>
             </a:extLst>
           </p:cNvPr>
@@ -12134,57 +13692,27 @@
           <p:nvPr/>
         </p:nvPicPr>
         <p:blipFill>
-          <a:blip r:embed="rId3"/>
+          <a:blip r:embed="rId2"/>
           <a:stretch>
             <a:fillRect/>
           </a:stretch>
         </p:blipFill>
         <p:spPr>
           <a:xfrm>
-            <a:off x="812038" y="3127814"/>
-            <a:ext cx="5030724" cy="3541880"/>
+            <a:off x="4909494" y="1845191"/>
+            <a:ext cx="5535054" cy="4766551"/>
           </a:xfrm>
           <a:prstGeom prst="rect">
             <a:avLst/>
           </a:prstGeom>
         </p:spPr>
       </p:pic>
-      <p:pic>
-        <p:nvPicPr>
-          <p:cNvPr id="5" name="Picture 4" descr="Chart, scatter chart&#10;&#10;Description automatically generated">
-            <a:extLst>
-              <a:ext uri="{FF2B5EF4-FFF2-40B4-BE49-F238E27FC236}">
-                <a16:creationId xmlns:a16="http://schemas.microsoft.com/office/drawing/2014/main" id="{913B94AE-C3D2-F3DD-365A-8E9B721C4672}"/>
-              </a:ext>
-            </a:extLst>
-          </p:cNvPr>
-          <p:cNvPicPr>
-            <a:picLocks noChangeAspect="1"/>
-          </p:cNvPicPr>
-          <p:nvPr/>
-        </p:nvPicPr>
-        <p:blipFill>
-          <a:blip r:embed="rId4"/>
-          <a:stretch>
-            <a:fillRect/>
-          </a:stretch>
-        </p:blipFill>
-        <p:spPr>
-          <a:xfrm>
-            <a:off x="6349238" y="3119500"/>
-            <a:ext cx="5030724" cy="3558508"/>
-          </a:xfrm>
-          <a:prstGeom prst="rect">
-            <a:avLst/>
-          </a:prstGeom>
-        </p:spPr>
-      </p:pic>
       <p:sp>
         <p:nvSpPr>
           <p:cNvPr id="6" name="TextBox 5">
             <a:extLst>
               <a:ext uri="{FF2B5EF4-FFF2-40B4-BE49-F238E27FC236}">
-                <a16:creationId xmlns:a16="http://schemas.microsoft.com/office/drawing/2014/main" id="{05B19E99-A243-626F-15AD-10EA4C49DE54}"/>
+                <a16:creationId xmlns:a16="http://schemas.microsoft.com/office/drawing/2014/main" id="{EB1A395A-C4E5-FAEB-102A-569796E33CBC}"/>
               </a:ext>
             </a:extLst>
           </p:cNvPr>
@@ -12193,8 +13721,8 @@
         </p:nvSpPr>
         <p:spPr>
           <a:xfrm>
-            <a:off x="699714" y="1928621"/>
-            <a:ext cx="10140276" cy="1200329"/>
+            <a:off x="1389261" y="3455233"/>
+            <a:ext cx="3125720" cy="1200329"/>
           </a:xfrm>
           <a:prstGeom prst="rect">
             <a:avLst/>
@@ -12202,61 +13730,18 @@
           <a:noFill/>
         </p:spPr>
         <p:txBody>
-          <a:bodyPr wrap="none" rtlCol="0">
+          <a:bodyPr wrap="square" rtlCol="0">
             <a:spAutoFit/>
           </a:bodyPr>
           <a:lstStyle/>
           <a:p>
             <a:r>
-              <a:rPr lang="en-US" sz="1800" b="1" dirty="0">
+              <a:rPr lang="en-US" sz="1800" dirty="0">
                 <a:effectLst/>
                 <a:latin typeface="Arial" panose="020B0604020202020204" pitchFamily="34" charset="0"/>
               </a:rPr>
-              <a:t>Top Significant Categorical Attributes via Correlation Analysis (R Squared &amp; Scatter Plot) : </a:t>
+              <a:t>Top Significant Categorical Attributes Discovered via heatmap</a:t>
             </a:r>
-          </a:p>
-          <a:p>
-            <a:pPr marL="285750" indent="-285750">
-              <a:buFont typeface="Arial" panose="020B0604020202020204" pitchFamily="34" charset="0"/>
-              <a:buChar char="•"/>
-            </a:pPr>
-            <a:r>
-              <a:rPr lang="en-US" sz="1800" b="1" dirty="0">
-                <a:effectLst/>
-                <a:latin typeface="Arial" panose="020B0604020202020204" pitchFamily="34" charset="0"/>
-              </a:rPr>
-              <a:t>Overall Quality: </a:t>
-            </a:r>
-            <a:r>
-              <a:rPr lang="en-US" sz="1800" dirty="0">
-                <a:effectLst/>
-                <a:latin typeface="ArialMT"/>
-              </a:rPr>
-              <a:t>The higher the quality score, the higher the sale price</a:t>
-            </a:r>
-          </a:p>
-          <a:p>
-            <a:pPr marL="285750" indent="-285750">
-              <a:buFont typeface="Arial" panose="020B0604020202020204" pitchFamily="34" charset="0"/>
-              <a:buChar char="•"/>
-            </a:pPr>
-            <a:r>
-              <a:rPr lang="en-US" sz="1800" b="1" dirty="0" err="1">
-                <a:effectLst/>
-                <a:latin typeface="ArialMT"/>
-              </a:rPr>
-              <a:t>GrLivArea</a:t>
-            </a:r>
-            <a:r>
-              <a:rPr lang="en-US" sz="1800" dirty="0">
-                <a:effectLst/>
-                <a:latin typeface="ArialMT"/>
-              </a:rPr>
-              <a:t>: Above ground living Area in Square Feet </a:t>
-            </a:r>
-            <a:endParaRPr lang="en-US" dirty="0">
-              <a:effectLst/>
-            </a:endParaRPr>
           </a:p>
           <a:p>
             <a:endParaRPr lang="en-US" dirty="0"/>
@@ -12266,7 +13751,7 @@
     </p:spTree>
     <p:extLst>
       <p:ext uri="{BB962C8B-B14F-4D97-AF65-F5344CB8AC3E}">
-        <p14:creationId xmlns:p14="http://schemas.microsoft.com/office/powerpoint/2010/main" val="1626568780"/>
+        <p14:creationId xmlns:p14="http://schemas.microsoft.com/office/powerpoint/2010/main" val="3516543136"/>
       </p:ext>
     </p:extLst>
   </p:cSld>
@@ -12697,8 +14182,8 @@
         </p:nvSpPr>
         <p:spPr>
           <a:xfrm>
-            <a:off x="699714" y="353160"/>
-            <a:ext cx="7091300" cy="898581"/>
+            <a:off x="699713" y="353160"/>
+            <a:ext cx="8759079" cy="898581"/>
           </a:xfrm>
         </p:spPr>
         <p:txBody>
@@ -12713,17 +14198,17 @@
                   <a:srgbClr val="FFFFFF"/>
                 </a:solidFill>
               </a:rPr>
-              <a:t>Time vs Sale Price</a:t>
+              <a:t>Attributes Most Correlated with Sale Price</a:t>
             </a:r>
           </a:p>
         </p:txBody>
       </p:sp>
       <p:pic>
         <p:nvPicPr>
-          <p:cNvPr id="5" name="Picture 4" descr="Chart, line chart&#10;&#10;Description automatically generated">
-            <a:extLst>
-              <a:ext uri="{FF2B5EF4-FFF2-40B4-BE49-F238E27FC236}">
-                <a16:creationId xmlns:a16="http://schemas.microsoft.com/office/drawing/2014/main" id="{EE59E36D-60AC-DD5C-96FE-68C06A1DCB89}"/>
+          <p:cNvPr id="3" name="Picture 2" descr="Chart, box and whisker chart&#10;&#10;Description automatically generated">
+            <a:extLst>
+              <a:ext uri="{FF2B5EF4-FFF2-40B4-BE49-F238E27FC236}">
+                <a16:creationId xmlns:a16="http://schemas.microsoft.com/office/drawing/2014/main" id="{14600A56-BD18-63C2-AFE4-F1D1D9978BA5}"/>
               </a:ext>
             </a:extLst>
           </p:cNvPr>
@@ -12740,20 +14225,50 @@
         </p:blipFill>
         <p:spPr>
           <a:xfrm>
-            <a:off x="1395663" y="3635108"/>
-            <a:ext cx="8843210" cy="2869732"/>
+            <a:off x="812038" y="3127814"/>
+            <a:ext cx="5030724" cy="3541880"/>
           </a:xfrm>
           <a:prstGeom prst="rect">
             <a:avLst/>
           </a:prstGeom>
         </p:spPr>
       </p:pic>
+      <p:pic>
+        <p:nvPicPr>
+          <p:cNvPr id="5" name="Picture 4" descr="Chart, scatter chart&#10;&#10;Description automatically generated">
+            <a:extLst>
+              <a:ext uri="{FF2B5EF4-FFF2-40B4-BE49-F238E27FC236}">
+                <a16:creationId xmlns:a16="http://schemas.microsoft.com/office/drawing/2014/main" id="{913B94AE-C3D2-F3DD-365A-8E9B721C4672}"/>
+              </a:ext>
+            </a:extLst>
+          </p:cNvPr>
+          <p:cNvPicPr>
+            <a:picLocks noChangeAspect="1"/>
+          </p:cNvPicPr>
+          <p:nvPr/>
+        </p:nvPicPr>
+        <p:blipFill>
+          <a:blip r:embed="rId3"/>
+          <a:stretch>
+            <a:fillRect/>
+          </a:stretch>
+        </p:blipFill>
+        <p:spPr>
+          <a:xfrm>
+            <a:off x="6349238" y="3119500"/>
+            <a:ext cx="5030724" cy="3558508"/>
+          </a:xfrm>
+          <a:prstGeom prst="rect">
+            <a:avLst/>
+          </a:prstGeom>
+        </p:spPr>
+      </p:pic>
       <p:sp>
         <p:nvSpPr>
           <p:cNvPr id="6" name="TextBox 5">
             <a:extLst>
               <a:ext uri="{FF2B5EF4-FFF2-40B4-BE49-F238E27FC236}">
-                <a16:creationId xmlns:a16="http://schemas.microsoft.com/office/drawing/2014/main" id="{7C6B3A27-AA25-5A98-D73A-9D6D974CBB64}"/>
+                <a16:creationId xmlns:a16="http://schemas.microsoft.com/office/drawing/2014/main" id="{05B19E99-A243-626F-15AD-10EA4C49DE54}"/>
               </a:ext>
             </a:extLst>
           </p:cNvPr>
@@ -12762,8 +14277,8 @@
         </p:nvSpPr>
         <p:spPr>
           <a:xfrm>
-            <a:off x="699714" y="1928620"/>
-            <a:ext cx="10737781" cy="1200329"/>
+            <a:off x="699714" y="1928621"/>
+            <a:ext cx="10140276" cy="1200329"/>
           </a:xfrm>
           <a:prstGeom prst="rect">
             <a:avLst/>
@@ -12771,23 +14286,38 @@
           <a:noFill/>
         </p:spPr>
         <p:txBody>
-          <a:bodyPr wrap="square" rtlCol="0">
+          <a:bodyPr wrap="none" rtlCol="0">
             <a:spAutoFit/>
           </a:bodyPr>
           <a:lstStyle/>
+          <a:p>
+            <a:r>
+              <a:rPr lang="en-US" sz="1800" b="1" dirty="0">
+                <a:effectLst/>
+                <a:latin typeface="Arial" panose="020B0604020202020204" pitchFamily="34" charset="0"/>
+              </a:rPr>
+              <a:t>Top Significant Categorical Attributes via Correlation Analysis (R Squared &amp; Scatter Plot) : </a:t>
+            </a:r>
+          </a:p>
           <a:p>
             <a:pPr marL="285750" indent="-285750">
               <a:buFont typeface="Arial" panose="020B0604020202020204" pitchFamily="34" charset="0"/>
               <a:buChar char="•"/>
             </a:pPr>
             <a:r>
+              <a:rPr lang="en-US" sz="1800" b="1" dirty="0">
+                <a:effectLst/>
+                <a:latin typeface="Arial" panose="020B0604020202020204" pitchFamily="34" charset="0"/>
+              </a:rPr>
+              <a:t>Overall Quality: </a:t>
+            </a:r>
+            <a:r>
               <a:rPr lang="en-US" sz="1800" dirty="0">
                 <a:effectLst/>
                 <a:latin typeface="ArialMT"/>
               </a:rPr>
-              <a:t>In general, the more recent the property was built or remodeled, the more expensive it would be. </a:t>
+              <a:t>The higher the quality score, the higher the sale price</a:t>
             </a:r>
-            <a:endParaRPr lang="en-US" dirty="0"/>
           </a:p>
           <a:p>
             <a:pPr marL="285750" indent="-285750">
@@ -12795,11 +14325,18 @@
               <a:buChar char="•"/>
             </a:pPr>
             <a:r>
+              <a:rPr lang="en-US" sz="1800" b="1" dirty="0" err="1">
+                <a:effectLst/>
+                <a:latin typeface="ArialMT"/>
+              </a:rPr>
+              <a:t>GrLivArea</a:t>
+            </a:r>
+            <a:r>
               <a:rPr lang="en-US" sz="1800" dirty="0">
                 <a:effectLst/>
                 <a:latin typeface="ArialMT"/>
               </a:rPr>
-              <a:t>The properties sold during second half of the years were more expensive on average than properties sold in the beginning of the years. </a:t>
+              <a:t>: Above ground living Area in Square Feet </a:t>
             </a:r>
             <a:endParaRPr lang="en-US" dirty="0">
               <a:effectLst/>
@@ -12813,7 +14350,7 @@
     </p:spTree>
     <p:extLst>
       <p:ext uri="{BB962C8B-B14F-4D97-AF65-F5344CB8AC3E}">
-        <p14:creationId xmlns:p14="http://schemas.microsoft.com/office/powerpoint/2010/main" val="3924940800"/>
+        <p14:creationId xmlns:p14="http://schemas.microsoft.com/office/powerpoint/2010/main" val="1626568780"/>
       </p:ext>
     </p:extLst>
   </p:cSld>
@@ -13116,4 +14653,299 @@
     </a:ext>
   </a:extLst>
 </a:theme>
+</file>
+
+<file path=ppt/theme/theme2.xml><?xml version="1.0" encoding="utf-8"?>
+<a:theme xmlns:a="http://schemas.openxmlformats.org/drawingml/2006/main" name="Office Theme">
+  <a:themeElements>
+    <a:clrScheme name="Office">
+      <a:dk1>
+        <a:sysClr val="windowText" lastClr="000000"/>
+      </a:dk1>
+      <a:lt1>
+        <a:sysClr val="window" lastClr="FFFFFF"/>
+      </a:lt1>
+      <a:dk2>
+        <a:srgbClr val="44546A"/>
+      </a:dk2>
+      <a:lt2>
+        <a:srgbClr val="E7E6E6"/>
+      </a:lt2>
+      <a:accent1>
+        <a:srgbClr val="4472C4"/>
+      </a:accent1>
+      <a:accent2>
+        <a:srgbClr val="ED7D31"/>
+      </a:accent2>
+      <a:accent3>
+        <a:srgbClr val="A5A5A5"/>
+      </a:accent3>
+      <a:accent4>
+        <a:srgbClr val="FFC000"/>
+      </a:accent4>
+      <a:accent5>
+        <a:srgbClr val="5B9BD5"/>
+      </a:accent5>
+      <a:accent6>
+        <a:srgbClr val="70AD47"/>
+      </a:accent6>
+      <a:hlink>
+        <a:srgbClr val="0563C1"/>
+      </a:hlink>
+      <a:folHlink>
+        <a:srgbClr val="954F72"/>
+      </a:folHlink>
+    </a:clrScheme>
+    <a:fontScheme name="Office">
+      <a:majorFont>
+        <a:latin typeface="Calibri Light" panose="020F0302020204030204"/>
+        <a:ea typeface=""/>
+        <a:cs typeface=""/>
+        <a:font script="Jpan" typeface="游ゴシック Light"/>
+        <a:font script="Hang" typeface="맑은 고딕"/>
+        <a:font script="Hans" typeface="等线 Light"/>
+        <a:font script="Hant" typeface="新細明體"/>
+        <a:font script="Arab" typeface="Times New Roman"/>
+        <a:font script="Hebr" typeface="Times New Roman"/>
+        <a:font script="Thai" typeface="Angsana New"/>
+        <a:font script="Ethi" typeface="Nyala"/>
+        <a:font script="Beng" typeface="Vrinda"/>
+        <a:font script="Gujr" typeface="Shruti"/>
+        <a:font script="Khmr" typeface="MoolBoran"/>
+        <a:font script="Knda" typeface="Tunga"/>
+        <a:font script="Guru" typeface="Raavi"/>
+        <a:font script="Cans" typeface="Euphemia"/>
+        <a:font script="Cher" typeface="Plantagenet Cherokee"/>
+        <a:font script="Yiii" typeface="Microsoft Yi Baiti"/>
+        <a:font script="Tibt" typeface="Microsoft Himalaya"/>
+        <a:font script="Thaa" typeface="MV Boli"/>
+        <a:font script="Deva" typeface="Mangal"/>
+        <a:font script="Telu" typeface="Gautami"/>
+        <a:font script="Taml" typeface="Latha"/>
+        <a:font script="Syrc" typeface="Estrangelo Edessa"/>
+        <a:font script="Orya" typeface="Kalinga"/>
+        <a:font script="Mlym" typeface="Kartika"/>
+        <a:font script="Laoo" typeface="DokChampa"/>
+        <a:font script="Sinh" typeface="Iskoola Pota"/>
+        <a:font script="Mong" typeface="Mongolian Baiti"/>
+        <a:font script="Viet" typeface="Times New Roman"/>
+        <a:font script="Uigh" typeface="Microsoft Uighur"/>
+        <a:font script="Geor" typeface="Sylfaen"/>
+        <a:font script="Armn" typeface="Arial"/>
+        <a:font script="Bugi" typeface="Leelawadee UI"/>
+        <a:font script="Bopo" typeface="Microsoft JhengHei"/>
+        <a:font script="Java" typeface="Javanese Text"/>
+        <a:font script="Lisu" typeface="Segoe UI"/>
+        <a:font script="Mymr" typeface="Myanmar Text"/>
+        <a:font script="Nkoo" typeface="Ebrima"/>
+        <a:font script="Olck" typeface="Nirmala UI"/>
+        <a:font script="Osma" typeface="Ebrima"/>
+        <a:font script="Phag" typeface="Phagspa"/>
+        <a:font script="Syrn" typeface="Estrangelo Edessa"/>
+        <a:font script="Syrj" typeface="Estrangelo Edessa"/>
+        <a:font script="Syre" typeface="Estrangelo Edessa"/>
+        <a:font script="Sora" typeface="Nirmala UI"/>
+        <a:font script="Tale" typeface="Microsoft Tai Le"/>
+        <a:font script="Talu" typeface="Microsoft New Tai Lue"/>
+        <a:font script="Tfng" typeface="Ebrima"/>
+      </a:majorFont>
+      <a:minorFont>
+        <a:latin typeface="Calibri" panose="020F0502020204030204"/>
+        <a:ea typeface=""/>
+        <a:cs typeface=""/>
+        <a:font script="Jpan" typeface="游ゴシック"/>
+        <a:font script="Hang" typeface="맑은 고딕"/>
+        <a:font script="Hans" typeface="等线"/>
+        <a:font script="Hant" typeface="新細明體"/>
+        <a:font script="Arab" typeface="Arial"/>
+        <a:font script="Hebr" typeface="Arial"/>
+        <a:font script="Thai" typeface="Cordia New"/>
+        <a:font script="Ethi" typeface="Nyala"/>
+        <a:font script="Beng" typeface="Vrinda"/>
+        <a:font script="Gujr" typeface="Shruti"/>
+        <a:font script="Khmr" typeface="DaunPenh"/>
+        <a:font script="Knda" typeface="Tunga"/>
+        <a:font script="Guru" typeface="Raavi"/>
+        <a:font script="Cans" typeface="Euphemia"/>
+        <a:font script="Cher" typeface="Plantagenet Cherokee"/>
+        <a:font script="Yiii" typeface="Microsoft Yi Baiti"/>
+        <a:font script="Tibt" typeface="Microsoft Himalaya"/>
+        <a:font script="Thaa" typeface="MV Boli"/>
+        <a:font script="Deva" typeface="Mangal"/>
+        <a:font script="Telu" typeface="Gautami"/>
+        <a:font script="Taml" typeface="Latha"/>
+        <a:font script="Syrc" typeface="Estrangelo Edessa"/>
+        <a:font script="Orya" typeface="Kalinga"/>
+        <a:font script="Mlym" typeface="Kartika"/>
+        <a:font script="Laoo" typeface="DokChampa"/>
+        <a:font script="Sinh" typeface="Iskoola Pota"/>
+        <a:font script="Mong" typeface="Mongolian Baiti"/>
+        <a:font script="Viet" typeface="Arial"/>
+        <a:font script="Uigh" typeface="Microsoft Uighur"/>
+        <a:font script="Geor" typeface="Sylfaen"/>
+        <a:font script="Armn" typeface="Arial"/>
+        <a:font script="Bugi" typeface="Leelawadee UI"/>
+        <a:font script="Bopo" typeface="Microsoft JhengHei"/>
+        <a:font script="Java" typeface="Javanese Text"/>
+        <a:font script="Lisu" typeface="Segoe UI"/>
+        <a:font script="Mymr" typeface="Myanmar Text"/>
+        <a:font script="Nkoo" typeface="Ebrima"/>
+        <a:font script="Olck" typeface="Nirmala UI"/>
+        <a:font script="Osma" typeface="Ebrima"/>
+        <a:font script="Phag" typeface="Phagspa"/>
+        <a:font script="Syrn" typeface="Estrangelo Edessa"/>
+        <a:font script="Syrj" typeface="Estrangelo Edessa"/>
+        <a:font script="Syre" typeface="Estrangelo Edessa"/>
+        <a:font script="Sora" typeface="Nirmala UI"/>
+        <a:font script="Tale" typeface="Microsoft Tai Le"/>
+        <a:font script="Talu" typeface="Microsoft New Tai Lue"/>
+        <a:font script="Tfng" typeface="Ebrima"/>
+      </a:minorFont>
+    </a:fontScheme>
+    <a:fmtScheme name="Office">
+      <a:fillStyleLst>
+        <a:solidFill>
+          <a:schemeClr val="phClr"/>
+        </a:solidFill>
+        <a:gradFill rotWithShape="1">
+          <a:gsLst>
+            <a:gs pos="0">
+              <a:schemeClr val="phClr">
+                <a:lumMod val="110000"/>
+                <a:satMod val="105000"/>
+                <a:tint val="67000"/>
+              </a:schemeClr>
+            </a:gs>
+            <a:gs pos="50000">
+              <a:schemeClr val="phClr">
+                <a:lumMod val="105000"/>
+                <a:satMod val="103000"/>
+                <a:tint val="73000"/>
+              </a:schemeClr>
+            </a:gs>
+            <a:gs pos="100000">
+              <a:schemeClr val="phClr">
+                <a:lumMod val="105000"/>
+                <a:satMod val="109000"/>
+                <a:tint val="81000"/>
+              </a:schemeClr>
+            </a:gs>
+          </a:gsLst>
+          <a:lin ang="5400000" scaled="0"/>
+        </a:gradFill>
+        <a:gradFill rotWithShape="1">
+          <a:gsLst>
+            <a:gs pos="0">
+              <a:schemeClr val="phClr">
+                <a:satMod val="103000"/>
+                <a:lumMod val="102000"/>
+                <a:tint val="94000"/>
+              </a:schemeClr>
+            </a:gs>
+            <a:gs pos="50000">
+              <a:schemeClr val="phClr">
+                <a:satMod val="110000"/>
+                <a:lumMod val="100000"/>
+                <a:shade val="100000"/>
+              </a:schemeClr>
+            </a:gs>
+            <a:gs pos="100000">
+              <a:schemeClr val="phClr">
+                <a:lumMod val="99000"/>
+                <a:satMod val="120000"/>
+                <a:shade val="78000"/>
+              </a:schemeClr>
+            </a:gs>
+          </a:gsLst>
+          <a:lin ang="5400000" scaled="0"/>
+        </a:gradFill>
+      </a:fillStyleLst>
+      <a:lnStyleLst>
+        <a:ln w="6350" cap="flat" cmpd="sng" algn="ctr">
+          <a:solidFill>
+            <a:schemeClr val="phClr"/>
+          </a:solidFill>
+          <a:prstDash val="solid"/>
+          <a:miter lim="800000"/>
+        </a:ln>
+        <a:ln w="12700" cap="flat" cmpd="sng" algn="ctr">
+          <a:solidFill>
+            <a:schemeClr val="phClr"/>
+          </a:solidFill>
+          <a:prstDash val="solid"/>
+          <a:miter lim="800000"/>
+        </a:ln>
+        <a:ln w="19050" cap="flat" cmpd="sng" algn="ctr">
+          <a:solidFill>
+            <a:schemeClr val="phClr"/>
+          </a:solidFill>
+          <a:prstDash val="solid"/>
+          <a:miter lim="800000"/>
+        </a:ln>
+      </a:lnStyleLst>
+      <a:effectStyleLst>
+        <a:effectStyle>
+          <a:effectLst/>
+        </a:effectStyle>
+        <a:effectStyle>
+          <a:effectLst/>
+        </a:effectStyle>
+        <a:effectStyle>
+          <a:effectLst>
+            <a:outerShdw blurRad="57150" dist="19050" dir="5400000" algn="ctr" rotWithShape="0">
+              <a:srgbClr val="000000">
+                <a:alpha val="63000"/>
+              </a:srgbClr>
+            </a:outerShdw>
+          </a:effectLst>
+        </a:effectStyle>
+      </a:effectStyleLst>
+      <a:bgFillStyleLst>
+        <a:solidFill>
+          <a:schemeClr val="phClr"/>
+        </a:solidFill>
+        <a:solidFill>
+          <a:schemeClr val="phClr">
+            <a:tint val="95000"/>
+            <a:satMod val="170000"/>
+          </a:schemeClr>
+        </a:solidFill>
+        <a:gradFill rotWithShape="1">
+          <a:gsLst>
+            <a:gs pos="0">
+              <a:schemeClr val="phClr">
+                <a:tint val="93000"/>
+                <a:satMod val="150000"/>
+                <a:shade val="98000"/>
+                <a:lumMod val="102000"/>
+              </a:schemeClr>
+            </a:gs>
+            <a:gs pos="50000">
+              <a:schemeClr val="phClr">
+                <a:tint val="98000"/>
+                <a:satMod val="130000"/>
+                <a:shade val="90000"/>
+                <a:lumMod val="103000"/>
+              </a:schemeClr>
+            </a:gs>
+            <a:gs pos="100000">
+              <a:schemeClr val="phClr">
+                <a:shade val="63000"/>
+                <a:satMod val="120000"/>
+              </a:schemeClr>
+            </a:gs>
+          </a:gsLst>
+          <a:lin ang="5400000" scaled="0"/>
+        </a:gradFill>
+      </a:bgFillStyleLst>
+    </a:fmtScheme>
+  </a:themeElements>
+  <a:objectDefaults/>
+  <a:extraClrSchemeLst/>
+  <a:extLst>
+    <a:ext uri="{05A4C25C-085E-4340-85A3-A5531E510DB2}">
+      <thm15:themeFamily xmlns:thm15="http://schemas.microsoft.com/office/thememl/2012/main" name="Office Theme" id="{62F939B6-93AF-4DB8-9C6B-D6C7DFDC589F}" vid="{4A3C46E8-61CC-4603-A589-7422A47A8E4A}"/>
+    </a:ext>
+  </a:extLst>
+</a:theme>
 </file>